--- a/Presentation.pptx
+++ b/Presentation.pptx
@@ -807,7 +807,7 @@
   <p:cSld>
     <p:spTree>
       <p:nvGrpSpPr>
-        <p:cNvPr id="124" name="Shape 124"/>
+        <p:cNvPr id="125" name="Shape 125"/>
         <p:cNvGrpSpPr/>
         <p:nvPr/>
       </p:nvGrpSpPr>
@@ -821,7 +821,7 @@
       </p:grpSpPr>
       <p:sp>
         <p:nvSpPr>
-          <p:cNvPr id="125" name="Google Shape;125;SLIDES_API261272826_45:notes"/>
+          <p:cNvPr id="126" name="Google Shape;126;SLIDES_API261272826_45:notes"/>
           <p:cNvSpPr/>
           <p:nvPr>
             <p:ph idx="2" type="sldImg"/>
@@ -856,7 +856,7 @@
       </p:sp>
       <p:sp>
         <p:nvSpPr>
-          <p:cNvPr id="126" name="Google Shape;126;SLIDES_API261272826_45:notes"/>
+          <p:cNvPr id="127" name="Google Shape;127;SLIDES_API261272826_45:notes"/>
           <p:cNvSpPr txBox="1"/>
           <p:nvPr>
             <p:ph idx="1" type="body"/>
@@ -907,7 +907,7 @@
   <p:cSld>
     <p:spTree>
       <p:nvGrpSpPr>
-        <p:cNvPr id="134" name="Shape 134"/>
+        <p:cNvPr id="135" name="Shape 135"/>
         <p:cNvGrpSpPr/>
         <p:nvPr/>
       </p:nvGrpSpPr>
@@ -921,7 +921,7 @@
       </p:grpSpPr>
       <p:sp>
         <p:nvSpPr>
-          <p:cNvPr id="135" name="Google Shape;135;SLIDES_API261272826_50:notes"/>
+          <p:cNvPr id="136" name="Google Shape;136;SLIDES_API261272826_50:notes"/>
           <p:cNvSpPr/>
           <p:nvPr>
             <p:ph idx="2" type="sldImg"/>
@@ -956,7 +956,7 @@
       </p:sp>
       <p:sp>
         <p:nvSpPr>
-          <p:cNvPr id="136" name="Google Shape;136;SLIDES_API261272826_50:notes"/>
+          <p:cNvPr id="137" name="Google Shape;137;SLIDES_API261272826_50:notes"/>
           <p:cNvSpPr txBox="1"/>
           <p:nvPr>
             <p:ph idx="1" type="body"/>
@@ -1007,7 +1007,7 @@
   <p:cSld>
     <p:spTree>
       <p:nvGrpSpPr>
-        <p:cNvPr id="142" name="Shape 142"/>
+        <p:cNvPr id="143" name="Shape 143"/>
         <p:cNvGrpSpPr/>
         <p:nvPr/>
       </p:nvGrpSpPr>
@@ -1021,7 +1021,7 @@
       </p:grpSpPr>
       <p:sp>
         <p:nvSpPr>
-          <p:cNvPr id="143" name="Google Shape;143;SLIDES_API261272826_55:notes"/>
+          <p:cNvPr id="144" name="Google Shape;144;SLIDES_API261272826_55:notes"/>
           <p:cNvSpPr/>
           <p:nvPr>
             <p:ph idx="2" type="sldImg"/>
@@ -1056,7 +1056,7 @@
       </p:sp>
       <p:sp>
         <p:nvSpPr>
-          <p:cNvPr id="144" name="Google Shape;144;SLIDES_API261272826_55:notes"/>
+          <p:cNvPr id="145" name="Google Shape;145;SLIDES_API261272826_55:notes"/>
           <p:cNvSpPr txBox="1"/>
           <p:nvPr>
             <p:ph idx="1" type="body"/>
@@ -1107,7 +1107,7 @@
   <p:cSld>
     <p:spTree>
       <p:nvGrpSpPr>
-        <p:cNvPr id="149" name="Shape 149"/>
+        <p:cNvPr id="150" name="Shape 150"/>
         <p:cNvGrpSpPr/>
         <p:nvPr/>
       </p:nvGrpSpPr>
@@ -1121,7 +1121,7 @@
       </p:grpSpPr>
       <p:sp>
         <p:nvSpPr>
-          <p:cNvPr id="150" name="Google Shape;150;SLIDES_API261272826_60:notes"/>
+          <p:cNvPr id="151" name="Google Shape;151;SLIDES_API261272826_60:notes"/>
           <p:cNvSpPr/>
           <p:nvPr>
             <p:ph idx="2" type="sldImg"/>
@@ -1156,7 +1156,7 @@
       </p:sp>
       <p:sp>
         <p:nvSpPr>
-          <p:cNvPr id="151" name="Google Shape;151;SLIDES_API261272826_60:notes"/>
+          <p:cNvPr id="152" name="Google Shape;152;SLIDES_API261272826_60:notes"/>
           <p:cNvSpPr txBox="1"/>
           <p:nvPr>
             <p:ph idx="1" type="body"/>
@@ -1207,7 +1207,7 @@
   <p:cSld>
     <p:spTree>
       <p:nvGrpSpPr>
-        <p:cNvPr id="156" name="Shape 156"/>
+        <p:cNvPr id="157" name="Shape 157"/>
         <p:cNvGrpSpPr/>
         <p:nvPr/>
       </p:nvGrpSpPr>
@@ -1221,7 +1221,7 @@
       </p:grpSpPr>
       <p:sp>
         <p:nvSpPr>
-          <p:cNvPr id="157" name="Google Shape;157;SLIDES_API261272826_65:notes"/>
+          <p:cNvPr id="158" name="Google Shape;158;SLIDES_API261272826_65:notes"/>
           <p:cNvSpPr/>
           <p:nvPr>
             <p:ph idx="2" type="sldImg"/>
@@ -1256,7 +1256,7 @@
       </p:sp>
       <p:sp>
         <p:nvSpPr>
-          <p:cNvPr id="158" name="Google Shape;158;SLIDES_API261272826_65:notes"/>
+          <p:cNvPr id="159" name="Google Shape;159;SLIDES_API261272826_65:notes"/>
           <p:cNvSpPr txBox="1"/>
           <p:nvPr>
             <p:ph idx="1" type="body"/>
@@ -1307,7 +1307,7 @@
   <p:cSld>
     <p:spTree>
       <p:nvGrpSpPr>
-        <p:cNvPr id="164" name="Shape 164"/>
+        <p:cNvPr id="165" name="Shape 165"/>
         <p:cNvGrpSpPr/>
         <p:nvPr/>
       </p:nvGrpSpPr>
@@ -1321,7 +1321,7 @@
       </p:grpSpPr>
       <p:sp>
         <p:nvSpPr>
-          <p:cNvPr id="165" name="Google Shape;165;SLIDES_API261272826_70:notes"/>
+          <p:cNvPr id="166" name="Google Shape;166;SLIDES_API261272826_70:notes"/>
           <p:cNvSpPr/>
           <p:nvPr>
             <p:ph idx="2" type="sldImg"/>
@@ -1356,7 +1356,7 @@
       </p:sp>
       <p:sp>
         <p:nvSpPr>
-          <p:cNvPr id="166" name="Google Shape;166;SLIDES_API261272826_70:notes"/>
+          <p:cNvPr id="167" name="Google Shape;167;SLIDES_API261272826_70:notes"/>
           <p:cNvSpPr txBox="1"/>
           <p:nvPr>
             <p:ph idx="1" type="body"/>
@@ -1407,7 +1407,7 @@
   <p:cSld>
     <p:spTree>
       <p:nvGrpSpPr>
-        <p:cNvPr id="171" name="Shape 171"/>
+        <p:cNvPr id="172" name="Shape 172"/>
         <p:cNvGrpSpPr/>
         <p:nvPr/>
       </p:nvGrpSpPr>
@@ -1421,7 +1421,7 @@
       </p:grpSpPr>
       <p:sp>
         <p:nvSpPr>
-          <p:cNvPr id="172" name="Google Shape;172;SLIDES_API261272826_75:notes"/>
+          <p:cNvPr id="173" name="Google Shape;173;SLIDES_API261272826_75:notes"/>
           <p:cNvSpPr/>
           <p:nvPr>
             <p:ph idx="2" type="sldImg"/>
@@ -1456,7 +1456,7 @@
       </p:sp>
       <p:sp>
         <p:nvSpPr>
-          <p:cNvPr id="173" name="Google Shape;173;SLIDES_API261272826_75:notes"/>
+          <p:cNvPr id="174" name="Google Shape;174;SLIDES_API261272826_75:notes"/>
           <p:cNvSpPr txBox="1"/>
           <p:nvPr>
             <p:ph idx="1" type="body"/>
@@ -1507,7 +1507,7 @@
   <p:cSld>
     <p:spTree>
       <p:nvGrpSpPr>
-        <p:cNvPr id="178" name="Shape 178"/>
+        <p:cNvPr id="179" name="Shape 179"/>
         <p:cNvGrpSpPr/>
         <p:nvPr/>
       </p:nvGrpSpPr>
@@ -1521,7 +1521,7 @@
       </p:grpSpPr>
       <p:sp>
         <p:nvSpPr>
-          <p:cNvPr id="179" name="Google Shape;179;SLIDES_API261272826_80:notes"/>
+          <p:cNvPr id="180" name="Google Shape;180;SLIDES_API261272826_80:notes"/>
           <p:cNvSpPr/>
           <p:nvPr>
             <p:ph idx="2" type="sldImg"/>
@@ -1556,7 +1556,7 @@
       </p:sp>
       <p:sp>
         <p:nvSpPr>
-          <p:cNvPr id="180" name="Google Shape;180;SLIDES_API261272826_80:notes"/>
+          <p:cNvPr id="181" name="Google Shape;181;SLIDES_API261272826_80:notes"/>
           <p:cNvSpPr txBox="1"/>
           <p:nvPr>
             <p:ph idx="1" type="body"/>
@@ -2207,7 +2207,7 @@
   <p:cSld>
     <p:spTree>
       <p:nvGrpSpPr>
-        <p:cNvPr id="107" name="Shape 107"/>
+        <p:cNvPr id="108" name="Shape 108"/>
         <p:cNvGrpSpPr/>
         <p:nvPr/>
       </p:nvGrpSpPr>
@@ -2221,7 +2221,7 @@
       </p:grpSpPr>
       <p:sp>
         <p:nvSpPr>
-          <p:cNvPr id="108" name="Google Shape;108;SLIDES_API261272826_35:notes"/>
+          <p:cNvPr id="109" name="Google Shape;109;SLIDES_API261272826_35:notes"/>
           <p:cNvSpPr/>
           <p:nvPr>
             <p:ph idx="2" type="sldImg"/>
@@ -2256,7 +2256,7 @@
       </p:sp>
       <p:sp>
         <p:nvSpPr>
-          <p:cNvPr id="109" name="Google Shape;109;SLIDES_API261272826_35:notes"/>
+          <p:cNvPr id="110" name="Google Shape;110;SLIDES_API261272826_35:notes"/>
           <p:cNvSpPr txBox="1"/>
           <p:nvPr>
             <p:ph idx="1" type="body"/>
@@ -2307,7 +2307,7 @@
   <p:cSld>
     <p:spTree>
       <p:nvGrpSpPr>
-        <p:cNvPr id="115" name="Shape 115"/>
+        <p:cNvPr id="116" name="Shape 116"/>
         <p:cNvGrpSpPr/>
         <p:nvPr/>
       </p:nvGrpSpPr>
@@ -2321,7 +2321,7 @@
       </p:grpSpPr>
       <p:sp>
         <p:nvSpPr>
-          <p:cNvPr id="116" name="Google Shape;116;SLIDES_API261272826_40:notes"/>
+          <p:cNvPr id="117" name="Google Shape;117;SLIDES_API261272826_40:notes"/>
           <p:cNvSpPr/>
           <p:nvPr>
             <p:ph idx="2" type="sldImg"/>
@@ -2356,7 +2356,7 @@
       </p:sp>
       <p:sp>
         <p:nvSpPr>
-          <p:cNvPr id="117" name="Google Shape;117;SLIDES_API261272826_40:notes"/>
+          <p:cNvPr id="118" name="Google Shape;118;SLIDES_API261272826_40:notes"/>
           <p:cNvSpPr txBox="1"/>
           <p:nvPr>
             <p:ph idx="1" type="body"/>
@@ -7181,8 +7181,8 @@
         </p:nvSpPr>
         <p:spPr>
           <a:xfrm>
-            <a:off x="407975" y="474875"/>
-            <a:ext cx="8328000" cy="2052600"/>
+            <a:off x="461925" y="1089025"/>
+            <a:ext cx="8017500" cy="1745100"/>
           </a:xfrm>
           <a:prstGeom prst="rect">
             <a:avLst/>
@@ -7204,14 +7204,62 @@
               <a:buNone/>
             </a:pPr>
             <a:r>
-              <a:rPr lang="en" sz="4200">
+              <a:rPr lang="en" sz="3300">
                 <a:solidFill>
                   <a:schemeClr val="lt1"/>
                 </a:solidFill>
               </a:rPr>
-              <a:t>Clinical Text Summarization Using T5 Transformer: An End-to-End Pipeline Implementation</a:t>
-            </a:r>
-            <a:endParaRPr sz="4200">
+              <a:t>Clinical Text Summarization Using Multi-Model Transformer Evaluation: </a:t>
+            </a:r>
+            <a:endParaRPr sz="3300">
+              <a:solidFill>
+                <a:schemeClr val="lt1"/>
+              </a:solidFill>
+            </a:endParaRPr>
+          </a:p>
+          <a:p>
+            <a:pPr indent="0" lvl="0" marL="0" rtl="0" algn="ctr">
+              <a:spcBef>
+                <a:spcPts val="0"/>
+              </a:spcBef>
+              <a:spcAft>
+                <a:spcPts val="0"/>
+              </a:spcAft>
+              <a:buNone/>
+            </a:pPr>
+            <a:r>
+              <a:rPr lang="en" sz="3300">
+                <a:solidFill>
+                  <a:schemeClr val="lt1"/>
+                </a:solidFill>
+              </a:rPr>
+              <a:t>A Comprehensive Analysis of </a:t>
+            </a:r>
+            <a:endParaRPr sz="3300">
+              <a:solidFill>
+                <a:schemeClr val="lt1"/>
+              </a:solidFill>
+            </a:endParaRPr>
+          </a:p>
+          <a:p>
+            <a:pPr indent="0" lvl="0" marL="0" rtl="0" algn="ctr">
+              <a:spcBef>
+                <a:spcPts val="0"/>
+              </a:spcBef>
+              <a:spcAft>
+                <a:spcPts val="0"/>
+              </a:spcAft>
+              <a:buNone/>
+            </a:pPr>
+            <a:r>
+              <a:rPr lang="en" sz="3300">
+                <a:solidFill>
+                  <a:schemeClr val="lt1"/>
+                </a:solidFill>
+              </a:rPr>
+              <a:t>T5 and BART Architectures</a:t>
+            </a:r>
+            <a:endParaRPr sz="3300">
               <a:solidFill>
                 <a:schemeClr val="lt1"/>
               </a:solidFill>
@@ -7353,7 +7401,16 @@
                   <a:schemeClr val="lt1"/>
                 </a:solidFill>
               </a:rPr>
-              <a:t>GitHub: https://github.com/bkiritom8/NLP-Project.git</a:t>
+              <a:t>GitHub: </a:t>
+            </a:r>
+            <a:r>
+              <a:rPr lang="en" sz="1600" u="sng">
+                <a:solidFill>
+                  <a:schemeClr val="hlink"/>
+                </a:solidFill>
+                <a:hlinkClick r:id="rId4"/>
+              </a:rPr>
+              <a:t>https://github.com/bkiritom8/NLP-Project.git</a:t>
             </a:r>
             <a:endParaRPr sz="1600">
               <a:solidFill>
@@ -7368,6 +7425,111 @@
   <p:clrMapOvr>
     <a:masterClrMapping/>
   </p:clrMapOvr>
+  <p:timing>
+    <p:tnLst>
+      <p:par>
+        <p:cTn dur="indefinite" nodeType="tmRoot" restart="never">
+          <p:childTnLst>
+            <p:seq concurrent="1" nextAc="seek">
+              <p:cTn dur="indefinite" id="2" nodeType="mainSeq">
+                <p:childTnLst>
+                  <p:par>
+                    <p:cTn fill="hold">
+                      <p:stCondLst>
+                        <p:cond delay="indefinite"/>
+                        <p:cond evt="onBegin" delay="0">
+                          <p:tn val="2"/>
+                        </p:cond>
+                      </p:stCondLst>
+                      <p:childTnLst>
+                        <p:par>
+                          <p:cTn fill="hold">
+                            <p:stCondLst>
+                              <p:cond delay="0"/>
+                            </p:stCondLst>
+                            <p:childTnLst>
+                              <p:par>
+                                <p:cTn fill="hold" nodeType="afterEffect" presetClass="entr" presetID="1" presetSubtype="0">
+                                  <p:stCondLst>
+                                    <p:cond delay="0"/>
+                                  </p:stCondLst>
+                                  <p:childTnLst>
+                                    <p:set>
+                                      <p:cBhvr>
+                                        <p:cTn dur="1" fill="hold">
+                                          <p:stCondLst>
+                                            <p:cond delay="0"/>
+                                          </p:stCondLst>
+                                        </p:cTn>
+                                        <p:tgtEl>
+                                          <p:spTgt spid="55"/>
+                                        </p:tgtEl>
+                                        <p:attrNameLst>
+                                          <p:attrName>style.visibility</p:attrName>
+                                        </p:attrNameLst>
+                                      </p:cBhvr>
+                                      <p:to>
+                                        <p:strVal val="visible"/>
+                                      </p:to>
+                                    </p:set>
+                                  </p:childTnLst>
+                                </p:cTn>
+                              </p:par>
+                              <p:par>
+                                <p:cTn fill="hold" nodeType="withEffect" presetClass="entr" presetID="1" presetSubtype="0">
+                                  <p:stCondLst>
+                                    <p:cond delay="0"/>
+                                  </p:stCondLst>
+                                  <p:childTnLst>
+                                    <p:set>
+                                      <p:cBhvr>
+                                        <p:cTn dur="1" fill="hold">
+                                          <p:stCondLst>
+                                            <p:cond delay="0"/>
+                                          </p:stCondLst>
+                                        </p:cTn>
+                                        <p:tgtEl>
+                                          <p:spTgt spid="56"/>
+                                        </p:tgtEl>
+                                        <p:attrNameLst>
+                                          <p:attrName>style.visibility</p:attrName>
+                                        </p:attrNameLst>
+                                      </p:cBhvr>
+                                      <p:to>
+                                        <p:strVal val="visible"/>
+                                      </p:to>
+                                    </p:set>
+                                  </p:childTnLst>
+                                </p:cTn>
+                              </p:par>
+                            </p:childTnLst>
+                          </p:cTn>
+                        </p:par>
+                      </p:childTnLst>
+                    </p:cTn>
+                  </p:par>
+                </p:childTnLst>
+              </p:cTn>
+              <p:prevCondLst>
+                <p:cond evt="onPrev">
+                  <p:tgtEl>
+                    <p:sldTgt/>
+                  </p:tgtEl>
+                </p:cond>
+              </p:prevCondLst>
+              <p:nextCondLst>
+                <p:cond evt="onNext">
+                  <p:tgtEl>
+                    <p:sldTgt/>
+                  </p:tgtEl>
+                </p:cond>
+              </p:nextCondLst>
+            </p:seq>
+          </p:childTnLst>
+        </p:cTn>
+      </p:par>
+    </p:tnLst>
+  </p:timing>
 </p:sld>
 </file>
 
@@ -7376,7 +7538,7 @@
   <p:cSld>
     <p:spTree>
       <p:nvGrpSpPr>
-        <p:cNvPr id="127" name="Shape 127"/>
+        <p:cNvPr id="128" name="Shape 128"/>
         <p:cNvGrpSpPr/>
         <p:nvPr/>
       </p:nvGrpSpPr>
@@ -7390,7 +7552,7 @@
       </p:grpSpPr>
       <p:pic>
         <p:nvPicPr>
-          <p:cNvPr id="128" name="Google Shape;128;p22"/>
+          <p:cNvPr id="129" name="Google Shape;129;p22"/>
           <p:cNvPicPr preferRelativeResize="0"/>
           <p:nvPr/>
         </p:nvPicPr>
@@ -7418,7 +7580,7 @@
       </p:pic>
       <p:sp>
         <p:nvSpPr>
-          <p:cNvPr id="129" name="Google Shape;129;p22"/>
+          <p:cNvPr id="130" name="Google Shape;130;p22"/>
           <p:cNvSpPr txBox="1"/>
           <p:nvPr>
             <p:ph type="title"/>
@@ -7426,7 +7588,7 @@
         </p:nvSpPr>
         <p:spPr>
           <a:xfrm>
-            <a:off x="407975" y="445025"/>
+            <a:off x="928800" y="445025"/>
             <a:ext cx="8328000" cy="572700"/>
           </a:xfrm>
           <a:prstGeom prst="rect">
@@ -7454,7 +7616,7 @@
                   <a:schemeClr val="lt1"/>
                 </a:solidFill>
               </a:rPr>
-              <a:t>Clinical Accuracy &amp; Safety Analysis</a:t>
+              <a:t>Clinical Accuracy </a:t>
             </a:r>
             <a:endParaRPr>
               <a:solidFill>
@@ -7466,7 +7628,7 @@
       </p:sp>
       <p:sp>
         <p:nvSpPr>
-          <p:cNvPr id="130" name="Google Shape;130;p22"/>
+          <p:cNvPr id="131" name="Google Shape;131;p22"/>
           <p:cNvSpPr txBox="1"/>
           <p:nvPr>
             <p:ph idx="1" type="body"/>
@@ -7474,7 +7636,7 @@
         </p:nvSpPr>
         <p:spPr>
           <a:xfrm>
-            <a:off x="407975" y="1152475"/>
+            <a:off x="928800" y="1080525"/>
             <a:ext cx="3903600" cy="3416400"/>
           </a:xfrm>
           <a:prstGeom prst="rect">
@@ -7489,7 +7651,7 @@
           <a:p>
             <a:pPr indent="0" lvl="0" marL="0" rtl="0" algn="l">
               <a:spcBef>
-                <a:spcPts val="0"/>
+                <a:spcPts val="1200"/>
               </a:spcBef>
               <a:spcAft>
                 <a:spcPts val="0"/>
@@ -7497,21 +7659,21 @@
               <a:buNone/>
             </a:pPr>
             <a:r>
-              <a:rPr lang="en">
-                <a:solidFill>
-                  <a:schemeClr val="lt1"/>
-                </a:solidFill>
-              </a:rPr>
-              <a:t>Clinical Validation Results:</a:t>
-            </a:r>
-            <a:endParaRPr>
+              <a:rPr b="1" lang="en" sz="1700">
+                <a:solidFill>
+                  <a:srgbClr val="000000"/>
+                </a:solidFill>
+              </a:rPr>
+              <a:t>Model Reliability Across All Models:</a:t>
+            </a:r>
+            <a:endParaRPr b="1" sz="1700">
               <a:solidFill>
-                <a:schemeClr val="lt1"/>
+                <a:srgbClr val="000000"/>
               </a:solidFill>
             </a:endParaRPr>
           </a:p>
           <a:p>
-            <a:pPr indent="-317500" lvl="0" marL="457200" rtl="0" algn="l">
+            <a:pPr indent="-336550" lvl="0" marL="457200" rtl="0" algn="l">
               <a:spcBef>
                 <a:spcPts val="1200"/>
               </a:spcBef>
@@ -7519,27 +7681,35 @@
                 <a:spcPts val="0"/>
               </a:spcAft>
               <a:buClr>
-                <a:schemeClr val="lt1"/>
+                <a:srgbClr val="000000"/>
               </a:buClr>
-              <a:buSzPts val="1400"/>
+              <a:buSzPts val="1700"/>
               <a:buChar char="●"/>
             </a:pPr>
             <a:r>
-              <a:rPr lang="en">
-                <a:solidFill>
-                  <a:schemeClr val="lt1"/>
-                </a:solidFill>
-              </a:rPr>
-              <a:t>Medical terminology preservation: 98%+</a:t>
-            </a:r>
-            <a:endParaRPr>
+              <a:rPr b="1" lang="en" sz="1700">
+                <a:solidFill>
+                  <a:srgbClr val="000000"/>
+                </a:solidFill>
+              </a:rPr>
+              <a:t>Success rate:</a:t>
+            </a:r>
+            <a:r>
+              <a:rPr lang="en" sz="1700">
+                <a:solidFill>
+                  <a:srgbClr val="000000"/>
+                </a:solidFill>
+              </a:rPr>
+              <a:t> 100% across T5-Small, BART-Large, T5-Base</a:t>
+            </a:r>
+            <a:endParaRPr sz="1700">
               <a:solidFill>
-                <a:schemeClr val="lt1"/>
+                <a:srgbClr val="000000"/>
               </a:solidFill>
             </a:endParaRPr>
           </a:p>
           <a:p>
-            <a:pPr indent="-317500" lvl="0" marL="457200" rtl="0" algn="l">
+            <a:pPr indent="-336550" lvl="0" marL="457200" rtl="0" algn="l">
               <a:spcBef>
                 <a:spcPts val="0"/>
               </a:spcBef>
@@ -7547,27 +7717,35 @@
                 <a:spcPts val="0"/>
               </a:spcAft>
               <a:buClr>
-                <a:schemeClr val="lt1"/>
+                <a:srgbClr val="000000"/>
               </a:buClr>
-              <a:buSzPts val="1400"/>
+              <a:buSzPts val="1700"/>
               <a:buChar char="●"/>
             </a:pPr>
             <a:r>
-              <a:rPr lang="en">
-                <a:solidFill>
-                  <a:schemeClr val="lt1"/>
-                </a:solidFill>
-              </a:rPr>
-              <a:t>Essential clinical information retained</a:t>
-            </a:r>
-            <a:endParaRPr>
+              <a:rPr b="1" lang="en" sz="1700">
+                <a:solidFill>
+                  <a:srgbClr val="000000"/>
+                </a:solidFill>
+              </a:rPr>
+              <a:t>Medical terminology preservation:</a:t>
+            </a:r>
+            <a:r>
+              <a:rPr lang="en" sz="1700">
+                <a:solidFill>
+                  <a:srgbClr val="000000"/>
+                </a:solidFill>
+              </a:rPr>
+              <a:t> Consistent across models</a:t>
+            </a:r>
+            <a:endParaRPr sz="1700">
               <a:solidFill>
-                <a:schemeClr val="lt1"/>
+                <a:srgbClr val="000000"/>
               </a:solidFill>
             </a:endParaRPr>
           </a:p>
           <a:p>
-            <a:pPr indent="-317500" lvl="0" marL="457200" rtl="0" algn="l">
+            <a:pPr indent="-336550" lvl="0" marL="457200" rtl="0" algn="l">
               <a:spcBef>
                 <a:spcPts val="0"/>
               </a:spcBef>
@@ -7575,76 +7753,28 @@
                 <a:spcPts val="0"/>
               </a:spcAft>
               <a:buClr>
-                <a:schemeClr val="lt1"/>
+                <a:srgbClr val="000000"/>
               </a:buClr>
-              <a:buSzPts val="1400"/>
+              <a:buSzPts val="1700"/>
               <a:buChar char="●"/>
             </a:pPr>
             <a:r>
-              <a:rPr lang="en">
-                <a:solidFill>
-                  <a:schemeClr val="lt1"/>
-                </a:solidFill>
-              </a:rPr>
-              <a:t>Procedural details maintained</a:t>
-            </a:r>
-            <a:endParaRPr>
-              <a:solidFill>
-                <a:schemeClr val="lt1"/>
-              </a:solidFill>
-            </a:endParaRPr>
-          </a:p>
-          <a:p>
-            <a:pPr indent="-317500" lvl="0" marL="457200" rtl="0" algn="l">
-              <a:spcBef>
-                <a:spcPts val="0"/>
-              </a:spcBef>
-              <a:spcAft>
-                <a:spcPts val="0"/>
-              </a:spcAft>
-              <a:buClr>
-                <a:schemeClr val="lt1"/>
-              </a:buClr>
-              <a:buSzPts val="1400"/>
-              <a:buChar char="●"/>
-            </a:pPr>
-            <a:r>
-              <a:rPr lang="en">
-                <a:solidFill>
-                  <a:schemeClr val="lt1"/>
-                </a:solidFill>
-              </a:rPr>
-              <a:t>Patient safety information preserved</a:t>
-            </a:r>
-            <a:endParaRPr>
-              <a:solidFill>
-                <a:schemeClr val="lt1"/>
-              </a:solidFill>
-            </a:endParaRPr>
-          </a:p>
-          <a:p>
-            <a:pPr indent="-317500" lvl="0" marL="457200" rtl="0" algn="l">
-              <a:spcBef>
-                <a:spcPts val="0"/>
-              </a:spcBef>
-              <a:spcAft>
-                <a:spcPts val="0"/>
-              </a:spcAft>
-              <a:buClr>
-                <a:schemeClr val="lt1"/>
-              </a:buClr>
-              <a:buSzPts val="1400"/>
-              <a:buChar char="●"/>
-            </a:pPr>
-            <a:r>
-              <a:rPr lang="en">
-                <a:solidFill>
-                  <a:schemeClr val="lt1"/>
-                </a:solidFill>
-              </a:rPr>
-              <a:t>Consistent performance across specialties</a:t>
-            </a:r>
-            <a:endParaRPr>
+              <a:rPr b="1" lang="en" sz="1700">
+                <a:solidFill>
+                  <a:srgbClr val="000000"/>
+                </a:solidFill>
+              </a:rPr>
+              <a:t>T5-Small advantage:</a:t>
+            </a:r>
+            <a:r>
+              <a:rPr lang="en" sz="1700">
+                <a:solidFill>
+                  <a:srgbClr val="000000"/>
+                </a:solidFill>
+              </a:rPr>
+              <a:t> 4.6x faster processing for real-time applications</a:t>
+            </a:r>
+            <a:endParaRPr sz="1700">
               <a:solidFill>
                 <a:schemeClr val="lt1"/>
               </a:solidFill>
@@ -7656,33 +7786,14 @@
                 <a:spcPts val="1200"/>
               </a:spcBef>
               <a:spcAft>
-                <a:spcPts val="0"/>
+                <a:spcPts val="1200"/>
               </a:spcAft>
               <a:buNone/>
             </a:pPr>
             <a:r>
               <a:t/>
             </a:r>
-            <a:endParaRPr>
-              <a:solidFill>
-                <a:schemeClr val="lt1"/>
-              </a:solidFill>
-            </a:endParaRPr>
-          </a:p>
-          <a:p>
-            <a:pPr indent="0" lvl="0" marL="0" rtl="0" algn="l">
-              <a:spcBef>
-                <a:spcPts val="1200"/>
-              </a:spcBef>
-              <a:spcAft>
-                <a:spcPts val="1200"/>
-              </a:spcAft>
-              <a:buNone/>
-            </a:pPr>
-            <a:r>
-              <a:t/>
-            </a:r>
-            <a:endParaRPr>
+            <a:endParaRPr sz="1700">
               <a:solidFill>
                 <a:schemeClr val="lt1"/>
               </a:solidFill>
@@ -7692,7 +7803,7 @@
       </p:sp>
       <p:sp>
         <p:nvSpPr>
-          <p:cNvPr id="131" name="Google Shape;131;p22"/>
+          <p:cNvPr id="132" name="Google Shape;132;p22"/>
           <p:cNvSpPr txBox="1"/>
           <p:nvPr>
             <p:ph idx="2" type="body"/>
@@ -7746,7 +7857,7 @@
       </p:sp>
       <p:pic>
         <p:nvPicPr>
-          <p:cNvPr id="132" name="Google Shape;132;p22"/>
+          <p:cNvPr id="133" name="Google Shape;133;p22"/>
           <p:cNvPicPr preferRelativeResize="0"/>
           <p:nvPr/>
         </p:nvPicPr>
@@ -7774,7 +7885,7 @@
       </p:pic>
       <p:pic>
         <p:nvPicPr>
-          <p:cNvPr id="133" name="Google Shape;133;p22"/>
+          <p:cNvPr id="134" name="Google Shape;134;p22"/>
           <p:cNvPicPr preferRelativeResize="0"/>
           <p:nvPr/>
         </p:nvPicPr>
@@ -7805,6 +7916,219 @@
   <p:clrMapOvr>
     <a:masterClrMapping/>
   </p:clrMapOvr>
+  <p:timing>
+    <p:tnLst>
+      <p:par>
+        <p:cTn dur="indefinite" nodeType="tmRoot" restart="never">
+          <p:childTnLst>
+            <p:seq concurrent="1" nextAc="seek">
+              <p:cTn dur="indefinite" id="2" nodeType="mainSeq">
+                <p:childTnLst>
+                  <p:par>
+                    <p:cTn fill="hold">
+                      <p:stCondLst>
+                        <p:cond delay="indefinite"/>
+                        <p:cond evt="onBegin" delay="0">
+                          <p:tn val="2"/>
+                        </p:cond>
+                      </p:stCondLst>
+                      <p:childTnLst>
+                        <p:par>
+                          <p:cTn fill="hold">
+                            <p:stCondLst>
+                              <p:cond delay="0"/>
+                            </p:stCondLst>
+                            <p:childTnLst>
+                              <p:par>
+                                <p:cTn fill="hold" nodeType="afterEffect" presetClass="entr" presetID="1" presetSubtype="0">
+                                  <p:stCondLst>
+                                    <p:cond delay="0"/>
+                                  </p:stCondLst>
+                                  <p:childTnLst>
+                                    <p:set>
+                                      <p:cBhvr>
+                                        <p:cTn dur="1" fill="hold">
+                                          <p:stCondLst>
+                                            <p:cond delay="0"/>
+                                          </p:stCondLst>
+                                        </p:cTn>
+                                        <p:tgtEl>
+                                          <p:spTgt spid="129"/>
+                                        </p:tgtEl>
+                                        <p:attrNameLst>
+                                          <p:attrName>style.visibility</p:attrName>
+                                        </p:attrNameLst>
+                                      </p:cBhvr>
+                                      <p:to>
+                                        <p:strVal val="visible"/>
+                                      </p:to>
+                                    </p:set>
+                                  </p:childTnLst>
+                                </p:cTn>
+                              </p:par>
+                              <p:par>
+                                <p:cTn fill="hold" nodeType="withEffect" presetClass="entr" presetID="1" presetSubtype="0">
+                                  <p:stCondLst>
+                                    <p:cond delay="0"/>
+                                  </p:stCondLst>
+                                  <p:childTnLst>
+                                    <p:set>
+                                      <p:cBhvr>
+                                        <p:cTn dur="1" fill="hold">
+                                          <p:stCondLst>
+                                            <p:cond delay="0"/>
+                                          </p:stCondLst>
+                                        </p:cTn>
+                                        <p:tgtEl>
+                                          <p:spTgt spid="130"/>
+                                        </p:tgtEl>
+                                        <p:attrNameLst>
+                                          <p:attrName>style.visibility</p:attrName>
+                                        </p:attrNameLst>
+                                      </p:cBhvr>
+                                      <p:to>
+                                        <p:strVal val="visible"/>
+                                      </p:to>
+                                    </p:set>
+                                  </p:childTnLst>
+                                </p:cTn>
+                              </p:par>
+                              <p:par>
+                                <p:cTn fill="hold" nodeType="withEffect" presetClass="entr" presetID="1" presetSubtype="0">
+                                  <p:stCondLst>
+                                    <p:cond delay="0"/>
+                                  </p:stCondLst>
+                                  <p:childTnLst>
+                                    <p:set>
+                                      <p:cBhvr>
+                                        <p:cTn dur="1" fill="hold">
+                                          <p:stCondLst>
+                                            <p:cond delay="0"/>
+                                          </p:stCondLst>
+                                        </p:cTn>
+                                        <p:tgtEl>
+                                          <p:spTgt spid="131"/>
+                                        </p:tgtEl>
+                                        <p:attrNameLst>
+                                          <p:attrName>style.visibility</p:attrName>
+                                        </p:attrNameLst>
+                                      </p:cBhvr>
+                                      <p:to>
+                                        <p:strVal val="visible"/>
+                                      </p:to>
+                                    </p:set>
+                                  </p:childTnLst>
+                                </p:cTn>
+                              </p:par>
+                              <p:par>
+                                <p:cTn fill="hold" nodeType="withEffect" presetClass="entr" presetID="1" presetSubtype="0">
+                                  <p:stCondLst>
+                                    <p:cond delay="0"/>
+                                  </p:stCondLst>
+                                  <p:childTnLst>
+                                    <p:set>
+                                      <p:cBhvr>
+                                        <p:cTn dur="1" fill="hold">
+                                          <p:stCondLst>
+                                            <p:cond delay="0"/>
+                                          </p:stCondLst>
+                                        </p:cTn>
+                                        <p:tgtEl>
+                                          <p:spTgt spid="132"/>
+                                        </p:tgtEl>
+                                        <p:attrNameLst>
+                                          <p:attrName>style.visibility</p:attrName>
+                                        </p:attrNameLst>
+                                      </p:cBhvr>
+                                      <p:to>
+                                        <p:strVal val="visible"/>
+                                      </p:to>
+                                    </p:set>
+                                  </p:childTnLst>
+                                </p:cTn>
+                              </p:par>
+                              <p:par>
+                                <p:cTn fill="hold" nodeType="withEffect" presetClass="entr" presetID="1" presetSubtype="0">
+                                  <p:stCondLst>
+                                    <p:cond delay="0"/>
+                                  </p:stCondLst>
+                                  <p:childTnLst>
+                                    <p:set>
+                                      <p:cBhvr>
+                                        <p:cTn dur="1" fill="hold">
+                                          <p:stCondLst>
+                                            <p:cond delay="0"/>
+                                          </p:stCondLst>
+                                        </p:cTn>
+                                        <p:tgtEl>
+                                          <p:spTgt spid="133"/>
+                                        </p:tgtEl>
+                                        <p:attrNameLst>
+                                          <p:attrName>style.visibility</p:attrName>
+                                        </p:attrNameLst>
+                                      </p:cBhvr>
+                                      <p:to>
+                                        <p:strVal val="visible"/>
+                                      </p:to>
+                                    </p:set>
+                                  </p:childTnLst>
+                                </p:cTn>
+                              </p:par>
+                              <p:par>
+                                <p:cTn fill="hold" nodeType="withEffect" presetClass="entr" presetID="1" presetSubtype="0">
+                                  <p:stCondLst>
+                                    <p:cond delay="0"/>
+                                  </p:stCondLst>
+                                  <p:childTnLst>
+                                    <p:set>
+                                      <p:cBhvr>
+                                        <p:cTn dur="1" fill="hold">
+                                          <p:stCondLst>
+                                            <p:cond delay="0"/>
+                                          </p:stCondLst>
+                                        </p:cTn>
+                                        <p:tgtEl>
+                                          <p:spTgt spid="134"/>
+                                        </p:tgtEl>
+                                        <p:attrNameLst>
+                                          <p:attrName>style.visibility</p:attrName>
+                                        </p:attrNameLst>
+                                      </p:cBhvr>
+                                      <p:to>
+                                        <p:strVal val="visible"/>
+                                      </p:to>
+                                    </p:set>
+                                  </p:childTnLst>
+                                </p:cTn>
+                              </p:par>
+                            </p:childTnLst>
+                          </p:cTn>
+                        </p:par>
+                      </p:childTnLst>
+                    </p:cTn>
+                  </p:par>
+                </p:childTnLst>
+              </p:cTn>
+              <p:prevCondLst>
+                <p:cond evt="onPrev">
+                  <p:tgtEl>
+                    <p:sldTgt/>
+                  </p:tgtEl>
+                </p:cond>
+              </p:prevCondLst>
+              <p:nextCondLst>
+                <p:cond evt="onNext">
+                  <p:tgtEl>
+                    <p:sldTgt/>
+                  </p:tgtEl>
+                </p:cond>
+              </p:nextCondLst>
+            </p:seq>
+          </p:childTnLst>
+        </p:cTn>
+      </p:par>
+    </p:tnLst>
+  </p:timing>
 </p:sld>
 </file>
 
@@ -7813,7 +8137,7 @@
   <p:cSld>
     <p:spTree>
       <p:nvGrpSpPr>
-        <p:cNvPr id="137" name="Shape 137"/>
+        <p:cNvPr id="138" name="Shape 138"/>
         <p:cNvGrpSpPr/>
         <p:nvPr/>
       </p:nvGrpSpPr>
@@ -7827,7 +8151,7 @@
       </p:grpSpPr>
       <p:pic>
         <p:nvPicPr>
-          <p:cNvPr id="138" name="Google Shape;138;p23"/>
+          <p:cNvPr id="139" name="Google Shape;139;p23"/>
           <p:cNvPicPr preferRelativeResize="0"/>
           <p:nvPr/>
         </p:nvPicPr>
@@ -7855,7 +8179,7 @@
       </p:pic>
       <p:sp>
         <p:nvSpPr>
-          <p:cNvPr id="139" name="Google Shape;139;p23"/>
+          <p:cNvPr id="140" name="Google Shape;140;p23"/>
           <p:cNvSpPr txBox="1"/>
           <p:nvPr>
             <p:ph type="title"/>
@@ -7863,7 +8187,7 @@
         </p:nvSpPr>
         <p:spPr>
           <a:xfrm>
-            <a:off x="407975" y="445025"/>
+            <a:off x="915475" y="486175"/>
             <a:ext cx="8328000" cy="572700"/>
           </a:xfrm>
           <a:prstGeom prst="rect">
@@ -7903,7 +8227,7 @@
       </p:sp>
       <p:sp>
         <p:nvSpPr>
-          <p:cNvPr id="140" name="Google Shape;140;p23"/>
+          <p:cNvPr id="141" name="Google Shape;141;p23"/>
           <p:cNvSpPr txBox="1"/>
           <p:nvPr>
             <p:ph idx="1" type="body"/>
@@ -7911,7 +8235,7 @@
         </p:nvSpPr>
         <p:spPr>
           <a:xfrm>
-            <a:off x="407975" y="1152475"/>
+            <a:off x="668400" y="1152475"/>
             <a:ext cx="3903600" cy="3416400"/>
           </a:xfrm>
           <a:prstGeom prst="rect">
@@ -7934,21 +8258,21 @@
               <a:buNone/>
             </a:pPr>
             <a:r>
-              <a:rPr lang="en">
+              <a:rPr b="1" lang="en" sz="1800">
                 <a:solidFill>
                   <a:schemeClr val="lt1"/>
                 </a:solidFill>
               </a:rPr>
               <a:t>Technical Challenges Overcome:</a:t>
             </a:r>
-            <a:endParaRPr>
+            <a:endParaRPr b="1" sz="1800">
               <a:solidFill>
                 <a:schemeClr val="lt1"/>
               </a:solidFill>
             </a:endParaRPr>
           </a:p>
           <a:p>
-            <a:pPr indent="-317500" lvl="0" marL="457200" rtl="0" algn="l">
+            <a:pPr indent="-342900" lvl="0" marL="457200" rtl="0" algn="l">
               <a:spcBef>
                 <a:spcPts val="1200"/>
               </a:spcBef>
@@ -7958,25 +8282,25 @@
               <a:buClr>
                 <a:schemeClr val="lt1"/>
               </a:buClr>
-              <a:buSzPts val="1400"/>
+              <a:buSzPts val="1800"/>
               <a:buChar char="●"/>
             </a:pPr>
             <a:r>
-              <a:rPr lang="en">
+              <a:rPr lang="en" sz="1800">
                 <a:solidFill>
                   <a:schemeClr val="lt1"/>
                 </a:solidFill>
               </a:rPr>
               <a:t>Model configuration optimization</a:t>
             </a:r>
-            <a:endParaRPr>
+            <a:endParaRPr sz="1800">
               <a:solidFill>
                 <a:schemeClr val="lt1"/>
               </a:solidFill>
             </a:endParaRPr>
           </a:p>
           <a:p>
-            <a:pPr indent="-317500" lvl="0" marL="457200" rtl="0" algn="l">
+            <a:pPr indent="-342900" lvl="0" marL="457200" rtl="0" algn="l">
               <a:spcBef>
                 <a:spcPts val="0"/>
               </a:spcBef>
@@ -7986,25 +8310,25 @@
               <a:buClr>
                 <a:schemeClr val="lt1"/>
               </a:buClr>
-              <a:buSzPts val="1400"/>
+              <a:buSzPts val="1800"/>
               <a:buChar char="●"/>
             </a:pPr>
             <a:r>
-              <a:rPr lang="en">
+              <a:rPr lang="en" sz="1800">
                 <a:solidFill>
                   <a:schemeClr val="lt1"/>
                 </a:solidFill>
               </a:rPr>
               <a:t>Medical terminology preservation</a:t>
             </a:r>
-            <a:endParaRPr>
+            <a:endParaRPr sz="1800">
               <a:solidFill>
                 <a:schemeClr val="lt1"/>
               </a:solidFill>
             </a:endParaRPr>
           </a:p>
           <a:p>
-            <a:pPr indent="-317500" lvl="0" marL="457200" rtl="0" algn="l">
+            <a:pPr indent="-342900" lvl="0" marL="457200" rtl="0" algn="l">
               <a:spcBef>
                 <a:spcPts val="0"/>
               </a:spcBef>
@@ -8014,25 +8338,25 @@
               <a:buClr>
                 <a:schemeClr val="lt1"/>
               </a:buClr>
-              <a:buSzPts val="1400"/>
+              <a:buSzPts val="1800"/>
               <a:buChar char="●"/>
             </a:pPr>
             <a:r>
-              <a:rPr lang="en">
+              <a:rPr lang="en" sz="1800">
                 <a:solidFill>
                   <a:schemeClr val="lt1"/>
                 </a:solidFill>
               </a:rPr>
               <a:t>Clinical context maintenance</a:t>
             </a:r>
-            <a:endParaRPr>
+            <a:endParaRPr sz="1800">
               <a:solidFill>
                 <a:schemeClr val="lt1"/>
               </a:solidFill>
             </a:endParaRPr>
           </a:p>
           <a:p>
-            <a:pPr indent="-317500" lvl="0" marL="457200" rtl="0" algn="l">
+            <a:pPr indent="-342900" lvl="0" marL="457200" rtl="0" algn="l">
               <a:spcBef>
                 <a:spcPts val="0"/>
               </a:spcBef>
@@ -8042,18 +8366,18 @@
               <a:buClr>
                 <a:schemeClr val="lt1"/>
               </a:buClr>
-              <a:buSzPts val="1400"/>
+              <a:buSzPts val="1800"/>
               <a:buChar char="●"/>
             </a:pPr>
             <a:r>
-              <a:rPr lang="en">
+              <a:rPr lang="en" sz="1800">
                 <a:solidFill>
                   <a:schemeClr val="lt1"/>
                 </a:solidFill>
               </a:rPr>
               <a:t>Processing efficiency requirements</a:t>
             </a:r>
-            <a:endParaRPr>
+            <a:endParaRPr sz="1800">
               <a:solidFill>
                 <a:schemeClr val="lt1"/>
               </a:solidFill>
@@ -8063,7 +8387,7 @@
       </p:sp>
       <p:sp>
         <p:nvSpPr>
-          <p:cNvPr id="141" name="Google Shape;141;p23"/>
+          <p:cNvPr id="142" name="Google Shape;142;p23"/>
           <p:cNvSpPr txBox="1"/>
           <p:nvPr>
             <p:ph idx="2" type="body"/>
@@ -8094,21 +8418,21 @@
               <a:buNone/>
             </a:pPr>
             <a:r>
-              <a:rPr lang="en">
+              <a:rPr b="1" lang="en" sz="1800">
                 <a:solidFill>
                   <a:schemeClr val="lt1"/>
                 </a:solidFill>
               </a:rPr>
               <a:t>Solutions Implemented:</a:t>
             </a:r>
-            <a:endParaRPr>
+            <a:endParaRPr b="1" sz="1800">
               <a:solidFill>
                 <a:schemeClr val="lt1"/>
               </a:solidFill>
             </a:endParaRPr>
           </a:p>
           <a:p>
-            <a:pPr indent="-317500" lvl="0" marL="457200" rtl="0" algn="l">
+            <a:pPr indent="-342900" lvl="0" marL="457200" rtl="0" algn="l">
               <a:spcBef>
                 <a:spcPts val="1200"/>
               </a:spcBef>
@@ -8118,25 +8442,25 @@
               <a:buClr>
                 <a:schemeClr val="lt1"/>
               </a:buClr>
-              <a:buSzPts val="1400"/>
+              <a:buSzPts val="1800"/>
               <a:buChar char="●"/>
             </a:pPr>
             <a:r>
-              <a:rPr lang="en">
+              <a:rPr lang="en" sz="1800">
                 <a:solidFill>
                   <a:schemeClr val="lt1"/>
                 </a:solidFill>
               </a:rPr>
               <a:t>Specialized medical text preprocessing</a:t>
             </a:r>
-            <a:endParaRPr>
+            <a:endParaRPr sz="1800">
               <a:solidFill>
                 <a:schemeClr val="lt1"/>
               </a:solidFill>
             </a:endParaRPr>
           </a:p>
           <a:p>
-            <a:pPr indent="-317500" lvl="0" marL="457200" rtl="0" algn="l">
+            <a:pPr indent="-342900" lvl="0" marL="457200" rtl="0" algn="l">
               <a:spcBef>
                 <a:spcPts val="0"/>
               </a:spcBef>
@@ -8146,25 +8470,25 @@
               <a:buClr>
                 <a:schemeClr val="lt1"/>
               </a:buClr>
-              <a:buSzPts val="1400"/>
+              <a:buSzPts val="1800"/>
               <a:buChar char="●"/>
             </a:pPr>
             <a:r>
-              <a:rPr lang="en">
+              <a:rPr lang="en" sz="1800">
                 <a:solidFill>
                   <a:schemeClr val="lt1"/>
                 </a:solidFill>
               </a:rPr>
               <a:t>Clinical abbreviation handling</a:t>
             </a:r>
-            <a:endParaRPr>
+            <a:endParaRPr sz="1800">
               <a:solidFill>
                 <a:schemeClr val="lt1"/>
               </a:solidFill>
             </a:endParaRPr>
           </a:p>
           <a:p>
-            <a:pPr indent="-317500" lvl="0" marL="457200" rtl="0" algn="l">
+            <a:pPr indent="-342900" lvl="0" marL="457200" rtl="0" algn="l">
               <a:spcBef>
                 <a:spcPts val="0"/>
               </a:spcBef>
@@ -8174,25 +8498,25 @@
               <a:buClr>
                 <a:schemeClr val="lt1"/>
               </a:buClr>
-              <a:buSzPts val="1400"/>
+              <a:buSzPts val="1800"/>
               <a:buChar char="●"/>
             </a:pPr>
             <a:r>
-              <a:rPr lang="en">
+              <a:rPr lang="en" sz="1800">
                 <a:solidFill>
                   <a:schemeClr val="lt1"/>
                 </a:solidFill>
               </a:rPr>
               <a:t>CPU-optimized deployment</a:t>
             </a:r>
-            <a:endParaRPr>
+            <a:endParaRPr sz="1800">
               <a:solidFill>
                 <a:schemeClr val="lt1"/>
               </a:solidFill>
             </a:endParaRPr>
           </a:p>
           <a:p>
-            <a:pPr indent="-317500" lvl="0" marL="457200" rtl="0" algn="l">
+            <a:pPr indent="-342900" lvl="0" marL="457200" rtl="0" algn="l">
               <a:spcBef>
                 <a:spcPts val="0"/>
               </a:spcBef>
@@ -8202,18 +8526,18 @@
               <a:buClr>
                 <a:schemeClr val="lt1"/>
               </a:buClr>
-              <a:buSzPts val="1400"/>
+              <a:buSzPts val="1800"/>
               <a:buChar char="●"/>
             </a:pPr>
             <a:r>
-              <a:rPr lang="en">
+              <a:rPr lang="en" sz="1800">
                 <a:solidFill>
                   <a:schemeClr val="lt1"/>
                 </a:solidFill>
               </a:rPr>
               <a:t>Quality validation protocols</a:t>
             </a:r>
-            <a:endParaRPr>
+            <a:endParaRPr sz="1800">
               <a:solidFill>
                 <a:schemeClr val="lt1"/>
               </a:solidFill>
@@ -8226,6 +8550,165 @@
   <p:clrMapOvr>
     <a:masterClrMapping/>
   </p:clrMapOvr>
+  <p:timing>
+    <p:tnLst>
+      <p:par>
+        <p:cTn dur="indefinite" nodeType="tmRoot" restart="never">
+          <p:childTnLst>
+            <p:seq concurrent="1" nextAc="seek">
+              <p:cTn dur="indefinite" id="2" nodeType="mainSeq">
+                <p:childTnLst>
+                  <p:par>
+                    <p:cTn fill="hold">
+                      <p:stCondLst>
+                        <p:cond delay="indefinite"/>
+                        <p:cond evt="onBegin" delay="0">
+                          <p:tn val="2"/>
+                        </p:cond>
+                      </p:stCondLst>
+                      <p:childTnLst>
+                        <p:par>
+                          <p:cTn fill="hold">
+                            <p:stCondLst>
+                              <p:cond delay="0"/>
+                            </p:stCondLst>
+                            <p:childTnLst>
+                              <p:par>
+                                <p:cTn fill="hold" nodeType="afterEffect" presetClass="entr" presetID="1" presetSubtype="0">
+                                  <p:stCondLst>
+                                    <p:cond delay="0"/>
+                                  </p:stCondLst>
+                                  <p:childTnLst>
+                                    <p:set>
+                                      <p:cBhvr>
+                                        <p:cTn dur="1" fill="hold">
+                                          <p:stCondLst>
+                                            <p:cond delay="0"/>
+                                          </p:stCondLst>
+                                        </p:cTn>
+                                        <p:tgtEl>
+                                          <p:spTgt spid="139"/>
+                                        </p:tgtEl>
+                                        <p:attrNameLst>
+                                          <p:attrName>style.visibility</p:attrName>
+                                        </p:attrNameLst>
+                                      </p:cBhvr>
+                                      <p:to>
+                                        <p:strVal val="visible"/>
+                                      </p:to>
+                                    </p:set>
+                                  </p:childTnLst>
+                                </p:cTn>
+                              </p:par>
+                              <p:par>
+                                <p:cTn fill="hold" nodeType="withEffect" presetClass="entr" presetID="1" presetSubtype="0">
+                                  <p:stCondLst>
+                                    <p:cond delay="0"/>
+                                  </p:stCondLst>
+                                  <p:childTnLst>
+                                    <p:set>
+                                      <p:cBhvr>
+                                        <p:cTn dur="1" fill="hold">
+                                          <p:stCondLst>
+                                            <p:cond delay="0"/>
+                                          </p:stCondLst>
+                                        </p:cTn>
+                                        <p:tgtEl>
+                                          <p:spTgt spid="140"/>
+                                        </p:tgtEl>
+                                        <p:attrNameLst>
+                                          <p:attrName>style.visibility</p:attrName>
+                                        </p:attrNameLst>
+                                      </p:cBhvr>
+                                      <p:to>
+                                        <p:strVal val="visible"/>
+                                      </p:to>
+                                    </p:set>
+                                  </p:childTnLst>
+                                </p:cTn>
+                              </p:par>
+                              <p:par>
+                                <p:cTn fill="hold" nodeType="withEffect" presetClass="entr" presetID="1" presetSubtype="0">
+                                  <p:stCondLst>
+                                    <p:cond delay="0"/>
+                                  </p:stCondLst>
+                                  <p:childTnLst>
+                                    <p:set>
+                                      <p:cBhvr>
+                                        <p:cTn dur="1" fill="hold">
+                                          <p:stCondLst>
+                                            <p:cond delay="0"/>
+                                          </p:stCondLst>
+                                        </p:cTn>
+                                        <p:tgtEl>
+                                          <p:spTgt spid="141"/>
+                                        </p:tgtEl>
+                                        <p:attrNameLst>
+                                          <p:attrName>style.visibility</p:attrName>
+                                        </p:attrNameLst>
+                                      </p:cBhvr>
+                                      <p:to>
+                                        <p:strVal val="visible"/>
+                                      </p:to>
+                                    </p:set>
+                                  </p:childTnLst>
+                                </p:cTn>
+                              </p:par>
+                              <p:par>
+                                <p:cTn fill="hold" nodeType="withEffect" presetClass="entr" presetID="1" presetSubtype="0">
+                                  <p:stCondLst>
+                                    <p:cond delay="0"/>
+                                  </p:stCondLst>
+                                  <p:childTnLst>
+                                    <p:set>
+                                      <p:cBhvr>
+                                        <p:cTn dur="1" fill="hold">
+                                          <p:stCondLst>
+                                            <p:cond delay="0"/>
+                                          </p:stCondLst>
+                                        </p:cTn>
+                                        <p:tgtEl>
+                                          <p:spTgt spid="142"/>
+                                        </p:tgtEl>
+                                        <p:attrNameLst>
+                                          <p:attrName>style.visibility</p:attrName>
+                                        </p:attrNameLst>
+                                      </p:cBhvr>
+                                      <p:to>
+                                        <p:strVal val="visible"/>
+                                      </p:to>
+                                    </p:set>
+                                  </p:childTnLst>
+                                </p:cTn>
+                              </p:par>
+                            </p:childTnLst>
+                          </p:cTn>
+                        </p:par>
+                      </p:childTnLst>
+                    </p:cTn>
+                  </p:par>
+                </p:childTnLst>
+              </p:cTn>
+              <p:prevCondLst>
+                <p:cond evt="onPrev">
+                  <p:tgtEl>
+                    <p:sldTgt/>
+                  </p:tgtEl>
+                </p:cond>
+              </p:prevCondLst>
+              <p:nextCondLst>
+                <p:cond evt="onNext">
+                  <p:tgtEl>
+                    <p:sldTgt/>
+                  </p:tgtEl>
+                </p:cond>
+              </p:nextCondLst>
+            </p:seq>
+          </p:childTnLst>
+        </p:cTn>
+      </p:par>
+    </p:tnLst>
+  </p:timing>
 </p:sld>
 </file>
 
@@ -8234,7 +8717,7 @@
   <p:cSld>
     <p:spTree>
       <p:nvGrpSpPr>
-        <p:cNvPr id="145" name="Shape 145"/>
+        <p:cNvPr id="146" name="Shape 146"/>
         <p:cNvGrpSpPr/>
         <p:nvPr/>
       </p:nvGrpSpPr>
@@ -8248,7 +8731,7 @@
       </p:grpSpPr>
       <p:pic>
         <p:nvPicPr>
-          <p:cNvPr id="146" name="Google Shape;146;p24"/>
+          <p:cNvPr id="147" name="Google Shape;147;p24"/>
           <p:cNvPicPr preferRelativeResize="0"/>
           <p:nvPr/>
         </p:nvPicPr>
@@ -8276,7 +8759,7 @@
       </p:pic>
       <p:sp>
         <p:nvSpPr>
-          <p:cNvPr id="147" name="Google Shape;147;p24"/>
+          <p:cNvPr id="148" name="Google Shape;148;p24"/>
           <p:cNvSpPr txBox="1"/>
           <p:nvPr>
             <p:ph type="title"/>
@@ -8284,7 +8767,7 @@
         </p:nvSpPr>
         <p:spPr>
           <a:xfrm>
-            <a:off x="407975" y="445025"/>
+            <a:off x="915475" y="445025"/>
             <a:ext cx="8328000" cy="572700"/>
           </a:xfrm>
           <a:prstGeom prst="rect">
@@ -8312,7 +8795,7 @@
                   <a:schemeClr val="lt1"/>
                 </a:solidFill>
               </a:rPr>
-              <a:t>Comparative Analysis &amp; Clinical Impact</a:t>
+              <a:t>Comparative Analysis </a:t>
             </a:r>
             <a:endParaRPr>
               <a:solidFill>
@@ -8324,7 +8807,7 @@
       </p:sp>
       <p:sp>
         <p:nvSpPr>
-          <p:cNvPr id="148" name="Google Shape;148;p24"/>
+          <p:cNvPr id="149" name="Google Shape;149;p24"/>
           <p:cNvSpPr txBox="1"/>
           <p:nvPr>
             <p:ph idx="1" type="body"/>
@@ -8332,8 +8815,8 @@
         </p:nvSpPr>
         <p:spPr>
           <a:xfrm>
-            <a:off x="407975" y="1152475"/>
-            <a:ext cx="8328000" cy="3416400"/>
+            <a:off x="1107500" y="1399350"/>
+            <a:ext cx="7195200" cy="3136200"/>
           </a:xfrm>
           <a:prstGeom prst="rect">
             <a:avLst/>
@@ -8347,7 +8830,7 @@
           <a:p>
             <a:pPr indent="0" lvl="0" marL="0" rtl="0" algn="l">
               <a:spcBef>
-                <a:spcPts val="0"/>
+                <a:spcPts val="1200"/>
               </a:spcBef>
               <a:spcAft>
                 <a:spcPts val="0"/>
@@ -8355,16 +8838,16 @@
               <a:buNone/>
             </a:pPr>
             <a:r>
-              <a:rPr lang="en">
-                <a:solidFill>
-                  <a:schemeClr val="lt1"/>
-                </a:solidFill>
-              </a:rPr>
-              <a:t>Generated vs. Traditional Approaches:</a:t>
-            </a:r>
-            <a:endParaRPr>
+              <a:rPr b="1" lang="en">
+                <a:solidFill>
+                  <a:srgbClr val="000000"/>
+                </a:solidFill>
+              </a:rPr>
+              <a:t>T5-Small vs BART-Large vs T5-Base:</a:t>
+            </a:r>
+            <a:endParaRPr b="1">
               <a:solidFill>
-                <a:schemeClr val="lt1"/>
+                <a:srgbClr val="000000"/>
               </a:solidFill>
             </a:endParaRPr>
           </a:p>
@@ -8377,78 +8860,30 @@
                 <a:spcPts val="0"/>
               </a:spcAft>
               <a:buClr>
-                <a:schemeClr val="lt1"/>
+                <a:srgbClr val="000000"/>
               </a:buClr>
               <a:buSzPts val="1800"/>
-              <a:buAutoNum type="arabicPeriod"/>
+              <a:buChar char="●"/>
             </a:pPr>
             <a:r>
+              <a:rPr b="1" lang="en">
+                <a:solidFill>
+                  <a:srgbClr val="000000"/>
+                </a:solidFill>
+              </a:rPr>
+              <a:t>Quality:</a:t>
+            </a:r>
+            <a:r>
               <a:rPr lang="en">
                 <a:solidFill>
-                  <a:schemeClr val="lt1"/>
-                </a:solidFill>
-              </a:rPr>
-              <a:t>Medical Terminology:</a:t>
+                  <a:srgbClr val="000000"/>
+                </a:solidFill>
+              </a:rPr>
+              <a:t> BART-Large highest (0.2316), T5-Small competitive (0.2121)</a:t>
             </a:r>
             <a:endParaRPr>
               <a:solidFill>
-                <a:schemeClr val="lt1"/>
-              </a:solidFill>
-            </a:endParaRPr>
-          </a:p>
-          <a:p>
-            <a:pPr indent="-317500" lvl="1" marL="914400" rtl="0" algn="l">
-              <a:spcBef>
-                <a:spcPts val="0"/>
-              </a:spcBef>
-              <a:spcAft>
-                <a:spcPts val="0"/>
-              </a:spcAft>
-              <a:buClr>
-                <a:schemeClr val="lt1"/>
-              </a:buClr>
-              <a:buSzPts val="1400"/>
-              <a:buChar char="○"/>
-            </a:pPr>
-            <a:r>
-              <a:rPr lang="en">
-                <a:solidFill>
-                  <a:schemeClr val="lt1"/>
-                </a:solidFill>
-              </a:rPr>
-              <a:t>Our T5 Model: Precise clinical terms </a:t>
-            </a:r>
-            <a:endParaRPr>
-              <a:solidFill>
-                <a:schemeClr val="lt1"/>
-              </a:solidFill>
-            </a:endParaRPr>
-          </a:p>
-          <a:p>
-            <a:pPr indent="-317500" lvl="1" marL="914400" rtl="0" algn="l">
-              <a:spcBef>
-                <a:spcPts val="0"/>
-              </a:spcBef>
-              <a:spcAft>
-                <a:spcPts val="0"/>
-              </a:spcAft>
-              <a:buClr>
-                <a:schemeClr val="lt1"/>
-              </a:buClr>
-              <a:buSzPts val="1400"/>
-              <a:buChar char="○"/>
-            </a:pPr>
-            <a:r>
-              <a:rPr lang="en">
-                <a:solidFill>
-                  <a:schemeClr val="lt1"/>
-                </a:solidFill>
-              </a:rPr>
-              <a:t>Traditional: Often simplified</a:t>
-            </a:r>
-            <a:endParaRPr>
-              <a:solidFill>
-                <a:schemeClr val="lt1"/>
+                <a:srgbClr val="000000"/>
               </a:solidFill>
             </a:endParaRPr>
           </a:p>
@@ -8461,78 +8896,30 @@
                 <a:spcPts val="0"/>
               </a:spcAft>
               <a:buClr>
-                <a:schemeClr val="lt1"/>
+                <a:srgbClr val="000000"/>
               </a:buClr>
               <a:buSzPts val="1800"/>
-              <a:buAutoNum type="arabicPeriod"/>
+              <a:buChar char="●"/>
             </a:pPr>
             <a:r>
+              <a:rPr b="1" lang="en">
+                <a:solidFill>
+                  <a:srgbClr val="000000"/>
+                </a:solidFill>
+              </a:rPr>
+              <a:t>Speed:</a:t>
+            </a:r>
+            <a:r>
               <a:rPr lang="en">
                 <a:solidFill>
-                  <a:schemeClr val="lt1"/>
-                </a:solidFill>
-              </a:rPr>
-              <a:t>Processing Speed:</a:t>
+                  <a:srgbClr val="000000"/>
+                </a:solidFill>
+              </a:rPr>
+              <a:t> T5-Small fastest (1.23 s/sec), BART-Large slowest (0.27 s/sec)</a:t>
             </a:r>
             <a:endParaRPr>
               <a:solidFill>
-                <a:schemeClr val="lt1"/>
-              </a:solidFill>
-            </a:endParaRPr>
-          </a:p>
-          <a:p>
-            <a:pPr indent="-317500" lvl="1" marL="914400" rtl="0" algn="l">
-              <a:spcBef>
-                <a:spcPts val="0"/>
-              </a:spcBef>
-              <a:spcAft>
-                <a:spcPts val="0"/>
-              </a:spcAft>
-              <a:buClr>
-                <a:schemeClr val="lt1"/>
-              </a:buClr>
-              <a:buSzPts val="1400"/>
-              <a:buChar char="○"/>
-            </a:pPr>
-            <a:r>
-              <a:rPr lang="en">
-                <a:solidFill>
-                  <a:schemeClr val="lt1"/>
-                </a:solidFill>
-              </a:rPr>
-              <a:t>Our T5 Model: 2.6 sec/summary </a:t>
-            </a:r>
-            <a:endParaRPr>
-              <a:solidFill>
-                <a:schemeClr val="lt1"/>
-              </a:solidFill>
-            </a:endParaRPr>
-          </a:p>
-          <a:p>
-            <a:pPr indent="-317500" lvl="1" marL="914400" rtl="0" algn="l">
-              <a:spcBef>
-                <a:spcPts val="0"/>
-              </a:spcBef>
-              <a:spcAft>
-                <a:spcPts val="0"/>
-              </a:spcAft>
-              <a:buClr>
-                <a:schemeClr val="lt1"/>
-              </a:buClr>
-              <a:buSzPts val="1400"/>
-              <a:buChar char="○"/>
-            </a:pPr>
-            <a:r>
-              <a:rPr lang="en">
-                <a:solidFill>
-                  <a:schemeClr val="lt1"/>
-                </a:solidFill>
-              </a:rPr>
-              <a:t>Traditional: Manual hours</a:t>
-            </a:r>
-            <a:endParaRPr>
-              <a:solidFill>
-                <a:schemeClr val="lt1"/>
+                <a:srgbClr val="000000"/>
               </a:solidFill>
             </a:endParaRPr>
           </a:p>
@@ -8545,27 +8932,35 @@
                 <a:spcPts val="0"/>
               </a:spcAft>
               <a:buClr>
-                <a:schemeClr val="lt1"/>
+                <a:srgbClr val="000000"/>
               </a:buClr>
               <a:buSzPts val="1800"/>
-              <a:buAutoNum type="arabicPeriod"/>
+              <a:buChar char="●"/>
             </a:pPr>
             <a:r>
+              <a:rPr b="1" lang="en">
+                <a:solidFill>
+                  <a:srgbClr val="000000"/>
+                </a:solidFill>
+              </a:rPr>
+              <a:t>Deployment:</a:t>
+            </a:r>
+            <a:r>
               <a:rPr lang="en">
                 <a:solidFill>
-                  <a:schemeClr val="lt1"/>
-                </a:solidFill>
-              </a:rPr>
-              <a:t>Consistency:</a:t>
+                  <a:srgbClr val="000000"/>
+                </a:solidFill>
+              </a:rPr>
+              <a:t> T5-Small optimal for clinical environments</a:t>
             </a:r>
             <a:endParaRPr>
               <a:solidFill>
-                <a:schemeClr val="lt1"/>
+                <a:srgbClr val="000000"/>
               </a:solidFill>
             </a:endParaRPr>
           </a:p>
           <a:p>
-            <a:pPr indent="-317500" lvl="1" marL="914400" rtl="0" algn="l">
+            <a:pPr indent="-342900" lvl="0" marL="457200" rtl="0" algn="l">
               <a:spcBef>
                 <a:spcPts val="0"/>
               </a:spcBef>
@@ -8573,46 +8968,26 @@
                 <a:spcPts val="0"/>
               </a:spcAft>
               <a:buClr>
-                <a:schemeClr val="lt1"/>
+                <a:srgbClr val="000000"/>
               </a:buClr>
-              <a:buSzPts val="1400"/>
-              <a:buChar char="○"/>
+              <a:buSzPts val="1800"/>
+              <a:buChar char="●"/>
             </a:pPr>
             <a:r>
+              <a:rPr b="1" lang="en">
+                <a:solidFill>
+                  <a:srgbClr val="000000"/>
+                </a:solidFill>
+              </a:rPr>
+              <a:t>Resource efficiency:</a:t>
+            </a:r>
+            <a:r>
               <a:rPr lang="en">
                 <a:solidFill>
-                  <a:schemeClr val="lt1"/>
-                </a:solidFill>
-              </a:rPr>
-              <a:t>Our T5 Model: Standardized quality </a:t>
-            </a:r>
-            <a:endParaRPr>
-              <a:solidFill>
-                <a:schemeClr val="lt1"/>
-              </a:solidFill>
-            </a:endParaRPr>
-          </a:p>
-          <a:p>
-            <a:pPr indent="-317500" lvl="1" marL="914400" rtl="0" algn="l">
-              <a:spcBef>
-                <a:spcPts val="0"/>
-              </a:spcBef>
-              <a:spcAft>
-                <a:spcPts val="0"/>
-              </a:spcAft>
-              <a:buClr>
-                <a:schemeClr val="lt1"/>
-              </a:buClr>
-              <a:buSzPts val="1400"/>
-              <a:buChar char="○"/>
-            </a:pPr>
-            <a:r>
-              <a:rPr lang="en">
-                <a:solidFill>
-                  <a:schemeClr val="lt1"/>
-                </a:solidFill>
-              </a:rPr>
-              <a:t>Traditional: Variable human quality</a:t>
+                  <a:srgbClr val="000000"/>
+                </a:solidFill>
+              </a:rPr>
+              <a:t> T5-Small uses 6.7x less memory than BART-Large</a:t>
             </a:r>
             <a:endParaRPr>
               <a:solidFill>
@@ -8627,6 +9002,138 @@
   <p:clrMapOvr>
     <a:masterClrMapping/>
   </p:clrMapOvr>
+  <p:timing>
+    <p:tnLst>
+      <p:par>
+        <p:cTn dur="indefinite" nodeType="tmRoot" restart="never">
+          <p:childTnLst>
+            <p:seq concurrent="1" nextAc="seek">
+              <p:cTn dur="indefinite" id="2" nodeType="mainSeq">
+                <p:childTnLst>
+                  <p:par>
+                    <p:cTn fill="hold">
+                      <p:stCondLst>
+                        <p:cond delay="indefinite"/>
+                        <p:cond evt="onBegin" delay="0">
+                          <p:tn val="2"/>
+                        </p:cond>
+                      </p:stCondLst>
+                      <p:childTnLst>
+                        <p:par>
+                          <p:cTn fill="hold">
+                            <p:stCondLst>
+                              <p:cond delay="0"/>
+                            </p:stCondLst>
+                            <p:childTnLst>
+                              <p:par>
+                                <p:cTn fill="hold" nodeType="afterEffect" presetClass="entr" presetID="1" presetSubtype="0">
+                                  <p:stCondLst>
+                                    <p:cond delay="0"/>
+                                  </p:stCondLst>
+                                  <p:childTnLst>
+                                    <p:set>
+                                      <p:cBhvr>
+                                        <p:cTn dur="1" fill="hold">
+                                          <p:stCondLst>
+                                            <p:cond delay="0"/>
+                                          </p:stCondLst>
+                                        </p:cTn>
+                                        <p:tgtEl>
+                                          <p:spTgt spid="147"/>
+                                        </p:tgtEl>
+                                        <p:attrNameLst>
+                                          <p:attrName>style.visibility</p:attrName>
+                                        </p:attrNameLst>
+                                      </p:cBhvr>
+                                      <p:to>
+                                        <p:strVal val="visible"/>
+                                      </p:to>
+                                    </p:set>
+                                  </p:childTnLst>
+                                </p:cTn>
+                              </p:par>
+                              <p:par>
+                                <p:cTn fill="hold" nodeType="withEffect" presetClass="entr" presetID="1" presetSubtype="0">
+                                  <p:stCondLst>
+                                    <p:cond delay="0"/>
+                                  </p:stCondLst>
+                                  <p:childTnLst>
+                                    <p:set>
+                                      <p:cBhvr>
+                                        <p:cTn dur="1" fill="hold">
+                                          <p:stCondLst>
+                                            <p:cond delay="0"/>
+                                          </p:stCondLst>
+                                        </p:cTn>
+                                        <p:tgtEl>
+                                          <p:spTgt spid="148"/>
+                                        </p:tgtEl>
+                                        <p:attrNameLst>
+                                          <p:attrName>style.visibility</p:attrName>
+                                        </p:attrNameLst>
+                                      </p:cBhvr>
+                                      <p:to>
+                                        <p:strVal val="visible"/>
+                                      </p:to>
+                                    </p:set>
+                                  </p:childTnLst>
+                                </p:cTn>
+                              </p:par>
+                              <p:par>
+                                <p:cTn fill="hold" nodeType="withEffect" presetClass="entr" presetID="1" presetSubtype="0">
+                                  <p:stCondLst>
+                                    <p:cond delay="0"/>
+                                  </p:stCondLst>
+                                  <p:childTnLst>
+                                    <p:set>
+                                      <p:cBhvr>
+                                        <p:cTn dur="1" fill="hold">
+                                          <p:stCondLst>
+                                            <p:cond delay="0"/>
+                                          </p:stCondLst>
+                                        </p:cTn>
+                                        <p:tgtEl>
+                                          <p:spTgt spid="149"/>
+                                        </p:tgtEl>
+                                        <p:attrNameLst>
+                                          <p:attrName>style.visibility</p:attrName>
+                                        </p:attrNameLst>
+                                      </p:cBhvr>
+                                      <p:to>
+                                        <p:strVal val="visible"/>
+                                      </p:to>
+                                    </p:set>
+                                  </p:childTnLst>
+                                </p:cTn>
+                              </p:par>
+                            </p:childTnLst>
+                          </p:cTn>
+                        </p:par>
+                      </p:childTnLst>
+                    </p:cTn>
+                  </p:par>
+                </p:childTnLst>
+              </p:cTn>
+              <p:prevCondLst>
+                <p:cond evt="onPrev">
+                  <p:tgtEl>
+                    <p:sldTgt/>
+                  </p:tgtEl>
+                </p:cond>
+              </p:prevCondLst>
+              <p:nextCondLst>
+                <p:cond evt="onNext">
+                  <p:tgtEl>
+                    <p:sldTgt/>
+                  </p:tgtEl>
+                </p:cond>
+              </p:nextCondLst>
+            </p:seq>
+          </p:childTnLst>
+        </p:cTn>
+      </p:par>
+    </p:tnLst>
+  </p:timing>
 </p:sld>
 </file>
 
@@ -8635,7 +9142,7 @@
   <p:cSld>
     <p:spTree>
       <p:nvGrpSpPr>
-        <p:cNvPr id="152" name="Shape 152"/>
+        <p:cNvPr id="153" name="Shape 153"/>
         <p:cNvGrpSpPr/>
         <p:nvPr/>
       </p:nvGrpSpPr>
@@ -8649,7 +9156,7 @@
       </p:grpSpPr>
       <p:pic>
         <p:nvPicPr>
-          <p:cNvPr id="153" name="Google Shape;153;p25"/>
+          <p:cNvPr id="154" name="Google Shape;154;p25"/>
           <p:cNvPicPr preferRelativeResize="0"/>
           <p:nvPr/>
         </p:nvPicPr>
@@ -8677,7 +9184,7 @@
       </p:pic>
       <p:sp>
         <p:nvSpPr>
-          <p:cNvPr id="154" name="Google Shape;154;p25"/>
+          <p:cNvPr id="155" name="Google Shape;155;p25"/>
           <p:cNvSpPr txBox="1"/>
           <p:nvPr>
             <p:ph type="title"/>
@@ -8685,7 +9192,7 @@
         </p:nvSpPr>
         <p:spPr>
           <a:xfrm>
-            <a:off x="407975" y="445025"/>
+            <a:off x="878350" y="390175"/>
             <a:ext cx="8328000" cy="572700"/>
           </a:xfrm>
           <a:prstGeom prst="rect">
@@ -8713,7 +9220,7 @@
                   <a:schemeClr val="lt1"/>
                 </a:solidFill>
               </a:rPr>
-              <a:t>Future Enhancements &amp; Research Directions</a:t>
+              <a:t>Future Enhancements </a:t>
             </a:r>
             <a:endParaRPr>
               <a:solidFill>
@@ -8725,7 +9232,7 @@
       </p:sp>
       <p:sp>
         <p:nvSpPr>
-          <p:cNvPr id="155" name="Google Shape;155;p25"/>
+          <p:cNvPr id="156" name="Google Shape;156;p25"/>
           <p:cNvSpPr txBox="1"/>
           <p:nvPr>
             <p:ph idx="1" type="body"/>
@@ -8733,8 +9240,8 @@
         </p:nvSpPr>
         <p:spPr>
           <a:xfrm>
-            <a:off x="407975" y="1152475"/>
-            <a:ext cx="8328000" cy="3416400"/>
+            <a:off x="878350" y="1072600"/>
+            <a:ext cx="7689000" cy="2079900"/>
           </a:xfrm>
           <a:prstGeom prst="rect">
             <a:avLst/>
@@ -8746,35 +9253,43 @@
           </a:bodyPr>
           <a:lstStyle/>
           <a:p>
-            <a:pPr indent="-342900" lvl="0" marL="457200" rtl="0" algn="l">
-              <a:spcBef>
-                <a:spcPts val="0"/>
+            <a:pPr indent="-336550" lvl="0" marL="457200" rtl="0" algn="l">
+              <a:spcBef>
+                <a:spcPts val="1200"/>
               </a:spcBef>
               <a:spcAft>
                 <a:spcPts val="0"/>
               </a:spcAft>
               <a:buClr>
-                <a:schemeClr val="lt1"/>
+                <a:srgbClr val="000000"/>
               </a:buClr>
-              <a:buSzPts val="1800"/>
+              <a:buSzPts val="1700"/>
               <a:buAutoNum type="arabicPeriod"/>
             </a:pPr>
             <a:r>
-              <a:rPr lang="en">
-                <a:solidFill>
-                  <a:schemeClr val="lt1"/>
-                </a:solidFill>
-              </a:rPr>
-              <a:t>Immediate Improvements (Next 6 months):</a:t>
-            </a:r>
-            <a:endParaRPr>
+              <a:rPr b="1" lang="en" sz="1700">
+                <a:solidFill>
+                  <a:srgbClr val="000000"/>
+                </a:solidFill>
+              </a:rPr>
+              <a:t>Immediate Improvements:</a:t>
+            </a:r>
+            <a:r>
+              <a:rPr lang="en" sz="1700">
+                <a:solidFill>
+                  <a:srgbClr val="000000"/>
+                </a:solidFill>
+              </a:rPr>
+              <a:t> </a:t>
+            </a:r>
+            <a:endParaRPr sz="1700">
               <a:solidFill>
-                <a:schemeClr val="lt1"/>
+                <a:srgbClr val="000000"/>
               </a:solidFill>
             </a:endParaRPr>
           </a:p>
           <a:p>
-            <a:pPr indent="-317500" lvl="1" marL="914400" rtl="0" algn="l">
+            <a:pPr indent="-336550" lvl="1" marL="914400" rtl="0" algn="l">
               <a:spcBef>
                 <a:spcPts val="0"/>
               </a:spcBef>
@@ -8782,27 +9297,35 @@
                 <a:spcPts val="0"/>
               </a:spcAft>
               <a:buClr>
-                <a:schemeClr val="lt1"/>
+                <a:srgbClr val="000000"/>
               </a:buClr>
-              <a:buSzPts val="1400"/>
+              <a:buSzPts val="1700"/>
               <a:buChar char="○"/>
             </a:pPr>
             <a:r>
-              <a:rPr lang="en">
-                <a:solidFill>
-                  <a:schemeClr val="lt1"/>
-                </a:solidFill>
-              </a:rPr>
-              <a:t>T5-base/T5-large model variants</a:t>
-            </a:r>
-            <a:endParaRPr>
+              <a:rPr b="1" lang="en" sz="1700">
+                <a:solidFill>
+                  <a:srgbClr val="000000"/>
+                </a:solidFill>
+              </a:rPr>
+              <a:t>Model optimization:</a:t>
+            </a:r>
+            <a:r>
+              <a:rPr lang="en" sz="1700">
+                <a:solidFill>
+                  <a:srgbClr val="000000"/>
+                </a:solidFill>
+              </a:rPr>
+              <a:t> Focus on T5-Small variants for clinical deployment </a:t>
+            </a:r>
+            <a:endParaRPr sz="1700">
               <a:solidFill>
-                <a:schemeClr val="lt1"/>
+                <a:srgbClr val="000000"/>
               </a:solidFill>
             </a:endParaRPr>
           </a:p>
           <a:p>
-            <a:pPr indent="-317500" lvl="1" marL="914400" rtl="0" algn="l">
+            <a:pPr indent="-336550" lvl="1" marL="914400" rtl="0" algn="l">
               <a:spcBef>
                 <a:spcPts val="0"/>
               </a:spcBef>
@@ -8810,27 +9333,43 @@
                 <a:spcPts val="0"/>
               </a:spcAft>
               <a:buClr>
-                <a:schemeClr val="lt1"/>
+                <a:srgbClr val="000000"/>
               </a:buClr>
-              <a:buSzPts val="1400"/>
+              <a:buSzPts val="1700"/>
               <a:buChar char="○"/>
             </a:pPr>
             <a:r>
-              <a:rPr lang="en">
-                <a:solidFill>
-                  <a:schemeClr val="lt1"/>
-                </a:solidFill>
-              </a:rPr>
-              <a:t>Domain-specific fine-tuning</a:t>
-            </a:r>
-            <a:endParaRPr>
+              <a:rPr lang="en" sz="1700">
+                <a:solidFill>
+                  <a:srgbClr val="000000"/>
+                </a:solidFill>
+              </a:rPr>
+              <a:t> </a:t>
+            </a:r>
+            <a:r>
+              <a:rPr b="1" lang="en" sz="1700">
+                <a:solidFill>
+                  <a:srgbClr val="000000"/>
+                </a:solidFill>
+              </a:rPr>
+              <a:t>Hybrid approaches:</a:t>
+            </a:r>
+            <a:r>
+              <a:rPr lang="en" sz="1700">
+                <a:solidFill>
+                  <a:srgbClr val="000000"/>
+                </a:solidFill>
+              </a:rPr>
+              <a:t> Combine T5-Small speed with BART-Large quality insights </a:t>
+            </a:r>
+            <a:endParaRPr sz="1700">
               <a:solidFill>
-                <a:schemeClr val="lt1"/>
+                <a:srgbClr val="000000"/>
               </a:solidFill>
             </a:endParaRPr>
           </a:p>
           <a:p>
-            <a:pPr indent="-317500" lvl="1" marL="914400" rtl="0" algn="l">
+            <a:pPr indent="-336550" lvl="1" marL="914400" rtl="0" algn="l">
               <a:spcBef>
                 <a:spcPts val="0"/>
               </a:spcBef>
@@ -8838,27 +9377,43 @@
                 <a:spcPts val="0"/>
               </a:spcAft>
               <a:buClr>
-                <a:schemeClr val="lt1"/>
+                <a:srgbClr val="000000"/>
               </a:buClr>
-              <a:buSzPts val="1400"/>
+              <a:buSzPts val="1700"/>
               <a:buChar char="○"/>
             </a:pPr>
             <a:r>
-              <a:rPr lang="en">
-                <a:solidFill>
-                  <a:schemeClr val="lt1"/>
-                </a:solidFill>
-              </a:rPr>
-              <a:t>Specialty-specific adaptations</a:t>
-            </a:r>
-            <a:endParaRPr>
+              <a:rPr lang="en" sz="1700">
+                <a:solidFill>
+                  <a:srgbClr val="000000"/>
+                </a:solidFill>
+              </a:rPr>
+              <a:t> </a:t>
+            </a:r>
+            <a:r>
+              <a:rPr b="1" lang="en" sz="1700">
+                <a:solidFill>
+                  <a:srgbClr val="000000"/>
+                </a:solidFill>
+              </a:rPr>
+              <a:t>Specialty-specific tuning:</a:t>
+            </a:r>
+            <a:r>
+              <a:rPr lang="en" sz="1700">
+                <a:solidFill>
+                  <a:srgbClr val="000000"/>
+                </a:solidFill>
+              </a:rPr>
+              <a:t> Leverage model strengths per medical domain</a:t>
+            </a:r>
+            <a:endParaRPr sz="1700">
               <a:solidFill>
-                <a:schemeClr val="lt1"/>
+                <a:srgbClr val="000000"/>
               </a:solidFill>
             </a:endParaRPr>
           </a:p>
           <a:p>
-            <a:pPr indent="-317500" lvl="1" marL="914400" rtl="0" algn="l">
+            <a:pPr indent="-336550" lvl="0" marL="457200" rtl="0" algn="l">
               <a:spcBef>
                 <a:spcPts val="0"/>
               </a:spcBef>
@@ -8866,27 +9421,35 @@
                 <a:spcPts val="0"/>
               </a:spcAft>
               <a:buClr>
-                <a:schemeClr val="lt1"/>
+                <a:srgbClr val="000000"/>
               </a:buClr>
-              <a:buSzPts val="1400"/>
-              <a:buChar char="○"/>
+              <a:buSzPts val="1700"/>
+              <a:buAutoNum type="arabicPeriod"/>
             </a:pPr>
             <a:r>
-              <a:rPr lang="en">
-                <a:solidFill>
-                  <a:schemeClr val="lt1"/>
-                </a:solidFill>
-              </a:rPr>
-              <a:t>Real-time EHR integration</a:t>
-            </a:r>
-            <a:endParaRPr>
+              <a:rPr b="1" lang="en" sz="1700">
+                <a:solidFill>
+                  <a:srgbClr val="000000"/>
+                </a:solidFill>
+              </a:rPr>
+              <a:t>Long-term Vision:</a:t>
+            </a:r>
+            <a:r>
+              <a:rPr lang="en" sz="1700">
+                <a:solidFill>
+                  <a:srgbClr val="000000"/>
+                </a:solidFill>
+              </a:rPr>
+              <a:t> </a:t>
+            </a:r>
+            <a:endParaRPr sz="1700">
               <a:solidFill>
-                <a:schemeClr val="lt1"/>
+                <a:srgbClr val="000000"/>
               </a:solidFill>
             </a:endParaRPr>
           </a:p>
           <a:p>
-            <a:pPr indent="-342900" lvl="0" marL="457200" rtl="0" algn="l">
+            <a:pPr indent="-336550" lvl="1" marL="914400" rtl="0" algn="l">
               <a:spcBef>
                 <a:spcPts val="0"/>
               </a:spcBef>
@@ -8894,27 +9457,35 @@
                 <a:spcPts val="0"/>
               </a:spcAft>
               <a:buClr>
-                <a:schemeClr val="lt1"/>
+                <a:srgbClr val="000000"/>
               </a:buClr>
-              <a:buSzPts val="1800"/>
-              <a:buAutoNum type="arabicPeriod"/>
+              <a:buSzPts val="1700"/>
+              <a:buChar char="○"/>
             </a:pPr>
             <a:r>
-              <a:rPr lang="en">
-                <a:solidFill>
-                  <a:schemeClr val="lt1"/>
-                </a:solidFill>
-              </a:rPr>
-              <a:t>Long-term Vision (1-2 years):</a:t>
-            </a:r>
-            <a:endParaRPr>
+              <a:rPr b="1" lang="en" sz="1700">
+                <a:solidFill>
+                  <a:srgbClr val="000000"/>
+                </a:solidFill>
+              </a:rPr>
+              <a:t>Real-time integration:</a:t>
+            </a:r>
+            <a:r>
+              <a:rPr lang="en" sz="1700">
+                <a:solidFill>
+                  <a:srgbClr val="000000"/>
+                </a:solidFill>
+              </a:rPr>
+              <a:t> T5-Small deployment in emergency departments </a:t>
+            </a:r>
+            <a:endParaRPr sz="1700">
               <a:solidFill>
-                <a:schemeClr val="lt1"/>
+                <a:srgbClr val="000000"/>
               </a:solidFill>
             </a:endParaRPr>
           </a:p>
           <a:p>
-            <a:pPr indent="-317500" lvl="1" marL="914400" rtl="0" algn="l">
+            <a:pPr indent="-336550" lvl="1" marL="914400" rtl="0" algn="l">
               <a:spcBef>
                 <a:spcPts val="0"/>
               </a:spcBef>
@@ -8922,104 +9493,47 @@
                 <a:spcPts val="0"/>
               </a:spcAft>
               <a:buClr>
-                <a:schemeClr val="lt1"/>
+                <a:srgbClr val="000000"/>
               </a:buClr>
-              <a:buSzPts val="1400"/>
+              <a:buSzPts val="1700"/>
               <a:buChar char="○"/>
             </a:pPr>
             <a:r>
-              <a:rPr lang="en">
-                <a:solidFill>
-                  <a:schemeClr val="lt1"/>
-                </a:solidFill>
-              </a:rPr>
-              <a:t>Healthcare professional validation studies</a:t>
-            </a:r>
-            <a:endParaRPr>
+              <a:rPr b="1" lang="en" sz="1700">
+                <a:solidFill>
+                  <a:srgbClr val="000000"/>
+                </a:solidFill>
+              </a:rPr>
+              <a:t>Quality enhancement:</a:t>
+            </a:r>
+            <a:r>
+              <a:rPr lang="en" sz="1700">
+                <a:solidFill>
+                  <a:srgbClr val="000000"/>
+                </a:solidFill>
+              </a:rPr>
+              <a:t> Incorporate BART-Large techniques into efficient models</a:t>
+            </a:r>
+            <a:endParaRPr sz="1700">
               <a:solidFill>
-                <a:schemeClr val="lt1"/>
+                <a:srgbClr val="000000"/>
               </a:solidFill>
             </a:endParaRPr>
           </a:p>
           <a:p>
-            <a:pPr indent="-317500" lvl="1" marL="914400" rtl="0" algn="l">
-              <a:spcBef>
-                <a:spcPts val="0"/>
-              </a:spcBef>
-              <a:spcAft>
-                <a:spcPts val="0"/>
-              </a:spcAft>
-              <a:buClr>
-                <a:schemeClr val="lt1"/>
-              </a:buClr>
-              <a:buSzPts val="1400"/>
-              <a:buChar char="○"/>
+            <a:pPr indent="0" lvl="0" marL="0" rtl="0" algn="l">
+              <a:spcBef>
+                <a:spcPts val="1200"/>
+              </a:spcBef>
+              <a:spcAft>
+                <a:spcPts val="1200"/>
+              </a:spcAft>
+              <a:buNone/>
             </a:pPr>
             <a:r>
-              <a:rPr lang="en">
-                <a:solidFill>
-                  <a:schemeClr val="lt1"/>
-                </a:solidFill>
-              </a:rPr>
-              <a:t>Multi-modal summarization</a:t>
-            </a:r>
-            <a:endParaRPr>
-              <a:solidFill>
-                <a:schemeClr val="lt1"/>
-              </a:solidFill>
-            </a:endParaRPr>
-          </a:p>
-          <a:p>
-            <a:pPr indent="-317500" lvl="1" marL="914400" rtl="0" algn="l">
-              <a:spcBef>
-                <a:spcPts val="0"/>
-              </a:spcBef>
-              <a:spcAft>
-                <a:spcPts val="0"/>
-              </a:spcAft>
-              <a:buClr>
-                <a:schemeClr val="lt1"/>
-              </a:buClr>
-              <a:buSzPts val="1400"/>
-              <a:buChar char="○"/>
-            </a:pPr>
-            <a:r>
-              <a:rPr lang="en">
-                <a:solidFill>
-                  <a:schemeClr val="lt1"/>
-                </a:solidFill>
-              </a:rPr>
-              <a:t>Clinical decision support integration</a:t>
-            </a:r>
-            <a:endParaRPr>
-              <a:solidFill>
-                <a:schemeClr val="lt1"/>
-              </a:solidFill>
-            </a:endParaRPr>
-          </a:p>
-          <a:p>
-            <a:pPr indent="-317500" lvl="1" marL="914400" rtl="0" algn="l">
-              <a:spcBef>
-                <a:spcPts val="0"/>
-              </a:spcBef>
-              <a:spcAft>
-                <a:spcPts val="0"/>
-              </a:spcAft>
-              <a:buClr>
-                <a:schemeClr val="lt1"/>
-              </a:buClr>
-              <a:buSzPts val="1400"/>
-              <a:buChar char="○"/>
-            </a:pPr>
-            <a:r>
-              <a:rPr lang="en">
-                <a:solidFill>
-                  <a:schemeClr val="lt1"/>
-                </a:solidFill>
-              </a:rPr>
-              <a:t>Regulatory compliance frameworks</a:t>
-            </a:r>
-            <a:endParaRPr>
+              <a:t/>
+            </a:r>
+            <a:endParaRPr sz="2100">
               <a:solidFill>
                 <a:schemeClr val="lt1"/>
               </a:solidFill>
@@ -9032,6 +9546,138 @@
   <p:clrMapOvr>
     <a:masterClrMapping/>
   </p:clrMapOvr>
+  <p:timing>
+    <p:tnLst>
+      <p:par>
+        <p:cTn dur="indefinite" nodeType="tmRoot" restart="never">
+          <p:childTnLst>
+            <p:seq concurrent="1" nextAc="seek">
+              <p:cTn dur="indefinite" id="2" nodeType="mainSeq">
+                <p:childTnLst>
+                  <p:par>
+                    <p:cTn fill="hold">
+                      <p:stCondLst>
+                        <p:cond delay="indefinite"/>
+                        <p:cond evt="onBegin" delay="0">
+                          <p:tn val="2"/>
+                        </p:cond>
+                      </p:stCondLst>
+                      <p:childTnLst>
+                        <p:par>
+                          <p:cTn fill="hold">
+                            <p:stCondLst>
+                              <p:cond delay="0"/>
+                            </p:stCondLst>
+                            <p:childTnLst>
+                              <p:par>
+                                <p:cTn fill="hold" nodeType="afterEffect" presetClass="entr" presetID="1" presetSubtype="0">
+                                  <p:stCondLst>
+                                    <p:cond delay="0"/>
+                                  </p:stCondLst>
+                                  <p:childTnLst>
+                                    <p:set>
+                                      <p:cBhvr>
+                                        <p:cTn dur="1" fill="hold">
+                                          <p:stCondLst>
+                                            <p:cond delay="0"/>
+                                          </p:stCondLst>
+                                        </p:cTn>
+                                        <p:tgtEl>
+                                          <p:spTgt spid="154"/>
+                                        </p:tgtEl>
+                                        <p:attrNameLst>
+                                          <p:attrName>style.visibility</p:attrName>
+                                        </p:attrNameLst>
+                                      </p:cBhvr>
+                                      <p:to>
+                                        <p:strVal val="visible"/>
+                                      </p:to>
+                                    </p:set>
+                                  </p:childTnLst>
+                                </p:cTn>
+                              </p:par>
+                              <p:par>
+                                <p:cTn fill="hold" nodeType="withEffect" presetClass="entr" presetID="1" presetSubtype="0">
+                                  <p:stCondLst>
+                                    <p:cond delay="0"/>
+                                  </p:stCondLst>
+                                  <p:childTnLst>
+                                    <p:set>
+                                      <p:cBhvr>
+                                        <p:cTn dur="1" fill="hold">
+                                          <p:stCondLst>
+                                            <p:cond delay="0"/>
+                                          </p:stCondLst>
+                                        </p:cTn>
+                                        <p:tgtEl>
+                                          <p:spTgt spid="155"/>
+                                        </p:tgtEl>
+                                        <p:attrNameLst>
+                                          <p:attrName>style.visibility</p:attrName>
+                                        </p:attrNameLst>
+                                      </p:cBhvr>
+                                      <p:to>
+                                        <p:strVal val="visible"/>
+                                      </p:to>
+                                    </p:set>
+                                  </p:childTnLst>
+                                </p:cTn>
+                              </p:par>
+                              <p:par>
+                                <p:cTn fill="hold" nodeType="withEffect" presetClass="entr" presetID="1" presetSubtype="0">
+                                  <p:stCondLst>
+                                    <p:cond delay="0"/>
+                                  </p:stCondLst>
+                                  <p:childTnLst>
+                                    <p:set>
+                                      <p:cBhvr>
+                                        <p:cTn dur="1" fill="hold">
+                                          <p:stCondLst>
+                                            <p:cond delay="0"/>
+                                          </p:stCondLst>
+                                        </p:cTn>
+                                        <p:tgtEl>
+                                          <p:spTgt spid="156"/>
+                                        </p:tgtEl>
+                                        <p:attrNameLst>
+                                          <p:attrName>style.visibility</p:attrName>
+                                        </p:attrNameLst>
+                                      </p:cBhvr>
+                                      <p:to>
+                                        <p:strVal val="visible"/>
+                                      </p:to>
+                                    </p:set>
+                                  </p:childTnLst>
+                                </p:cTn>
+                              </p:par>
+                            </p:childTnLst>
+                          </p:cTn>
+                        </p:par>
+                      </p:childTnLst>
+                    </p:cTn>
+                  </p:par>
+                </p:childTnLst>
+              </p:cTn>
+              <p:prevCondLst>
+                <p:cond evt="onPrev">
+                  <p:tgtEl>
+                    <p:sldTgt/>
+                  </p:tgtEl>
+                </p:cond>
+              </p:prevCondLst>
+              <p:nextCondLst>
+                <p:cond evt="onNext">
+                  <p:tgtEl>
+                    <p:sldTgt/>
+                  </p:tgtEl>
+                </p:cond>
+              </p:nextCondLst>
+            </p:seq>
+          </p:childTnLst>
+        </p:cTn>
+      </p:par>
+    </p:tnLst>
+  </p:timing>
 </p:sld>
 </file>
 
@@ -9040,7 +9686,7 @@
   <p:cSld>
     <p:spTree>
       <p:nvGrpSpPr>
-        <p:cNvPr id="159" name="Shape 159"/>
+        <p:cNvPr id="160" name="Shape 160"/>
         <p:cNvGrpSpPr/>
         <p:nvPr/>
       </p:nvGrpSpPr>
@@ -9054,7 +9700,7 @@
       </p:grpSpPr>
       <p:pic>
         <p:nvPicPr>
-          <p:cNvPr id="160" name="Google Shape;160;p26"/>
+          <p:cNvPr id="161" name="Google Shape;161;p26"/>
           <p:cNvPicPr preferRelativeResize="0"/>
           <p:nvPr/>
         </p:nvPicPr>
@@ -9082,7 +9728,7 @@
       </p:pic>
       <p:sp>
         <p:nvSpPr>
-          <p:cNvPr id="161" name="Google Shape;161;p26"/>
+          <p:cNvPr id="162" name="Google Shape;162;p26"/>
           <p:cNvSpPr txBox="1"/>
           <p:nvPr>
             <p:ph type="title"/>
@@ -9090,7 +9736,7 @@
         </p:nvSpPr>
         <p:spPr>
           <a:xfrm>
-            <a:off x="407975" y="445025"/>
+            <a:off x="816000" y="390150"/>
             <a:ext cx="8328000" cy="572700"/>
           </a:xfrm>
           <a:prstGeom prst="rect">
@@ -9130,7 +9776,7 @@
       </p:sp>
       <p:sp>
         <p:nvSpPr>
-          <p:cNvPr id="162" name="Google Shape;162;p26"/>
+          <p:cNvPr id="163" name="Google Shape;163;p26"/>
           <p:cNvSpPr txBox="1"/>
           <p:nvPr>
             <p:ph idx="1" type="body"/>
@@ -9138,7 +9784,7 @@
         </p:nvSpPr>
         <p:spPr>
           <a:xfrm>
-            <a:off x="407975" y="1152475"/>
+            <a:off x="874325" y="1017725"/>
             <a:ext cx="3903600" cy="3416400"/>
           </a:xfrm>
           <a:prstGeom prst="rect">
@@ -9161,21 +9807,21 @@
               <a:buNone/>
             </a:pPr>
             <a:r>
-              <a:rPr lang="en">
+              <a:rPr lang="en" sz="1800">
                 <a:solidFill>
                   <a:schemeClr val="lt1"/>
                 </a:solidFill>
               </a:rPr>
               <a:t>Real-World Applications:</a:t>
             </a:r>
-            <a:endParaRPr>
+            <a:endParaRPr sz="1800">
               <a:solidFill>
                 <a:schemeClr val="lt1"/>
               </a:solidFill>
             </a:endParaRPr>
           </a:p>
           <a:p>
-            <a:pPr indent="-317500" lvl="0" marL="457200" rtl="0" algn="l">
+            <a:pPr indent="-342900" lvl="0" marL="457200" rtl="0" algn="l">
               <a:spcBef>
                 <a:spcPts val="1200"/>
               </a:spcBef>
@@ -9185,25 +9831,25 @@
               <a:buClr>
                 <a:schemeClr val="lt1"/>
               </a:buClr>
-              <a:buSzPts val="1400"/>
+              <a:buSzPts val="1800"/>
               <a:buChar char="●"/>
             </a:pPr>
             <a:r>
-              <a:rPr lang="en">
+              <a:rPr lang="en" sz="1800">
                 <a:solidFill>
                   <a:schemeClr val="lt1"/>
                 </a:solidFill>
               </a:rPr>
               <a:t>Reduce clinician documentation time by 60%</a:t>
             </a:r>
-            <a:endParaRPr>
+            <a:endParaRPr sz="1800">
               <a:solidFill>
                 <a:schemeClr val="lt1"/>
               </a:solidFill>
             </a:endParaRPr>
           </a:p>
           <a:p>
-            <a:pPr indent="-317500" lvl="0" marL="457200" rtl="0" algn="l">
+            <a:pPr indent="-342900" lvl="0" marL="457200" rtl="0" algn="l">
               <a:spcBef>
                 <a:spcPts val="0"/>
               </a:spcBef>
@@ -9213,25 +9859,25 @@
               <a:buClr>
                 <a:schemeClr val="lt1"/>
               </a:buClr>
-              <a:buSzPts val="1400"/>
+              <a:buSzPts val="1800"/>
               <a:buChar char="●"/>
             </a:pPr>
             <a:r>
-              <a:rPr lang="en">
+              <a:rPr lang="en" sz="1800">
                 <a:solidFill>
                   <a:schemeClr val="lt1"/>
                 </a:solidFill>
               </a:rPr>
               <a:t>Improve clinical workflow efficiency</a:t>
             </a:r>
-            <a:endParaRPr>
+            <a:endParaRPr sz="1800">
               <a:solidFill>
                 <a:schemeClr val="lt1"/>
               </a:solidFill>
             </a:endParaRPr>
           </a:p>
           <a:p>
-            <a:pPr indent="-317500" lvl="0" marL="457200" rtl="0" algn="l">
+            <a:pPr indent="-342900" lvl="0" marL="457200" rtl="0" algn="l">
               <a:spcBef>
                 <a:spcPts val="0"/>
               </a:spcBef>
@@ -9241,25 +9887,25 @@
               <a:buClr>
                 <a:schemeClr val="lt1"/>
               </a:buClr>
-              <a:buSzPts val="1400"/>
+              <a:buSzPts val="1800"/>
               <a:buChar char="●"/>
             </a:pPr>
             <a:r>
-              <a:rPr lang="en">
+              <a:rPr lang="en" sz="1800">
                 <a:solidFill>
                   <a:schemeClr val="lt1"/>
                 </a:solidFill>
               </a:rPr>
               <a:t>Enable faster access to critical patient information</a:t>
             </a:r>
-            <a:endParaRPr>
+            <a:endParaRPr sz="1800">
               <a:solidFill>
                 <a:schemeClr val="lt1"/>
               </a:solidFill>
             </a:endParaRPr>
           </a:p>
           <a:p>
-            <a:pPr indent="-317500" lvl="0" marL="457200" rtl="0" algn="l">
+            <a:pPr indent="-342900" lvl="0" marL="457200" rtl="0" algn="l">
               <a:spcBef>
                 <a:spcPts val="0"/>
               </a:spcBef>
@@ -9269,25 +9915,25 @@
               <a:buClr>
                 <a:schemeClr val="lt1"/>
               </a:buClr>
-              <a:buSzPts val="1400"/>
+              <a:buSzPts val="1800"/>
               <a:buChar char="●"/>
             </a:pPr>
             <a:r>
-              <a:rPr lang="en">
+              <a:rPr lang="en" sz="1800">
                 <a:solidFill>
                   <a:schemeClr val="lt1"/>
                 </a:solidFill>
               </a:rPr>
               <a:t>Support real-time clinical decision-making</a:t>
             </a:r>
-            <a:endParaRPr>
+            <a:endParaRPr sz="1800">
               <a:solidFill>
                 <a:schemeClr val="lt1"/>
               </a:solidFill>
             </a:endParaRPr>
           </a:p>
           <a:p>
-            <a:pPr indent="-317500" lvl="0" marL="457200" rtl="0" algn="l">
+            <a:pPr indent="-342900" lvl="0" marL="457200" rtl="0" algn="l">
               <a:spcBef>
                 <a:spcPts val="0"/>
               </a:spcBef>
@@ -9297,18 +9943,18 @@
               <a:buClr>
                 <a:schemeClr val="lt1"/>
               </a:buClr>
-              <a:buSzPts val="1400"/>
+              <a:buSzPts val="1800"/>
               <a:buChar char="●"/>
             </a:pPr>
             <a:r>
-              <a:rPr lang="en">
+              <a:rPr lang="en" sz="1800">
                 <a:solidFill>
                   <a:schemeClr val="lt1"/>
                 </a:solidFill>
               </a:rPr>
               <a:t>Potential cost savings: $50K+ per hospital annually</a:t>
             </a:r>
-            <a:endParaRPr>
+            <a:endParaRPr sz="1800">
               <a:solidFill>
                 <a:schemeClr val="lt1"/>
               </a:solidFill>
@@ -9327,7 +9973,7 @@
             <a:r>
               <a:t/>
             </a:r>
-            <a:endParaRPr>
+            <a:endParaRPr sz="1800">
               <a:solidFill>
                 <a:schemeClr val="lt1"/>
               </a:solidFill>
@@ -9346,7 +9992,7 @@
             <a:r>
               <a:t/>
             </a:r>
-            <a:endParaRPr>
+            <a:endParaRPr sz="1800">
               <a:solidFill>
                 <a:schemeClr val="lt1"/>
               </a:solidFill>
@@ -9356,7 +10002,7 @@
       </p:sp>
       <p:pic>
         <p:nvPicPr>
-          <p:cNvPr id="163" name="Google Shape;163;p26"/>
+          <p:cNvPr id="164" name="Google Shape;164;p26"/>
           <p:cNvPicPr preferRelativeResize="0"/>
           <p:nvPr/>
         </p:nvPicPr>
@@ -9387,6 +10033,165 @@
   <p:clrMapOvr>
     <a:masterClrMapping/>
   </p:clrMapOvr>
+  <p:timing>
+    <p:tnLst>
+      <p:par>
+        <p:cTn dur="indefinite" nodeType="tmRoot" restart="never">
+          <p:childTnLst>
+            <p:seq concurrent="1" nextAc="seek">
+              <p:cTn dur="indefinite" id="2" nodeType="mainSeq">
+                <p:childTnLst>
+                  <p:par>
+                    <p:cTn fill="hold">
+                      <p:stCondLst>
+                        <p:cond delay="indefinite"/>
+                        <p:cond evt="onBegin" delay="0">
+                          <p:tn val="2"/>
+                        </p:cond>
+                      </p:stCondLst>
+                      <p:childTnLst>
+                        <p:par>
+                          <p:cTn fill="hold">
+                            <p:stCondLst>
+                              <p:cond delay="0"/>
+                            </p:stCondLst>
+                            <p:childTnLst>
+                              <p:par>
+                                <p:cTn fill="hold" nodeType="afterEffect" presetClass="entr" presetID="1" presetSubtype="0">
+                                  <p:stCondLst>
+                                    <p:cond delay="0"/>
+                                  </p:stCondLst>
+                                  <p:childTnLst>
+                                    <p:set>
+                                      <p:cBhvr>
+                                        <p:cTn dur="1" fill="hold">
+                                          <p:stCondLst>
+                                            <p:cond delay="0"/>
+                                          </p:stCondLst>
+                                        </p:cTn>
+                                        <p:tgtEl>
+                                          <p:spTgt spid="161"/>
+                                        </p:tgtEl>
+                                        <p:attrNameLst>
+                                          <p:attrName>style.visibility</p:attrName>
+                                        </p:attrNameLst>
+                                      </p:cBhvr>
+                                      <p:to>
+                                        <p:strVal val="visible"/>
+                                      </p:to>
+                                    </p:set>
+                                  </p:childTnLst>
+                                </p:cTn>
+                              </p:par>
+                              <p:par>
+                                <p:cTn fill="hold" nodeType="withEffect" presetClass="entr" presetID="1" presetSubtype="0">
+                                  <p:stCondLst>
+                                    <p:cond delay="0"/>
+                                  </p:stCondLst>
+                                  <p:childTnLst>
+                                    <p:set>
+                                      <p:cBhvr>
+                                        <p:cTn dur="1" fill="hold">
+                                          <p:stCondLst>
+                                            <p:cond delay="0"/>
+                                          </p:stCondLst>
+                                        </p:cTn>
+                                        <p:tgtEl>
+                                          <p:spTgt spid="162"/>
+                                        </p:tgtEl>
+                                        <p:attrNameLst>
+                                          <p:attrName>style.visibility</p:attrName>
+                                        </p:attrNameLst>
+                                      </p:cBhvr>
+                                      <p:to>
+                                        <p:strVal val="visible"/>
+                                      </p:to>
+                                    </p:set>
+                                  </p:childTnLst>
+                                </p:cTn>
+                              </p:par>
+                              <p:par>
+                                <p:cTn fill="hold" nodeType="withEffect" presetClass="entr" presetID="1" presetSubtype="0">
+                                  <p:stCondLst>
+                                    <p:cond delay="0"/>
+                                  </p:stCondLst>
+                                  <p:childTnLst>
+                                    <p:set>
+                                      <p:cBhvr>
+                                        <p:cTn dur="1" fill="hold">
+                                          <p:stCondLst>
+                                            <p:cond delay="0"/>
+                                          </p:stCondLst>
+                                        </p:cTn>
+                                        <p:tgtEl>
+                                          <p:spTgt spid="163"/>
+                                        </p:tgtEl>
+                                        <p:attrNameLst>
+                                          <p:attrName>style.visibility</p:attrName>
+                                        </p:attrNameLst>
+                                      </p:cBhvr>
+                                      <p:to>
+                                        <p:strVal val="visible"/>
+                                      </p:to>
+                                    </p:set>
+                                  </p:childTnLst>
+                                </p:cTn>
+                              </p:par>
+                              <p:par>
+                                <p:cTn fill="hold" nodeType="withEffect" presetClass="entr" presetID="1" presetSubtype="0">
+                                  <p:stCondLst>
+                                    <p:cond delay="0"/>
+                                  </p:stCondLst>
+                                  <p:childTnLst>
+                                    <p:set>
+                                      <p:cBhvr>
+                                        <p:cTn dur="1" fill="hold">
+                                          <p:stCondLst>
+                                            <p:cond delay="0"/>
+                                          </p:stCondLst>
+                                        </p:cTn>
+                                        <p:tgtEl>
+                                          <p:spTgt spid="164"/>
+                                        </p:tgtEl>
+                                        <p:attrNameLst>
+                                          <p:attrName>style.visibility</p:attrName>
+                                        </p:attrNameLst>
+                                      </p:cBhvr>
+                                      <p:to>
+                                        <p:strVal val="visible"/>
+                                      </p:to>
+                                    </p:set>
+                                  </p:childTnLst>
+                                </p:cTn>
+                              </p:par>
+                            </p:childTnLst>
+                          </p:cTn>
+                        </p:par>
+                      </p:childTnLst>
+                    </p:cTn>
+                  </p:par>
+                </p:childTnLst>
+              </p:cTn>
+              <p:prevCondLst>
+                <p:cond evt="onPrev">
+                  <p:tgtEl>
+                    <p:sldTgt/>
+                  </p:tgtEl>
+                </p:cond>
+              </p:prevCondLst>
+              <p:nextCondLst>
+                <p:cond evt="onNext">
+                  <p:tgtEl>
+                    <p:sldTgt/>
+                  </p:tgtEl>
+                </p:cond>
+              </p:nextCondLst>
+            </p:seq>
+          </p:childTnLst>
+        </p:cTn>
+      </p:par>
+    </p:tnLst>
+  </p:timing>
 </p:sld>
 </file>
 
@@ -9395,7 +10200,7 @@
   <p:cSld>
     <p:spTree>
       <p:nvGrpSpPr>
-        <p:cNvPr id="167" name="Shape 167"/>
+        <p:cNvPr id="168" name="Shape 168"/>
         <p:cNvGrpSpPr/>
         <p:nvPr/>
       </p:nvGrpSpPr>
@@ -9409,7 +10214,7 @@
       </p:grpSpPr>
       <p:pic>
         <p:nvPicPr>
-          <p:cNvPr id="168" name="Google Shape;168;p27"/>
+          <p:cNvPr id="169" name="Google Shape;169;p27"/>
           <p:cNvPicPr preferRelativeResize="0"/>
           <p:nvPr/>
         </p:nvPicPr>
@@ -9437,7 +10242,7 @@
       </p:pic>
       <p:sp>
         <p:nvSpPr>
-          <p:cNvPr id="169" name="Google Shape;169;p27"/>
+          <p:cNvPr id="170" name="Google Shape;170;p27"/>
           <p:cNvSpPr txBox="1"/>
           <p:nvPr>
             <p:ph type="title"/>
@@ -9445,7 +10250,7 @@
         </p:nvSpPr>
         <p:spPr>
           <a:xfrm>
-            <a:off x="407925" y="445025"/>
+            <a:off x="874250" y="566075"/>
             <a:ext cx="8328000" cy="572700"/>
           </a:xfrm>
           <a:prstGeom prst="rect">
@@ -9485,7 +10290,7 @@
       </p:sp>
       <p:sp>
         <p:nvSpPr>
-          <p:cNvPr id="170" name="Google Shape;170;p27"/>
+          <p:cNvPr id="171" name="Google Shape;171;p27"/>
           <p:cNvSpPr txBox="1"/>
           <p:nvPr>
             <p:ph idx="1" type="body"/>
@@ -9493,7 +10298,7 @@
         </p:nvSpPr>
         <p:spPr>
           <a:xfrm>
-            <a:off x="407975" y="1152475"/>
+            <a:off x="706275" y="1138775"/>
             <a:ext cx="8328000" cy="3416400"/>
           </a:xfrm>
           <a:prstGeom prst="rect">
@@ -9506,35 +10311,43 @@
           </a:bodyPr>
           <a:lstStyle/>
           <a:p>
-            <a:pPr indent="-342900" lvl="0" marL="457200" rtl="0" algn="l">
-              <a:spcBef>
-                <a:spcPts val="0"/>
+            <a:pPr indent="-330200" lvl="0" marL="457200" rtl="0" algn="l">
+              <a:spcBef>
+                <a:spcPts val="1200"/>
               </a:spcBef>
               <a:spcAft>
                 <a:spcPts val="0"/>
               </a:spcAft>
               <a:buClr>
-                <a:schemeClr val="lt1"/>
+                <a:srgbClr val="000000"/>
               </a:buClr>
-              <a:buSzPts val="1800"/>
+              <a:buSzPts val="1600"/>
               <a:buAutoNum type="arabicPeriod"/>
             </a:pPr>
             <a:r>
-              <a:rPr lang="en">
-                <a:solidFill>
-                  <a:schemeClr val="lt1"/>
-                </a:solidFill>
-              </a:rPr>
-              <a:t>Key Technical Innovations:</a:t>
-            </a:r>
-            <a:endParaRPr>
+              <a:rPr b="1" lang="en" sz="1600">
+                <a:solidFill>
+                  <a:srgbClr val="000000"/>
+                </a:solidFill>
+              </a:rPr>
+              <a:t>Multi-Model Innovation:</a:t>
+            </a:r>
+            <a:r>
+              <a:rPr lang="en" sz="1600">
+                <a:solidFill>
+                  <a:srgbClr val="000000"/>
+                </a:solidFill>
+              </a:rPr>
+              <a:t> </a:t>
+            </a:r>
+            <a:endParaRPr sz="1600">
               <a:solidFill>
-                <a:schemeClr val="lt1"/>
+                <a:srgbClr val="000000"/>
               </a:solidFill>
             </a:endParaRPr>
           </a:p>
           <a:p>
-            <a:pPr indent="-317500" lvl="1" marL="914400" rtl="0" algn="l">
+            <a:pPr indent="-330200" lvl="1" marL="914400" rtl="0" algn="l">
               <a:spcBef>
                 <a:spcPts val="0"/>
               </a:spcBef>
@@ -9542,27 +10355,35 @@
                 <a:spcPts val="0"/>
               </a:spcAft>
               <a:buClr>
-                <a:schemeClr val="lt1"/>
+                <a:srgbClr val="000000"/>
               </a:buClr>
-              <a:buSzPts val="1400"/>
+              <a:buSzPts val="1600"/>
               <a:buChar char="○"/>
             </a:pPr>
             <a:r>
-              <a:rPr lang="en">
-                <a:solidFill>
-                  <a:schemeClr val="lt1"/>
-                </a:solidFill>
-              </a:rPr>
-              <a:t>End-to-end automated pipeline</a:t>
-            </a:r>
-            <a:endParaRPr>
+              <a:rPr b="1" lang="en" sz="1600">
+                <a:solidFill>
+                  <a:srgbClr val="000000"/>
+                </a:solidFill>
+              </a:rPr>
+              <a:t>Comprehensive evaluation:</a:t>
+            </a:r>
+            <a:r>
+              <a:rPr lang="en" sz="1600">
+                <a:solidFill>
+                  <a:srgbClr val="000000"/>
+                </a:solidFill>
+              </a:rPr>
+              <a:t> 3 transformer architectures compared </a:t>
+            </a:r>
+            <a:endParaRPr sz="1600">
               <a:solidFill>
-                <a:schemeClr val="lt1"/>
+                <a:srgbClr val="000000"/>
               </a:solidFill>
             </a:endParaRPr>
           </a:p>
           <a:p>
-            <a:pPr indent="-317500" lvl="1" marL="914400" rtl="0" algn="l">
+            <a:pPr indent="-330200" lvl="1" marL="914400" rtl="0" algn="l">
               <a:spcBef>
                 <a:spcPts val="0"/>
               </a:spcBef>
@@ -9570,27 +10391,35 @@
                 <a:spcPts val="0"/>
               </a:spcAft>
               <a:buClr>
-                <a:schemeClr val="lt1"/>
+                <a:srgbClr val="000000"/>
               </a:buClr>
-              <a:buSzPts val="1400"/>
+              <a:buSzPts val="1600"/>
               <a:buChar char="○"/>
             </a:pPr>
             <a:r>
-              <a:rPr lang="en">
-                <a:solidFill>
-                  <a:schemeClr val="lt1"/>
-                </a:solidFill>
-              </a:rPr>
-              <a:t>Medical domain-specific preprocessing</a:t>
-            </a:r>
-            <a:endParaRPr>
+              <a:rPr b="1" lang="en" sz="1600">
+                <a:solidFill>
+                  <a:srgbClr val="000000"/>
+                </a:solidFill>
+              </a:rPr>
+              <a:t>Intelligent selection:</a:t>
+            </a:r>
+            <a:r>
+              <a:rPr lang="en" sz="1600">
+                <a:solidFill>
+                  <a:srgbClr val="000000"/>
+                </a:solidFill>
+              </a:rPr>
+              <a:t> Multi-criteria scoring framework (Quality 40%, Performance 40%, Reliability 20%) </a:t>
+            </a:r>
+            <a:endParaRPr sz="1600">
               <a:solidFill>
-                <a:schemeClr val="lt1"/>
+                <a:srgbClr val="000000"/>
               </a:solidFill>
             </a:endParaRPr>
           </a:p>
           <a:p>
-            <a:pPr indent="-317500" lvl="1" marL="914400" rtl="0" algn="l">
+            <a:pPr indent="-330200" lvl="1" marL="914400" rtl="0" algn="l">
               <a:spcBef>
                 <a:spcPts val="0"/>
               </a:spcBef>
@@ -9598,27 +10427,35 @@
                 <a:spcPts val="0"/>
               </a:spcAft>
               <a:buClr>
-                <a:schemeClr val="lt1"/>
+                <a:srgbClr val="000000"/>
               </a:buClr>
-              <a:buSzPts val="1400"/>
+              <a:buSzPts val="1600"/>
               <a:buChar char="○"/>
             </a:pPr>
             <a:r>
-              <a:rPr lang="en">
-                <a:solidFill>
-                  <a:schemeClr val="lt1"/>
-                </a:solidFill>
-              </a:rPr>
-              <a:t>CPU-optimized transformer deployment</a:t>
-            </a:r>
-            <a:endParaRPr>
+              <a:rPr b="1" lang="en" sz="1600">
+                <a:solidFill>
+                  <a:srgbClr val="000000"/>
+                </a:solidFill>
+              </a:rPr>
+              <a:t>T5-Small optimization:</a:t>
+            </a:r>
+            <a:r>
+              <a:rPr lang="en" sz="1600">
+                <a:solidFill>
+                  <a:srgbClr val="000000"/>
+                </a:solidFill>
+              </a:rPr>
+              <a:t> Achieved optimal speed-accuracy balance </a:t>
+            </a:r>
+            <a:endParaRPr sz="1600">
               <a:solidFill>
-                <a:schemeClr val="lt1"/>
+                <a:srgbClr val="000000"/>
               </a:solidFill>
             </a:endParaRPr>
           </a:p>
           <a:p>
-            <a:pPr indent="-317500" lvl="1" marL="914400" rtl="0" algn="l">
+            <a:pPr indent="-330200" lvl="1" marL="914400" rtl="0" algn="l">
               <a:spcBef>
                 <a:spcPts val="0"/>
               </a:spcBef>
@@ -9626,27 +10463,35 @@
                 <a:spcPts val="0"/>
               </a:spcAft>
               <a:buClr>
-                <a:schemeClr val="lt1"/>
+                <a:srgbClr val="000000"/>
               </a:buClr>
-              <a:buSzPts val="1400"/>
+              <a:buSzPts val="1600"/>
               <a:buChar char="○"/>
             </a:pPr>
             <a:r>
-              <a:rPr lang="en">
-                <a:solidFill>
-                  <a:schemeClr val="lt1"/>
-                </a:solidFill>
-              </a:rPr>
-              <a:t>Real-time processing capability</a:t>
-            </a:r>
-            <a:endParaRPr>
+              <a:rPr b="1" lang="en" sz="1600">
+                <a:solidFill>
+                  <a:srgbClr val="000000"/>
+                </a:solidFill>
+              </a:rPr>
+              <a:t>Clinical deployment readiness:</a:t>
+            </a:r>
+            <a:r>
+              <a:rPr lang="en" sz="1600">
+                <a:solidFill>
+                  <a:srgbClr val="000000"/>
+                </a:solidFill>
+              </a:rPr>
+              <a:t> Real-time processing capability validated</a:t>
+            </a:r>
+            <a:endParaRPr sz="1600">
               <a:solidFill>
-                <a:schemeClr val="lt1"/>
+                <a:srgbClr val="000000"/>
               </a:solidFill>
             </a:endParaRPr>
           </a:p>
           <a:p>
-            <a:pPr indent="-317500" lvl="1" marL="914400" rtl="0" algn="l">
+            <a:pPr indent="-330200" lvl="0" marL="457200" rtl="0" algn="l">
               <a:spcBef>
                 <a:spcPts val="0"/>
               </a:spcBef>
@@ -9654,27 +10499,35 @@
                 <a:spcPts val="0"/>
               </a:spcAft>
               <a:buClr>
-                <a:schemeClr val="lt1"/>
+                <a:srgbClr val="000000"/>
               </a:buClr>
-              <a:buSzPts val="1400"/>
-              <a:buChar char="○"/>
+              <a:buSzPts val="1600"/>
+              <a:buAutoNum type="arabicPeriod"/>
             </a:pPr>
             <a:r>
-              <a:rPr lang="en">
-                <a:solidFill>
-                  <a:schemeClr val="lt1"/>
-                </a:solidFill>
-              </a:rPr>
-              <a:t>Scalable architecture design</a:t>
-            </a:r>
-            <a:endParaRPr>
+              <a:rPr b="1" lang="en" sz="1600">
+                <a:solidFill>
+                  <a:srgbClr val="000000"/>
+                </a:solidFill>
+              </a:rPr>
+              <a:t>Performance Highlights:</a:t>
+            </a:r>
+            <a:r>
+              <a:rPr lang="en" sz="1600">
+                <a:solidFill>
+                  <a:srgbClr val="000000"/>
+                </a:solidFill>
+              </a:rPr>
+              <a:t> </a:t>
+            </a:r>
+            <a:endParaRPr sz="1600">
               <a:solidFill>
-                <a:schemeClr val="lt1"/>
+                <a:srgbClr val="000000"/>
               </a:solidFill>
             </a:endParaRPr>
           </a:p>
           <a:p>
-            <a:pPr indent="-342900" lvl="0" marL="457200" rtl="0" algn="l">
+            <a:pPr indent="-330200" lvl="1" marL="914400" rtl="0" algn="l">
               <a:spcBef>
                 <a:spcPts val="0"/>
               </a:spcBef>
@@ -9682,27 +10535,35 @@
                 <a:spcPts val="0"/>
               </a:spcAft>
               <a:buClr>
-                <a:schemeClr val="lt1"/>
+                <a:srgbClr val="000000"/>
               </a:buClr>
-              <a:buSzPts val="1800"/>
-              <a:buAutoNum type="arabicPeriod"/>
+              <a:buSzPts val="1600"/>
+              <a:buChar char="○"/>
             </a:pPr>
             <a:r>
-              <a:rPr lang="en">
-                <a:solidFill>
-                  <a:schemeClr val="lt1"/>
-                </a:solidFill>
-              </a:rPr>
-              <a:t>Performance Highlights:</a:t>
-            </a:r>
-            <a:endParaRPr>
+              <a:rPr b="1" lang="en" sz="1600">
+                <a:solidFill>
+                  <a:srgbClr val="000000"/>
+                </a:solidFill>
+              </a:rPr>
+              <a:t>95.8% compression</a:t>
+            </a:r>
+            <a:r>
+              <a:rPr lang="en" sz="1600">
+                <a:solidFill>
+                  <a:srgbClr val="000000"/>
+                </a:solidFill>
+              </a:rPr>
+              <a:t> with clinical accuracy preservation </a:t>
+            </a:r>
+            <a:endParaRPr sz="1600">
               <a:solidFill>
-                <a:schemeClr val="lt1"/>
+                <a:srgbClr val="000000"/>
               </a:solidFill>
             </a:endParaRPr>
           </a:p>
           <a:p>
-            <a:pPr indent="-317500" lvl="1" marL="914400" rtl="0" algn="l">
+            <a:pPr indent="-330200" lvl="1" marL="914400" rtl="0" algn="l">
               <a:spcBef>
                 <a:spcPts val="0"/>
               </a:spcBef>
@@ -9710,27 +10571,51 @@
                 <a:spcPts val="0"/>
               </a:spcAft>
               <a:buClr>
-                <a:schemeClr val="lt1"/>
+                <a:srgbClr val="000000"/>
               </a:buClr>
-              <a:buSzPts val="1400"/>
+              <a:buSzPts val="1600"/>
               <a:buChar char="○"/>
             </a:pPr>
             <a:r>
-              <a:rPr lang="en">
-                <a:solidFill>
-                  <a:schemeClr val="lt1"/>
-                </a:solidFill>
-              </a:rPr>
-              <a:t>97.2% text compression achieved</a:t>
-            </a:r>
-            <a:endParaRPr>
+              <a:rPr b="1" lang="en" sz="1600">
+                <a:solidFill>
+                  <a:srgbClr val="000000"/>
+                </a:solidFill>
+              </a:rPr>
+              <a:t>1.23 summaries/second</a:t>
+            </a:r>
+            <a:r>
+              <a:rPr lang="en" sz="1600">
+                <a:solidFill>
+                  <a:srgbClr val="000000"/>
+                </a:solidFill>
+              </a:rPr>
+              <a:t> processing speed ○ </a:t>
+            </a:r>
+            <a:r>
+              <a:rPr b="1" lang="en" sz="1600">
+                <a:solidFill>
+                  <a:srgbClr val="000000"/>
+                </a:solidFill>
+              </a:rPr>
+              <a:t>100% success rate</a:t>
+            </a:r>
+            <a:r>
+              <a:rPr lang="en" sz="1600">
+                <a:solidFill>
+                  <a:srgbClr val="000000"/>
+                </a:solidFill>
+              </a:rPr>
+              <a:t> across all models and specialties </a:t>
+            </a:r>
+            <a:endParaRPr sz="1600">
               <a:solidFill>
-                <a:schemeClr val="lt1"/>
+                <a:srgbClr val="000000"/>
               </a:solidFill>
             </a:endParaRPr>
           </a:p>
           <a:p>
-            <a:pPr indent="-317500" lvl="1" marL="914400" rtl="0" algn="l">
+            <a:pPr indent="-330200" lvl="1" marL="914400" rtl="0" algn="l">
               <a:spcBef>
                 <a:spcPts val="0"/>
               </a:spcBef>
@@ -9738,76 +10623,28 @@
                 <a:spcPts val="0"/>
               </a:spcAft>
               <a:buClr>
-                <a:schemeClr val="lt1"/>
+                <a:srgbClr val="000000"/>
               </a:buClr>
-              <a:buSzPts val="1400"/>
+              <a:buSzPts val="1600"/>
               <a:buChar char="○"/>
             </a:pPr>
             <a:r>
-              <a:rPr lang="en">
-                <a:solidFill>
-                  <a:schemeClr val="lt1"/>
-                </a:solidFill>
-              </a:rPr>
-              <a:t>2.6 seconds average processing time</a:t>
-            </a:r>
-            <a:endParaRPr>
-              <a:solidFill>
-                <a:schemeClr val="lt1"/>
-              </a:solidFill>
-            </a:endParaRPr>
-          </a:p>
-          <a:p>
-            <a:pPr indent="-317500" lvl="1" marL="914400" rtl="0" algn="l">
-              <a:spcBef>
-                <a:spcPts val="0"/>
-              </a:spcBef>
-              <a:spcAft>
-                <a:spcPts val="0"/>
-              </a:spcAft>
-              <a:buClr>
-                <a:schemeClr val="lt1"/>
-              </a:buClr>
-              <a:buSzPts val="1400"/>
-              <a:buChar char="○"/>
-            </a:pPr>
-            <a:r>
-              <a:rPr lang="en">
-                <a:solidFill>
-                  <a:schemeClr val="lt1"/>
-                </a:solidFill>
-              </a:rPr>
-              <a:t>Consistent across 10+ medical specialties</a:t>
-            </a:r>
-            <a:endParaRPr>
-              <a:solidFill>
-                <a:schemeClr val="lt1"/>
-              </a:solidFill>
-            </a:endParaRPr>
-          </a:p>
-          <a:p>
-            <a:pPr indent="-317500" lvl="1" marL="914400" rtl="0" algn="l">
-              <a:spcBef>
-                <a:spcPts val="0"/>
-              </a:spcBef>
-              <a:spcAft>
-                <a:spcPts val="0"/>
-              </a:spcAft>
-              <a:buClr>
-                <a:schemeClr val="lt1"/>
-              </a:buClr>
-              <a:buSzPts val="1400"/>
-              <a:buChar char="○"/>
-            </a:pPr>
-            <a:r>
-              <a:rPr lang="en">
-                <a:solidFill>
-                  <a:schemeClr val="lt1"/>
-                </a:solidFill>
-              </a:rPr>
-              <a:t>230.8 MB lightweight model deployment</a:t>
-            </a:r>
-            <a:endParaRPr>
+              <a:rPr b="1" lang="en" sz="1600">
+                <a:solidFill>
+                  <a:srgbClr val="000000"/>
+                </a:solidFill>
+              </a:rPr>
+              <a:t>4.6x speed advantage</a:t>
+            </a:r>
+            <a:r>
+              <a:rPr lang="en" sz="1600">
+                <a:solidFill>
+                  <a:srgbClr val="000000"/>
+                </a:solidFill>
+              </a:rPr>
+              <a:t> of T5-Small over BART-Large</a:t>
+            </a:r>
+            <a:endParaRPr sz="1600">
               <a:solidFill>
                 <a:schemeClr val="lt1"/>
               </a:solidFill>
@@ -9820,6 +10657,138 @@
   <p:clrMapOvr>
     <a:masterClrMapping/>
   </p:clrMapOvr>
+  <p:timing>
+    <p:tnLst>
+      <p:par>
+        <p:cTn dur="indefinite" nodeType="tmRoot" restart="never">
+          <p:childTnLst>
+            <p:seq concurrent="1" nextAc="seek">
+              <p:cTn dur="indefinite" id="2" nodeType="mainSeq">
+                <p:childTnLst>
+                  <p:par>
+                    <p:cTn fill="hold">
+                      <p:stCondLst>
+                        <p:cond delay="indefinite"/>
+                        <p:cond evt="onBegin" delay="0">
+                          <p:tn val="2"/>
+                        </p:cond>
+                      </p:stCondLst>
+                      <p:childTnLst>
+                        <p:par>
+                          <p:cTn fill="hold">
+                            <p:stCondLst>
+                              <p:cond delay="0"/>
+                            </p:stCondLst>
+                            <p:childTnLst>
+                              <p:par>
+                                <p:cTn fill="hold" nodeType="afterEffect" presetClass="entr" presetID="1" presetSubtype="0">
+                                  <p:stCondLst>
+                                    <p:cond delay="0"/>
+                                  </p:stCondLst>
+                                  <p:childTnLst>
+                                    <p:set>
+                                      <p:cBhvr>
+                                        <p:cTn dur="1" fill="hold">
+                                          <p:stCondLst>
+                                            <p:cond delay="0"/>
+                                          </p:stCondLst>
+                                        </p:cTn>
+                                        <p:tgtEl>
+                                          <p:spTgt spid="169"/>
+                                        </p:tgtEl>
+                                        <p:attrNameLst>
+                                          <p:attrName>style.visibility</p:attrName>
+                                        </p:attrNameLst>
+                                      </p:cBhvr>
+                                      <p:to>
+                                        <p:strVal val="visible"/>
+                                      </p:to>
+                                    </p:set>
+                                  </p:childTnLst>
+                                </p:cTn>
+                              </p:par>
+                              <p:par>
+                                <p:cTn fill="hold" nodeType="withEffect" presetClass="entr" presetID="1" presetSubtype="0">
+                                  <p:stCondLst>
+                                    <p:cond delay="0"/>
+                                  </p:stCondLst>
+                                  <p:childTnLst>
+                                    <p:set>
+                                      <p:cBhvr>
+                                        <p:cTn dur="1" fill="hold">
+                                          <p:stCondLst>
+                                            <p:cond delay="0"/>
+                                          </p:stCondLst>
+                                        </p:cTn>
+                                        <p:tgtEl>
+                                          <p:spTgt spid="170"/>
+                                        </p:tgtEl>
+                                        <p:attrNameLst>
+                                          <p:attrName>style.visibility</p:attrName>
+                                        </p:attrNameLst>
+                                      </p:cBhvr>
+                                      <p:to>
+                                        <p:strVal val="visible"/>
+                                      </p:to>
+                                    </p:set>
+                                  </p:childTnLst>
+                                </p:cTn>
+                              </p:par>
+                              <p:par>
+                                <p:cTn fill="hold" nodeType="withEffect" presetClass="entr" presetID="1" presetSubtype="0">
+                                  <p:stCondLst>
+                                    <p:cond delay="0"/>
+                                  </p:stCondLst>
+                                  <p:childTnLst>
+                                    <p:set>
+                                      <p:cBhvr>
+                                        <p:cTn dur="1" fill="hold">
+                                          <p:stCondLst>
+                                            <p:cond delay="0"/>
+                                          </p:stCondLst>
+                                        </p:cTn>
+                                        <p:tgtEl>
+                                          <p:spTgt spid="171"/>
+                                        </p:tgtEl>
+                                        <p:attrNameLst>
+                                          <p:attrName>style.visibility</p:attrName>
+                                        </p:attrNameLst>
+                                      </p:cBhvr>
+                                      <p:to>
+                                        <p:strVal val="visible"/>
+                                      </p:to>
+                                    </p:set>
+                                  </p:childTnLst>
+                                </p:cTn>
+                              </p:par>
+                            </p:childTnLst>
+                          </p:cTn>
+                        </p:par>
+                      </p:childTnLst>
+                    </p:cTn>
+                  </p:par>
+                </p:childTnLst>
+              </p:cTn>
+              <p:prevCondLst>
+                <p:cond evt="onPrev">
+                  <p:tgtEl>
+                    <p:sldTgt/>
+                  </p:tgtEl>
+                </p:cond>
+              </p:prevCondLst>
+              <p:nextCondLst>
+                <p:cond evt="onNext">
+                  <p:tgtEl>
+                    <p:sldTgt/>
+                  </p:tgtEl>
+                </p:cond>
+              </p:nextCondLst>
+            </p:seq>
+          </p:childTnLst>
+        </p:cTn>
+      </p:par>
+    </p:tnLst>
+  </p:timing>
 </p:sld>
 </file>
 
@@ -9828,7 +10797,7 @@
   <p:cSld>
     <p:spTree>
       <p:nvGrpSpPr>
-        <p:cNvPr id="174" name="Shape 174"/>
+        <p:cNvPr id="175" name="Shape 175"/>
         <p:cNvGrpSpPr/>
         <p:nvPr/>
       </p:nvGrpSpPr>
@@ -9842,7 +10811,7 @@
       </p:grpSpPr>
       <p:pic>
         <p:nvPicPr>
-          <p:cNvPr id="175" name="Google Shape;175;p28"/>
+          <p:cNvPr id="176" name="Google Shape;176;p28"/>
           <p:cNvPicPr preferRelativeResize="0"/>
           <p:nvPr/>
         </p:nvPicPr>
@@ -9870,7 +10839,7 @@
       </p:pic>
       <p:sp>
         <p:nvSpPr>
-          <p:cNvPr id="176" name="Google Shape;176;p28"/>
+          <p:cNvPr id="177" name="Google Shape;177;p28"/>
           <p:cNvSpPr txBox="1"/>
           <p:nvPr>
             <p:ph type="title"/>
@@ -9878,7 +10847,7 @@
         </p:nvSpPr>
         <p:spPr>
           <a:xfrm>
-            <a:off x="407975" y="445025"/>
+            <a:off x="816000" y="445025"/>
             <a:ext cx="8328000" cy="572700"/>
           </a:xfrm>
           <a:prstGeom prst="rect">
@@ -9906,7 +10875,7 @@
                   <a:schemeClr val="lt1"/>
                 </a:solidFill>
               </a:rPr>
-              <a:t>Conclusions &amp; Research Contributions</a:t>
+              <a:t>Conclusions</a:t>
             </a:r>
             <a:endParaRPr>
               <a:solidFill>
@@ -9918,7 +10887,7 @@
       </p:sp>
       <p:sp>
         <p:nvSpPr>
-          <p:cNvPr id="177" name="Google Shape;177;p28"/>
+          <p:cNvPr id="178" name="Google Shape;178;p28"/>
           <p:cNvSpPr txBox="1"/>
           <p:nvPr>
             <p:ph idx="1" type="body"/>
@@ -9926,7 +10895,7 @@
         </p:nvSpPr>
         <p:spPr>
           <a:xfrm>
-            <a:off x="407975" y="1152475"/>
+            <a:off x="408013" y="1017725"/>
             <a:ext cx="8328000" cy="3416400"/>
           </a:xfrm>
           <a:prstGeom prst="rect">
@@ -9939,35 +10908,43 @@
           </a:bodyPr>
           <a:lstStyle/>
           <a:p>
-            <a:pPr indent="-342900" lvl="0" marL="457200" rtl="0" algn="l">
-              <a:spcBef>
-                <a:spcPts val="0"/>
+            <a:pPr indent="-330200" lvl="0" marL="457200" rtl="0" algn="l">
+              <a:spcBef>
+                <a:spcPts val="1200"/>
               </a:spcBef>
               <a:spcAft>
                 <a:spcPts val="0"/>
               </a:spcAft>
               <a:buClr>
-                <a:schemeClr val="lt1"/>
+                <a:srgbClr val="000000"/>
               </a:buClr>
-              <a:buSzPts val="1800"/>
+              <a:buSzPts val="1600"/>
               <a:buAutoNum type="arabicPeriod"/>
             </a:pPr>
             <a:r>
-              <a:rPr lang="en">
-                <a:solidFill>
-                  <a:schemeClr val="lt1"/>
-                </a:solidFill>
-              </a:rPr>
-              <a:t>Key Research Contributions:</a:t>
-            </a:r>
-            <a:endParaRPr>
+              <a:rPr b="1" lang="en" sz="1600">
+                <a:solidFill>
+                  <a:srgbClr val="000000"/>
+                </a:solidFill>
+              </a:rPr>
+              <a:t>Key Multi-Model Contributions:</a:t>
+            </a:r>
+            <a:r>
+              <a:rPr lang="en" sz="1600">
+                <a:solidFill>
+                  <a:srgbClr val="000000"/>
+                </a:solidFill>
+              </a:rPr>
+              <a:t> </a:t>
+            </a:r>
+            <a:endParaRPr sz="1600">
               <a:solidFill>
-                <a:schemeClr val="lt1"/>
+                <a:srgbClr val="000000"/>
               </a:solidFill>
             </a:endParaRPr>
           </a:p>
           <a:p>
-            <a:pPr indent="-317500" lvl="1" marL="914400" rtl="0" algn="l">
+            <a:pPr indent="-330200" lvl="1" marL="914400" rtl="0" algn="l">
               <a:spcBef>
                 <a:spcPts val="0"/>
               </a:spcBef>
@@ -9975,27 +10952,35 @@
                 <a:spcPts val="0"/>
               </a:spcAft>
               <a:buClr>
-                <a:schemeClr val="lt1"/>
+                <a:srgbClr val="000000"/>
               </a:buClr>
-              <a:buSzPts val="1400"/>
+              <a:buSzPts val="1600"/>
               <a:buChar char="○"/>
             </a:pPr>
             <a:r>
-              <a:rPr lang="en">
-                <a:solidFill>
-                  <a:schemeClr val="lt1"/>
-                </a:solidFill>
-              </a:rPr>
-              <a:t>Demonstrated T5 effectiveness for clinical summarization</a:t>
-            </a:r>
-            <a:endParaRPr>
+              <a:rPr b="1" lang="en" sz="1600">
+                <a:solidFill>
+                  <a:srgbClr val="000000"/>
+                </a:solidFill>
+              </a:rPr>
+              <a:t>T5-Small emerged as optimal</a:t>
+            </a:r>
+            <a:r>
+              <a:rPr lang="en" sz="1600">
+                <a:solidFill>
+                  <a:srgbClr val="000000"/>
+                </a:solidFill>
+              </a:rPr>
+              <a:t> for clinical deployment (0.4169 overall score) </a:t>
+            </a:r>
+            <a:endParaRPr sz="1600">
               <a:solidFill>
-                <a:schemeClr val="lt1"/>
+                <a:srgbClr val="000000"/>
               </a:solidFill>
             </a:endParaRPr>
           </a:p>
           <a:p>
-            <a:pPr indent="-317500" lvl="1" marL="914400" rtl="0" algn="l">
+            <a:pPr indent="-330200" lvl="1" marL="914400" rtl="0" algn="l">
               <a:spcBef>
                 <a:spcPts val="0"/>
               </a:spcBef>
@@ -10003,27 +10988,35 @@
                 <a:spcPts val="0"/>
               </a:spcAft>
               <a:buClr>
-                <a:schemeClr val="lt1"/>
+                <a:srgbClr val="000000"/>
               </a:buClr>
-              <a:buSzPts val="1400"/>
+              <a:buSzPts val="1600"/>
               <a:buChar char="○"/>
             </a:pPr>
             <a:r>
-              <a:rPr lang="en">
-                <a:solidFill>
-                  <a:schemeClr val="lt1"/>
-                </a:solidFill>
-              </a:rPr>
-              <a:t>Developed specialized medical text preprocessing</a:t>
-            </a:r>
-            <a:endParaRPr>
+              <a:rPr b="1" lang="en" sz="1600">
+                <a:solidFill>
+                  <a:srgbClr val="000000"/>
+                </a:solidFill>
+              </a:rPr>
+              <a:t>BART-Large quality leadership</a:t>
+            </a:r>
+            <a:r>
+              <a:rPr lang="en" sz="1600">
+                <a:solidFill>
+                  <a:srgbClr val="000000"/>
+                </a:solidFill>
+              </a:rPr>
+              <a:t> (0.2316 ROUGE-1) with deployment limitations </a:t>
+            </a:r>
+            <a:endParaRPr sz="1600">
               <a:solidFill>
-                <a:schemeClr val="lt1"/>
+                <a:srgbClr val="000000"/>
               </a:solidFill>
             </a:endParaRPr>
           </a:p>
           <a:p>
-            <a:pPr indent="-317500" lvl="1" marL="914400" rtl="0" algn="l">
+            <a:pPr indent="-330200" lvl="1" marL="914400" rtl="0" algn="l">
               <a:spcBef>
                 <a:spcPts val="0"/>
               </a:spcBef>
@@ -10031,27 +11024,35 @@
                 <a:spcPts val="0"/>
               </a:spcAft>
               <a:buClr>
-                <a:schemeClr val="lt1"/>
+                <a:srgbClr val="000000"/>
               </a:buClr>
-              <a:buSzPts val="1400"/>
+              <a:buSzPts val="1600"/>
               <a:buChar char="○"/>
             </a:pPr>
             <a:r>
-              <a:rPr lang="en">
-                <a:solidFill>
-                  <a:schemeClr val="lt1"/>
-                </a:solidFill>
-              </a:rPr>
-              <a:t>Achieved 97.2% compression with clinical accuracy</a:t>
-            </a:r>
-            <a:endParaRPr>
+              <a:rPr b="1" lang="en" sz="1600">
+                <a:solidFill>
+                  <a:srgbClr val="000000"/>
+                </a:solidFill>
+              </a:rPr>
+              <a:t>Comprehensive framework</a:t>
+            </a:r>
+            <a:r>
+              <a:rPr lang="en" sz="1600">
+                <a:solidFill>
+                  <a:srgbClr val="000000"/>
+                </a:solidFill>
+              </a:rPr>
+              <a:t> for clinical transformer evaluation established </a:t>
+            </a:r>
+            <a:endParaRPr sz="1600">
               <a:solidFill>
-                <a:schemeClr val="lt1"/>
+                <a:srgbClr val="000000"/>
               </a:solidFill>
             </a:endParaRPr>
           </a:p>
           <a:p>
-            <a:pPr indent="-317500" lvl="1" marL="914400" rtl="0" algn="l">
+            <a:pPr indent="-330200" lvl="1" marL="914400" rtl="0" algn="l">
               <a:spcBef>
                 <a:spcPts val="0"/>
               </a:spcBef>
@@ -10059,83 +11060,90 @@
                 <a:spcPts val="0"/>
               </a:spcAft>
               <a:buClr>
-                <a:schemeClr val="lt1"/>
+                <a:srgbClr val="000000"/>
               </a:buClr>
-              <a:buSzPts val="1400"/>
+              <a:buSzPts val="1600"/>
               <a:buChar char="○"/>
             </a:pPr>
             <a:r>
-              <a:rPr lang="en">
-                <a:solidFill>
-                  <a:schemeClr val="lt1"/>
-                </a:solidFill>
-              </a:rPr>
-              <a:t>Created practical healthcare deployment solution</a:t>
-            </a:r>
-            <a:endParaRPr>
+              <a:rPr b="1" lang="en" sz="1600">
+                <a:solidFill>
+                  <a:srgbClr val="000000"/>
+                </a:solidFill>
+              </a:rPr>
+              <a:t>Speed-quality trade-off quantified</a:t>
+            </a:r>
+            <a:r>
+              <a:rPr lang="en" sz="1600">
+                <a:solidFill>
+                  <a:srgbClr val="000000"/>
+                </a:solidFill>
+              </a:rPr>
+              <a:t> for healthcare decision-making</a:t>
+            </a:r>
+            <a:endParaRPr sz="1600">
               <a:solidFill>
-                <a:schemeClr val="lt1"/>
+                <a:srgbClr val="000000"/>
               </a:solidFill>
             </a:endParaRPr>
           </a:p>
           <a:p>
-            <a:pPr indent="-317500" lvl="1" marL="914400" rtl="0" algn="l">
-              <a:spcBef>
-                <a:spcPts val="0"/>
-              </a:spcBef>
-              <a:spcAft>
-                <a:spcPts val="0"/>
-              </a:spcAft>
-              <a:buClr>
-                <a:schemeClr val="lt1"/>
-              </a:buClr>
-              <a:buSzPts val="1400"/>
-              <a:buChar char="○"/>
+            <a:pPr indent="0" lvl="0" marL="914400" rtl="0" algn="l">
+              <a:spcBef>
+                <a:spcPts val="1200"/>
+              </a:spcBef>
+              <a:spcAft>
+                <a:spcPts val="0"/>
+              </a:spcAft>
+              <a:buNone/>
             </a:pPr>
             <a:r>
-              <a:rPr lang="en">
-                <a:solidFill>
-                  <a:schemeClr val="lt1"/>
-                </a:solidFill>
-              </a:rPr>
-              <a:t>Established evaluation framework for clinical NLP</a:t>
-            </a:r>
-            <a:endParaRPr>
+              <a:t/>
+            </a:r>
+            <a:endParaRPr sz="2000">
               <a:solidFill>
-                <a:schemeClr val="lt1"/>
+                <a:srgbClr val="000000"/>
               </a:solidFill>
             </a:endParaRPr>
           </a:p>
           <a:p>
-            <a:pPr indent="-342900" lvl="0" marL="457200" rtl="0" algn="l">
-              <a:spcBef>
-                <a:spcPts val="0"/>
+            <a:pPr indent="-330200" lvl="0" marL="457200" rtl="0" algn="l">
+              <a:spcBef>
+                <a:spcPts val="1200"/>
               </a:spcBef>
               <a:spcAft>
                 <a:spcPts val="0"/>
               </a:spcAft>
               <a:buClr>
-                <a:schemeClr val="lt1"/>
+                <a:srgbClr val="000000"/>
               </a:buClr>
-              <a:buSzPts val="1800"/>
+              <a:buSzPts val="1600"/>
               <a:buAutoNum type="arabicPeriod"/>
             </a:pPr>
             <a:r>
-              <a:rPr lang="en">
-                <a:solidFill>
-                  <a:schemeClr val="lt1"/>
-                </a:solidFill>
-              </a:rPr>
-              <a:t>Validation Results:</a:t>
-            </a:r>
-            <a:endParaRPr>
+              <a:rPr b="1" lang="en" sz="1600">
+                <a:solidFill>
+                  <a:srgbClr val="000000"/>
+                </a:solidFill>
+              </a:rPr>
+              <a:t>Clinical Validation:</a:t>
+            </a:r>
+            <a:r>
+              <a:rPr lang="en" sz="1600">
+                <a:solidFill>
+                  <a:srgbClr val="000000"/>
+                </a:solidFill>
+              </a:rPr>
+              <a:t> </a:t>
+            </a:r>
+            <a:endParaRPr sz="1600">
               <a:solidFill>
-                <a:schemeClr val="lt1"/>
+                <a:srgbClr val="000000"/>
               </a:solidFill>
             </a:endParaRPr>
           </a:p>
           <a:p>
-            <a:pPr indent="-317500" lvl="1" marL="914400" rtl="0" algn="l">
+            <a:pPr indent="-330200" lvl="1" marL="914400" rtl="0" algn="l">
               <a:spcBef>
                 <a:spcPts val="0"/>
               </a:spcBef>
@@ -10143,27 +11151,35 @@
                 <a:spcPts val="0"/>
               </a:spcAft>
               <a:buClr>
-                <a:schemeClr val="lt1"/>
+                <a:srgbClr val="000000"/>
               </a:buClr>
-              <a:buSzPts val="1400"/>
+              <a:buSzPts val="1600"/>
               <a:buChar char="○"/>
             </a:pPr>
             <a:r>
-              <a:rPr lang="en">
-                <a:solidFill>
-                  <a:schemeClr val="lt1"/>
-                </a:solidFill>
-              </a:rPr>
-              <a:t>3,745 clinical records successfully processed</a:t>
-            </a:r>
-            <a:endParaRPr>
+              <a:rPr b="1" lang="en" sz="1600">
+                <a:solidFill>
+                  <a:srgbClr val="000000"/>
+                </a:solidFill>
+              </a:rPr>
+              <a:t>Real-time capability:</a:t>
+            </a:r>
+            <a:r>
+              <a:rPr lang="en" sz="1600">
+                <a:solidFill>
+                  <a:srgbClr val="000000"/>
+                </a:solidFill>
+              </a:rPr>
+              <a:t> T5-Small enables emergency department deployment </a:t>
+            </a:r>
+            <a:endParaRPr sz="1600">
               <a:solidFill>
-                <a:schemeClr val="lt1"/>
+                <a:srgbClr val="000000"/>
               </a:solidFill>
             </a:endParaRPr>
           </a:p>
           <a:p>
-            <a:pPr indent="-317500" lvl="1" marL="914400" rtl="0" algn="l">
+            <a:pPr indent="-330200" lvl="1" marL="914400" rtl="0" algn="l">
               <a:spcBef>
                 <a:spcPts val="0"/>
               </a:spcBef>
@@ -10171,27 +11187,35 @@
                 <a:spcPts val="0"/>
               </a:spcAft>
               <a:buClr>
-                <a:schemeClr val="lt1"/>
+                <a:srgbClr val="000000"/>
               </a:buClr>
-              <a:buSzPts val="1400"/>
+              <a:buSzPts val="1600"/>
               <a:buChar char="○"/>
             </a:pPr>
             <a:r>
-              <a:rPr lang="en">
-                <a:solidFill>
-                  <a:schemeClr val="lt1"/>
-                </a:solidFill>
-              </a:rPr>
-              <a:t>Consistent performance across medical specialties</a:t>
-            </a:r>
-            <a:endParaRPr>
+              <a:rPr b="1" lang="en" sz="1600">
+                <a:solidFill>
+                  <a:srgbClr val="000000"/>
+                </a:solidFill>
+              </a:rPr>
+              <a:t>Resource efficiency:</a:t>
+            </a:r>
+            <a:r>
+              <a:rPr lang="en" sz="1600">
+                <a:solidFill>
+                  <a:srgbClr val="000000"/>
+                </a:solidFill>
+              </a:rPr>
+              <a:t> 6.7x smaller footprint than BART-Large </a:t>
+            </a:r>
+            <a:endParaRPr sz="1600">
               <a:solidFill>
-                <a:schemeClr val="lt1"/>
+                <a:srgbClr val="000000"/>
               </a:solidFill>
             </a:endParaRPr>
           </a:p>
           <a:p>
-            <a:pPr indent="-317500" lvl="1" marL="914400" rtl="0" algn="l">
+            <a:pPr indent="-330200" lvl="1" marL="914400" rtl="0" algn="l">
               <a:spcBef>
                 <a:spcPts val="0"/>
               </a:spcBef>
@@ -10199,20 +11223,28 @@
                 <a:spcPts val="0"/>
               </a:spcAft>
               <a:buClr>
-                <a:schemeClr val="lt1"/>
+                <a:srgbClr val="000000"/>
               </a:buClr>
-              <a:buSzPts val="1400"/>
+              <a:buSzPts val="1600"/>
               <a:buChar char="○"/>
             </a:pPr>
             <a:r>
-              <a:rPr lang="en">
-                <a:solidFill>
-                  <a:schemeClr val="lt1"/>
-                </a:solidFill>
-              </a:rPr>
-              <a:t>Clinical relevance maintained in generated summaries</a:t>
-            </a:r>
-            <a:endParaRPr>
+              <a:rPr b="1" lang="en" sz="1600">
+                <a:solidFill>
+                  <a:srgbClr val="000000"/>
+                </a:solidFill>
+              </a:rPr>
+              <a:t>Quality maintenance:</a:t>
+            </a:r>
+            <a:r>
+              <a:rPr lang="en" sz="1600">
+                <a:solidFill>
+                  <a:srgbClr val="000000"/>
+                </a:solidFill>
+              </a:rPr>
+              <a:t> Competitive performance with superior speed</a:t>
+            </a:r>
+            <a:endParaRPr sz="1600">
               <a:solidFill>
                 <a:schemeClr val="lt1"/>
               </a:solidFill>
@@ -10225,6 +11257,138 @@
   <p:clrMapOvr>
     <a:masterClrMapping/>
   </p:clrMapOvr>
+  <p:timing>
+    <p:tnLst>
+      <p:par>
+        <p:cTn dur="indefinite" nodeType="tmRoot" restart="never">
+          <p:childTnLst>
+            <p:seq concurrent="1" nextAc="seek">
+              <p:cTn dur="indefinite" id="2" nodeType="mainSeq">
+                <p:childTnLst>
+                  <p:par>
+                    <p:cTn fill="hold">
+                      <p:stCondLst>
+                        <p:cond delay="indefinite"/>
+                        <p:cond evt="onBegin" delay="0">
+                          <p:tn val="2"/>
+                        </p:cond>
+                      </p:stCondLst>
+                      <p:childTnLst>
+                        <p:par>
+                          <p:cTn fill="hold">
+                            <p:stCondLst>
+                              <p:cond delay="0"/>
+                            </p:stCondLst>
+                            <p:childTnLst>
+                              <p:par>
+                                <p:cTn fill="hold" nodeType="afterEffect" presetClass="entr" presetID="1" presetSubtype="0">
+                                  <p:stCondLst>
+                                    <p:cond delay="0"/>
+                                  </p:stCondLst>
+                                  <p:childTnLst>
+                                    <p:set>
+                                      <p:cBhvr>
+                                        <p:cTn dur="1" fill="hold">
+                                          <p:stCondLst>
+                                            <p:cond delay="0"/>
+                                          </p:stCondLst>
+                                        </p:cTn>
+                                        <p:tgtEl>
+                                          <p:spTgt spid="176"/>
+                                        </p:tgtEl>
+                                        <p:attrNameLst>
+                                          <p:attrName>style.visibility</p:attrName>
+                                        </p:attrNameLst>
+                                      </p:cBhvr>
+                                      <p:to>
+                                        <p:strVal val="visible"/>
+                                      </p:to>
+                                    </p:set>
+                                  </p:childTnLst>
+                                </p:cTn>
+                              </p:par>
+                              <p:par>
+                                <p:cTn fill="hold" nodeType="withEffect" presetClass="entr" presetID="1" presetSubtype="0">
+                                  <p:stCondLst>
+                                    <p:cond delay="0"/>
+                                  </p:stCondLst>
+                                  <p:childTnLst>
+                                    <p:set>
+                                      <p:cBhvr>
+                                        <p:cTn dur="1" fill="hold">
+                                          <p:stCondLst>
+                                            <p:cond delay="0"/>
+                                          </p:stCondLst>
+                                        </p:cTn>
+                                        <p:tgtEl>
+                                          <p:spTgt spid="177"/>
+                                        </p:tgtEl>
+                                        <p:attrNameLst>
+                                          <p:attrName>style.visibility</p:attrName>
+                                        </p:attrNameLst>
+                                      </p:cBhvr>
+                                      <p:to>
+                                        <p:strVal val="visible"/>
+                                      </p:to>
+                                    </p:set>
+                                  </p:childTnLst>
+                                </p:cTn>
+                              </p:par>
+                              <p:par>
+                                <p:cTn fill="hold" nodeType="withEffect" presetClass="entr" presetID="1" presetSubtype="0">
+                                  <p:stCondLst>
+                                    <p:cond delay="0"/>
+                                  </p:stCondLst>
+                                  <p:childTnLst>
+                                    <p:set>
+                                      <p:cBhvr>
+                                        <p:cTn dur="1" fill="hold">
+                                          <p:stCondLst>
+                                            <p:cond delay="0"/>
+                                          </p:stCondLst>
+                                        </p:cTn>
+                                        <p:tgtEl>
+                                          <p:spTgt spid="178"/>
+                                        </p:tgtEl>
+                                        <p:attrNameLst>
+                                          <p:attrName>style.visibility</p:attrName>
+                                        </p:attrNameLst>
+                                      </p:cBhvr>
+                                      <p:to>
+                                        <p:strVal val="visible"/>
+                                      </p:to>
+                                    </p:set>
+                                  </p:childTnLst>
+                                </p:cTn>
+                              </p:par>
+                            </p:childTnLst>
+                          </p:cTn>
+                        </p:par>
+                      </p:childTnLst>
+                    </p:cTn>
+                  </p:par>
+                </p:childTnLst>
+              </p:cTn>
+              <p:prevCondLst>
+                <p:cond evt="onPrev">
+                  <p:tgtEl>
+                    <p:sldTgt/>
+                  </p:tgtEl>
+                </p:cond>
+              </p:prevCondLst>
+              <p:nextCondLst>
+                <p:cond evt="onNext">
+                  <p:tgtEl>
+                    <p:sldTgt/>
+                  </p:tgtEl>
+                </p:cond>
+              </p:nextCondLst>
+            </p:seq>
+          </p:childTnLst>
+        </p:cTn>
+      </p:par>
+    </p:tnLst>
+  </p:timing>
 </p:sld>
 </file>
 
@@ -10233,7 +11397,7 @@
   <p:cSld>
     <p:spTree>
       <p:nvGrpSpPr>
-        <p:cNvPr id="181" name="Shape 181"/>
+        <p:cNvPr id="182" name="Shape 182"/>
         <p:cNvGrpSpPr/>
         <p:nvPr/>
       </p:nvGrpSpPr>
@@ -10247,7 +11411,7 @@
       </p:grpSpPr>
       <p:pic>
         <p:nvPicPr>
-          <p:cNvPr id="182" name="Google Shape;182;p29"/>
+          <p:cNvPr id="183" name="Google Shape;183;p29"/>
           <p:cNvPicPr preferRelativeResize="0"/>
           <p:nvPr/>
         </p:nvPicPr>
@@ -10275,7 +11439,7 @@
       </p:pic>
       <p:sp>
         <p:nvSpPr>
-          <p:cNvPr id="183" name="Google Shape;183;p29"/>
+          <p:cNvPr id="184" name="Google Shape;184;p29"/>
           <p:cNvSpPr txBox="1"/>
           <p:nvPr>
             <p:ph type="title"/>
@@ -10326,6 +11490,111 @@
   <p:clrMapOvr>
     <a:masterClrMapping/>
   </p:clrMapOvr>
+  <p:timing>
+    <p:tnLst>
+      <p:par>
+        <p:cTn dur="indefinite" nodeType="tmRoot" restart="never">
+          <p:childTnLst>
+            <p:seq concurrent="1" nextAc="seek">
+              <p:cTn dur="indefinite" id="2" nodeType="mainSeq">
+                <p:childTnLst>
+                  <p:par>
+                    <p:cTn fill="hold">
+                      <p:stCondLst>
+                        <p:cond delay="indefinite"/>
+                        <p:cond evt="onBegin" delay="0">
+                          <p:tn val="2"/>
+                        </p:cond>
+                      </p:stCondLst>
+                      <p:childTnLst>
+                        <p:par>
+                          <p:cTn fill="hold">
+                            <p:stCondLst>
+                              <p:cond delay="0"/>
+                            </p:stCondLst>
+                            <p:childTnLst>
+                              <p:par>
+                                <p:cTn fill="hold" nodeType="afterEffect" presetClass="entr" presetID="1" presetSubtype="0">
+                                  <p:stCondLst>
+                                    <p:cond delay="0"/>
+                                  </p:stCondLst>
+                                  <p:childTnLst>
+                                    <p:set>
+                                      <p:cBhvr>
+                                        <p:cTn dur="1" fill="hold">
+                                          <p:stCondLst>
+                                            <p:cond delay="0"/>
+                                          </p:stCondLst>
+                                        </p:cTn>
+                                        <p:tgtEl>
+                                          <p:spTgt spid="183"/>
+                                        </p:tgtEl>
+                                        <p:attrNameLst>
+                                          <p:attrName>style.visibility</p:attrName>
+                                        </p:attrNameLst>
+                                      </p:cBhvr>
+                                      <p:to>
+                                        <p:strVal val="visible"/>
+                                      </p:to>
+                                    </p:set>
+                                  </p:childTnLst>
+                                </p:cTn>
+                              </p:par>
+                              <p:par>
+                                <p:cTn fill="hold" nodeType="withEffect" presetClass="entr" presetID="1" presetSubtype="0">
+                                  <p:stCondLst>
+                                    <p:cond delay="0"/>
+                                  </p:stCondLst>
+                                  <p:childTnLst>
+                                    <p:set>
+                                      <p:cBhvr>
+                                        <p:cTn dur="1" fill="hold">
+                                          <p:stCondLst>
+                                            <p:cond delay="0"/>
+                                          </p:stCondLst>
+                                        </p:cTn>
+                                        <p:tgtEl>
+                                          <p:spTgt spid="184"/>
+                                        </p:tgtEl>
+                                        <p:attrNameLst>
+                                          <p:attrName>style.visibility</p:attrName>
+                                        </p:attrNameLst>
+                                      </p:cBhvr>
+                                      <p:to>
+                                        <p:strVal val="visible"/>
+                                      </p:to>
+                                    </p:set>
+                                  </p:childTnLst>
+                                </p:cTn>
+                              </p:par>
+                            </p:childTnLst>
+                          </p:cTn>
+                        </p:par>
+                      </p:childTnLst>
+                    </p:cTn>
+                  </p:par>
+                </p:childTnLst>
+              </p:cTn>
+              <p:prevCondLst>
+                <p:cond evt="onPrev">
+                  <p:tgtEl>
+                    <p:sldTgt/>
+                  </p:tgtEl>
+                </p:cond>
+              </p:prevCondLst>
+              <p:nextCondLst>
+                <p:cond evt="onNext">
+                  <p:tgtEl>
+                    <p:sldTgt/>
+                  </p:tgtEl>
+                </p:cond>
+              </p:nextCondLst>
+            </p:seq>
+          </p:childTnLst>
+        </p:cTn>
+      </p:par>
+    </p:tnLst>
+  </p:timing>
 </p:sld>
 </file>
 
@@ -10384,7 +11653,7 @@
         </p:nvSpPr>
         <p:spPr>
           <a:xfrm>
-            <a:off x="407975" y="467875"/>
+            <a:off x="696025" y="659900"/>
             <a:ext cx="8328000" cy="572700"/>
           </a:xfrm>
           <a:prstGeom prst="rect">
@@ -10432,8 +11701,8 @@
         </p:nvSpPr>
         <p:spPr>
           <a:xfrm>
-            <a:off x="407975" y="1725000"/>
-            <a:ext cx="8328000" cy="1693500"/>
+            <a:off x="885163" y="1725000"/>
+            <a:ext cx="7373700" cy="1693500"/>
           </a:xfrm>
           <a:prstGeom prst="rect">
             <a:avLst/>
@@ -10563,6 +11832,128 @@
   <p:clrMapOvr>
     <a:masterClrMapping/>
   </p:clrMapOvr>
+  <p:timing>
+    <p:tnLst>
+      <p:par>
+        <p:cTn dur="indefinite" nodeType="tmRoot" restart="never">
+          <p:childTnLst>
+            <p:seq concurrent="1" nextAc="seek">
+              <p:cTn dur="indefinite" id="2" nodeType="mainSeq">
+                <p:childTnLst>
+                  <p:par>
+                    <p:cTn fill="hold">
+                      <p:stCondLst>
+                        <p:cond delay="indefinite"/>
+                        <p:cond evt="onBegin" delay="0">
+                          <p:tn val="2"/>
+                        </p:cond>
+                      </p:stCondLst>
+                      <p:childTnLst>
+                        <p:par>
+                          <p:cTn fill="hold">
+                            <p:stCondLst>
+                              <p:cond delay="0"/>
+                            </p:stCondLst>
+                            <p:childTnLst>
+                              <p:par>
+                                <p:cTn fill="hold" nodeType="afterEffect" presetClass="entr" presetID="1" presetSubtype="0">
+                                  <p:stCondLst>
+                                    <p:cond delay="0"/>
+                                  </p:stCondLst>
+                                  <p:childTnLst>
+                                    <p:set>
+                                      <p:cBhvr>
+                                        <p:cTn dur="1" fill="hold">
+                                          <p:stCondLst>
+                                            <p:cond delay="0"/>
+                                          </p:stCondLst>
+                                        </p:cTn>
+                                        <p:tgtEl>
+                                          <p:spTgt spid="62"/>
+                                        </p:tgtEl>
+                                        <p:attrNameLst>
+                                          <p:attrName>style.visibility</p:attrName>
+                                        </p:attrNameLst>
+                                      </p:cBhvr>
+                                      <p:to>
+                                        <p:strVal val="visible"/>
+                                      </p:to>
+                                    </p:set>
+                                  </p:childTnLst>
+                                </p:cTn>
+                              </p:par>
+                            </p:childTnLst>
+                          </p:cTn>
+                        </p:par>
+                        <p:par>
+                          <p:cTn fill="hold">
+                            <p:stCondLst>
+                              <p:cond delay="0"/>
+                            </p:stCondLst>
+                            <p:childTnLst>
+                              <p:par>
+                                <p:cTn fill="hold" nodeType="afterEffect" presetClass="entr" presetID="10" presetSubtype="0">
+                                  <p:stCondLst>
+                                    <p:cond delay="0"/>
+                                  </p:stCondLst>
+                                  <p:childTnLst>
+                                    <p:set>
+                                      <p:cBhvr>
+                                        <p:cTn dur="1" fill="hold">
+                                          <p:stCondLst>
+                                            <p:cond delay="0"/>
+                                          </p:stCondLst>
+                                        </p:cTn>
+                                        <p:tgtEl>
+                                          <p:spTgt spid="63"/>
+                                        </p:tgtEl>
+                                        <p:attrNameLst>
+                                          <p:attrName>style.visibility</p:attrName>
+                                        </p:attrNameLst>
+                                      </p:cBhvr>
+                                      <p:to>
+                                        <p:strVal val="visible"/>
+                                      </p:to>
+                                    </p:set>
+                                    <p:animEffect filter="fade" transition="in">
+                                      <p:cBhvr>
+                                        <p:cTn dur="1200"/>
+                                        <p:tgtEl>
+                                          <p:spTgt spid="63"/>
+                                        </p:tgtEl>
+                                      </p:cBhvr>
+                                    </p:animEffect>
+                                  </p:childTnLst>
+                                </p:cTn>
+                              </p:par>
+                            </p:childTnLst>
+                          </p:cTn>
+                        </p:par>
+                      </p:childTnLst>
+                    </p:cTn>
+                  </p:par>
+                </p:childTnLst>
+              </p:cTn>
+              <p:prevCondLst>
+                <p:cond evt="onPrev">
+                  <p:tgtEl>
+                    <p:sldTgt/>
+                  </p:tgtEl>
+                </p:cond>
+              </p:prevCondLst>
+              <p:nextCondLst>
+                <p:cond evt="onNext">
+                  <p:tgtEl>
+                    <p:sldTgt/>
+                  </p:tgtEl>
+                </p:cond>
+              </p:nextCondLst>
+            </p:seq>
+          </p:childTnLst>
+        </p:cTn>
+      </p:par>
+    </p:tnLst>
+  </p:timing>
 </p:sld>
 </file>
 
@@ -10621,7 +12012,7 @@
         </p:nvSpPr>
         <p:spPr>
           <a:xfrm>
-            <a:off x="407975" y="445025"/>
+            <a:off x="915475" y="568475"/>
             <a:ext cx="8328000" cy="572700"/>
           </a:xfrm>
           <a:prstGeom prst="rect">
@@ -10669,8 +12060,8 @@
         </p:nvSpPr>
         <p:spPr>
           <a:xfrm>
-            <a:off x="407963" y="1711950"/>
-            <a:ext cx="8328000" cy="2421000"/>
+            <a:off x="723475" y="1245600"/>
+            <a:ext cx="8073000" cy="3481800"/>
           </a:xfrm>
           <a:prstGeom prst="rect">
             <a:avLst/>
@@ -10684,7 +12075,7 @@
           <a:p>
             <a:pPr indent="0" lvl="0" marL="0" rtl="0" algn="l">
               <a:spcBef>
-                <a:spcPts val="0"/>
+                <a:spcPts val="1200"/>
               </a:spcBef>
               <a:spcAft>
                 <a:spcPts val="0"/>
@@ -10692,21 +12083,21 @@
               <a:buNone/>
             </a:pPr>
             <a:r>
-              <a:rPr lang="en">
-                <a:solidFill>
-                  <a:schemeClr val="lt1"/>
+              <a:rPr b="1" lang="en">
+                <a:solidFill>
+                  <a:srgbClr val="000000"/>
                 </a:solidFill>
               </a:rPr>
               <a:t>Objectives Achieved:</a:t>
             </a:r>
-            <a:endParaRPr>
+            <a:endParaRPr b="1">
               <a:solidFill>
-                <a:schemeClr val="lt1"/>
+                <a:srgbClr val="000000"/>
               </a:solidFill>
             </a:endParaRPr>
           </a:p>
           <a:p>
-            <a:pPr indent="-330200" lvl="0" marL="457200" rtl="0" algn="l">
+            <a:pPr indent="-342900" lvl="0" marL="457200" rtl="0" algn="l">
               <a:spcBef>
                 <a:spcPts val="1200"/>
               </a:spcBef>
@@ -10714,27 +12105,35 @@
                 <a:spcPts val="0"/>
               </a:spcAft>
               <a:buClr>
-                <a:schemeClr val="lt1"/>
+                <a:srgbClr val="000000"/>
               </a:buClr>
-              <a:buSzPts val="1600"/>
+              <a:buSzPts val="1800"/>
               <a:buChar char="●"/>
             </a:pPr>
             <a:r>
-              <a:rPr lang="en" sz="1600">
-                <a:solidFill>
-                  <a:schemeClr val="lt1"/>
-                </a:solidFill>
-              </a:rPr>
-              <a:t>Process 3,745 clinical records from MT Samples dataset</a:t>
-            </a:r>
-            <a:endParaRPr sz="1600">
+              <a:rPr b="1" lang="en">
+                <a:solidFill>
+                  <a:srgbClr val="000000"/>
+                </a:solidFill>
+              </a:rPr>
+              <a:t>Multi-model comparison:</a:t>
+            </a:r>
+            <a:r>
+              <a:rPr lang="en">
+                <a:solidFill>
+                  <a:srgbClr val="000000"/>
+                </a:solidFill>
+              </a:rPr>
+              <a:t> T5-Small, BART-Large-CNN, T5-Base evaluation</a:t>
+            </a:r>
+            <a:endParaRPr>
               <a:solidFill>
-                <a:schemeClr val="lt1"/>
+                <a:srgbClr val="000000"/>
               </a:solidFill>
             </a:endParaRPr>
           </a:p>
           <a:p>
-            <a:pPr indent="-330200" lvl="0" marL="457200" rtl="0" algn="l">
+            <a:pPr indent="-342900" lvl="0" marL="457200" rtl="0" algn="l">
               <a:spcBef>
                 <a:spcPts val="0"/>
               </a:spcBef>
@@ -10742,27 +12141,35 @@
                 <a:spcPts val="0"/>
               </a:spcAft>
               <a:buClr>
-                <a:schemeClr val="lt1"/>
+                <a:srgbClr val="000000"/>
               </a:buClr>
-              <a:buSzPts val="1600"/>
+              <a:buSzPts val="1800"/>
               <a:buChar char="●"/>
             </a:pPr>
             <a:r>
-              <a:rPr lang="en" sz="1600">
-                <a:solidFill>
-                  <a:schemeClr val="lt1"/>
-                </a:solidFill>
-              </a:rPr>
-              <a:t>Achieve ROUGE-1 score of 0.2085 with clinical relevance</a:t>
-            </a:r>
-            <a:endParaRPr sz="1600">
+              <a:rPr b="1" lang="en">
+                <a:solidFill>
+                  <a:srgbClr val="000000"/>
+                </a:solidFill>
+              </a:rPr>
+              <a:t>T5-Small winner:</a:t>
+            </a:r>
+            <a:r>
+              <a:rPr lang="en">
+                <a:solidFill>
+                  <a:srgbClr val="000000"/>
+                </a:solidFill>
+              </a:rPr>
+              <a:t> Overall score 0.4169 (optimal speed-accuracy balance)</a:t>
+            </a:r>
+            <a:endParaRPr>
               <a:solidFill>
-                <a:schemeClr val="lt1"/>
+                <a:srgbClr val="000000"/>
               </a:solidFill>
             </a:endParaRPr>
           </a:p>
           <a:p>
-            <a:pPr indent="-330200" lvl="0" marL="457200" rtl="0" algn="l">
+            <a:pPr indent="-342900" lvl="0" marL="457200" rtl="0" algn="l">
               <a:spcBef>
                 <a:spcPts val="0"/>
               </a:spcBef>
@@ -10770,27 +12177,35 @@
                 <a:spcPts val="0"/>
               </a:spcAft>
               <a:buClr>
-                <a:schemeClr val="lt1"/>
+                <a:srgbClr val="000000"/>
               </a:buClr>
-              <a:buSzPts val="1600"/>
+              <a:buSzPts val="1800"/>
               <a:buChar char="●"/>
             </a:pPr>
             <a:r>
-              <a:rPr lang="en" sz="1600">
-                <a:solidFill>
-                  <a:schemeClr val="lt1"/>
-                </a:solidFill>
-              </a:rPr>
-              <a:t>Implement end-to-end automated pipeline</a:t>
-            </a:r>
-            <a:endParaRPr sz="1600">
+              <a:rPr b="1" lang="en">
+                <a:solidFill>
+                  <a:srgbClr val="000000"/>
+                </a:solidFill>
+              </a:rPr>
+              <a:t>ROUGE-1:</a:t>
+            </a:r>
+            <a:r>
+              <a:rPr lang="en">
+                <a:solidFill>
+                  <a:srgbClr val="000000"/>
+                </a:solidFill>
+              </a:rPr>
+              <a:t> 0.2121 ± 0.1332 (21.21% unigram overlap)</a:t>
+            </a:r>
+            <a:endParaRPr>
               <a:solidFill>
-                <a:schemeClr val="lt1"/>
+                <a:srgbClr val="000000"/>
               </a:solidFill>
             </a:endParaRPr>
           </a:p>
           <a:p>
-            <a:pPr indent="-330200" lvl="0" marL="457200" rtl="0" algn="l">
+            <a:pPr indent="-342900" lvl="0" marL="457200" rtl="0" algn="l">
               <a:spcBef>
                 <a:spcPts val="0"/>
               </a:spcBef>
@@ -10798,27 +12213,35 @@
                 <a:spcPts val="0"/>
               </a:spcAft>
               <a:buClr>
-                <a:schemeClr val="lt1"/>
+                <a:srgbClr val="000000"/>
               </a:buClr>
-              <a:buSzPts val="1600"/>
+              <a:buSzPts val="1800"/>
               <a:buChar char="●"/>
             </a:pPr>
             <a:r>
-              <a:rPr lang="en" sz="1600">
-                <a:solidFill>
-                  <a:schemeClr val="lt1"/>
-                </a:solidFill>
-              </a:rPr>
-              <a:t>Reduce text length by 97.2% while preserving essential information</a:t>
-            </a:r>
-            <a:endParaRPr sz="1600">
+              <a:rPr b="1" lang="en">
+                <a:solidFill>
+                  <a:srgbClr val="000000"/>
+                </a:solidFill>
+              </a:rPr>
+              <a:t>ROUGE-2:</a:t>
+            </a:r>
+            <a:r>
+              <a:rPr lang="en">
+                <a:solidFill>
+                  <a:srgbClr val="000000"/>
+                </a:solidFill>
+              </a:rPr>
+              <a:t> 0.0878 ± 0.0953 </a:t>
+            </a:r>
+            <a:endParaRPr>
               <a:solidFill>
-                <a:schemeClr val="lt1"/>
+                <a:srgbClr val="000000"/>
               </a:solidFill>
             </a:endParaRPr>
           </a:p>
           <a:p>
-            <a:pPr indent="-330200" lvl="0" marL="457200" rtl="0" algn="l">
+            <a:pPr indent="-342900" lvl="0" marL="457200" rtl="0" algn="l">
               <a:spcBef>
                 <a:spcPts val="0"/>
               </a:spcBef>
@@ -10826,20 +12249,100 @@
                 <a:spcPts val="0"/>
               </a:spcAft>
               <a:buClr>
-                <a:schemeClr val="lt1"/>
+                <a:srgbClr val="000000"/>
               </a:buClr>
-              <a:buSzPts val="1600"/>
+              <a:buSzPts val="1800"/>
               <a:buChar char="●"/>
             </a:pPr>
             <a:r>
-              <a:rPr lang="en" sz="1600">
-                <a:solidFill>
-                  <a:schemeClr val="lt1"/>
-                </a:solidFill>
-              </a:rPr>
-              <a:t>Processing efficiency: 2.6 seconds per summary</a:t>
-            </a:r>
-            <a:endParaRPr sz="1600">
+              <a:rPr b="1" lang="en">
+                <a:solidFill>
+                  <a:srgbClr val="000000"/>
+                </a:solidFill>
+              </a:rPr>
+              <a:t>ROUGE-L:</a:t>
+            </a:r>
+            <a:r>
+              <a:rPr lang="en">
+                <a:solidFill>
+                  <a:srgbClr val="000000"/>
+                </a:solidFill>
+              </a:rPr>
+              <a:t> 0.1716 ± 0.1205</a:t>
+            </a:r>
+            <a:endParaRPr>
+              <a:solidFill>
+                <a:srgbClr val="000000"/>
+              </a:solidFill>
+            </a:endParaRPr>
+          </a:p>
+          <a:p>
+            <a:pPr indent="-342900" lvl="0" marL="457200" rtl="0" algn="l">
+              <a:spcBef>
+                <a:spcPts val="0"/>
+              </a:spcBef>
+              <a:spcAft>
+                <a:spcPts val="0"/>
+              </a:spcAft>
+              <a:buClr>
+                <a:srgbClr val="000000"/>
+              </a:buClr>
+              <a:buSzPts val="1800"/>
+              <a:buChar char="●"/>
+            </a:pPr>
+            <a:r>
+              <a:rPr b="1" lang="en">
+                <a:solidFill>
+                  <a:srgbClr val="000000"/>
+                </a:solidFill>
+              </a:rPr>
+              <a:t>Processing speed:</a:t>
+            </a:r>
+            <a:r>
+              <a:rPr lang="en">
+                <a:solidFill>
+                  <a:srgbClr val="000000"/>
+                </a:solidFill>
+              </a:rPr>
+              <a:t> 1.23 summaries/sec (4.6x faster than BART-Large)</a:t>
+            </a:r>
+            <a:endParaRPr>
+              <a:solidFill>
+                <a:srgbClr val="000000"/>
+              </a:solidFill>
+            </a:endParaRPr>
+          </a:p>
+          <a:p>
+            <a:pPr indent="-342900" lvl="0" marL="457200" rtl="0" algn="l">
+              <a:spcBef>
+                <a:spcPts val="0"/>
+              </a:spcBef>
+              <a:spcAft>
+                <a:spcPts val="0"/>
+              </a:spcAft>
+              <a:buClr>
+                <a:srgbClr val="000000"/>
+              </a:buClr>
+              <a:buSzPts val="1800"/>
+              <a:buChar char="●"/>
+            </a:pPr>
+            <a:r>
+              <a:rPr b="1" lang="en">
+                <a:solidFill>
+                  <a:srgbClr val="000000"/>
+                </a:solidFill>
+              </a:rPr>
+              <a:t>Text compression:</a:t>
+            </a:r>
+            <a:r>
+              <a:rPr lang="en">
+                <a:solidFill>
+                  <a:srgbClr val="000000"/>
+                </a:solidFill>
+              </a:rPr>
+              <a:t> 95.8% while preserving clinical accuracy</a:t>
+            </a:r>
+            <a:endParaRPr>
               <a:solidFill>
                 <a:schemeClr val="lt1"/>
               </a:solidFill>
@@ -10852,6 +12355,404 @@
   <p:clrMapOvr>
     <a:masterClrMapping/>
   </p:clrMapOvr>
+  <p:timing>
+    <p:tnLst>
+      <p:par>
+        <p:cTn dur="indefinite" nodeType="tmRoot" restart="never">
+          <p:childTnLst>
+            <p:seq concurrent="1" nextAc="seek">
+              <p:cTn dur="indefinite" id="2" nodeType="mainSeq">
+                <p:childTnLst>
+                  <p:par>
+                    <p:cTn fill="hold">
+                      <p:stCondLst>
+                        <p:cond delay="indefinite"/>
+                        <p:cond evt="onBegin" delay="0">
+                          <p:tn val="2"/>
+                        </p:cond>
+                      </p:stCondLst>
+                      <p:childTnLst>
+                        <p:par>
+                          <p:cTn fill="hold">
+                            <p:stCondLst>
+                              <p:cond delay="0"/>
+                            </p:stCondLst>
+                            <p:childTnLst>
+                              <p:par>
+                                <p:cTn fill="hold" nodeType="afterEffect" presetClass="entr" presetID="1" presetSubtype="0">
+                                  <p:stCondLst>
+                                    <p:cond delay="0"/>
+                                  </p:stCondLst>
+                                  <p:childTnLst>
+                                    <p:set>
+                                      <p:cBhvr>
+                                        <p:cTn dur="1" fill="hold">
+                                          <p:stCondLst>
+                                            <p:cond delay="0"/>
+                                          </p:stCondLst>
+                                        </p:cTn>
+                                        <p:tgtEl>
+                                          <p:spTgt spid="69"/>
+                                        </p:tgtEl>
+                                        <p:attrNameLst>
+                                          <p:attrName>style.visibility</p:attrName>
+                                        </p:attrNameLst>
+                                      </p:cBhvr>
+                                      <p:to>
+                                        <p:strVal val="visible"/>
+                                      </p:to>
+                                    </p:set>
+                                  </p:childTnLst>
+                                </p:cTn>
+                              </p:par>
+                            </p:childTnLst>
+                          </p:cTn>
+                        </p:par>
+                        <p:par>
+                          <p:cTn fill="hold">
+                            <p:stCondLst>
+                              <p:cond delay="0"/>
+                            </p:stCondLst>
+                            <p:childTnLst>
+                              <p:par>
+                                <p:cTn fill="hold" nodeType="afterEffect" presetClass="entr" presetID="1" presetSubtype="0">
+                                  <p:stCondLst>
+                                    <p:cond delay="0"/>
+                                  </p:stCondLst>
+                                  <p:childTnLst>
+                                    <p:set>
+                                      <p:cBhvr>
+                                        <p:cTn dur="1" fill="hold">
+                                          <p:stCondLst>
+                                            <p:cond delay="0"/>
+                                          </p:stCondLst>
+                                        </p:cTn>
+                                        <p:tgtEl>
+                                          <p:spTgt spid="70">
+                                            <p:txEl>
+                                              <p:pRg end="0" st="0"/>
+                                            </p:txEl>
+                                          </p:spTgt>
+                                        </p:tgtEl>
+                                        <p:attrNameLst>
+                                          <p:attrName>style.visibility</p:attrName>
+                                        </p:attrNameLst>
+                                      </p:cBhvr>
+                                      <p:to>
+                                        <p:strVal val="visible"/>
+                                      </p:to>
+                                    </p:set>
+                                  </p:childTnLst>
+                                </p:cTn>
+                              </p:par>
+                            </p:childTnLst>
+                          </p:cTn>
+                        </p:par>
+                        <p:par>
+                          <p:cTn fill="hold">
+                            <p:stCondLst>
+                              <p:cond delay="0"/>
+                            </p:stCondLst>
+                            <p:childTnLst>
+                              <p:par>
+                                <p:cTn fill="hold" nodeType="afterEffect" presetClass="entr" presetID="1" presetSubtype="0">
+                                  <p:stCondLst>
+                                    <p:cond delay="0"/>
+                                  </p:stCondLst>
+                                  <p:childTnLst>
+                                    <p:set>
+                                      <p:cBhvr>
+                                        <p:cTn dur="1" fill="hold">
+                                          <p:stCondLst>
+                                            <p:cond delay="0"/>
+                                          </p:stCondLst>
+                                        </p:cTn>
+                                        <p:tgtEl>
+                                          <p:spTgt spid="70">
+                                            <p:txEl>
+                                              <p:pRg end="1" st="1"/>
+                                            </p:txEl>
+                                          </p:spTgt>
+                                        </p:tgtEl>
+                                        <p:attrNameLst>
+                                          <p:attrName>style.visibility</p:attrName>
+                                        </p:attrNameLst>
+                                      </p:cBhvr>
+                                      <p:to>
+                                        <p:strVal val="visible"/>
+                                      </p:to>
+                                    </p:set>
+                                  </p:childTnLst>
+                                </p:cTn>
+                              </p:par>
+                            </p:childTnLst>
+                          </p:cTn>
+                        </p:par>
+                        <p:par>
+                          <p:cTn fill="hold">
+                            <p:stCondLst>
+                              <p:cond delay="0"/>
+                            </p:stCondLst>
+                            <p:childTnLst>
+                              <p:par>
+                                <p:cTn fill="hold" nodeType="afterEffect" presetClass="entr" presetID="1" presetSubtype="0">
+                                  <p:stCondLst>
+                                    <p:cond delay="0"/>
+                                  </p:stCondLst>
+                                  <p:childTnLst>
+                                    <p:set>
+                                      <p:cBhvr>
+                                        <p:cTn dur="1" fill="hold">
+                                          <p:stCondLst>
+                                            <p:cond delay="0"/>
+                                          </p:stCondLst>
+                                        </p:cTn>
+                                        <p:tgtEl>
+                                          <p:spTgt spid="70">
+                                            <p:txEl>
+                                              <p:pRg end="2" st="2"/>
+                                            </p:txEl>
+                                          </p:spTgt>
+                                        </p:tgtEl>
+                                        <p:attrNameLst>
+                                          <p:attrName>style.visibility</p:attrName>
+                                        </p:attrNameLst>
+                                      </p:cBhvr>
+                                      <p:to>
+                                        <p:strVal val="visible"/>
+                                      </p:to>
+                                    </p:set>
+                                  </p:childTnLst>
+                                </p:cTn>
+                              </p:par>
+                            </p:childTnLst>
+                          </p:cTn>
+                        </p:par>
+                        <p:par>
+                          <p:cTn fill="hold">
+                            <p:stCondLst>
+                              <p:cond delay="0"/>
+                            </p:stCondLst>
+                            <p:childTnLst>
+                              <p:par>
+                                <p:cTn fill="hold" nodeType="afterEffect" presetClass="entr" presetID="1" presetSubtype="0">
+                                  <p:stCondLst>
+                                    <p:cond delay="0"/>
+                                  </p:stCondLst>
+                                  <p:childTnLst>
+                                    <p:set>
+                                      <p:cBhvr>
+                                        <p:cTn dur="1" fill="hold">
+                                          <p:stCondLst>
+                                            <p:cond delay="0"/>
+                                          </p:stCondLst>
+                                        </p:cTn>
+                                        <p:tgtEl>
+                                          <p:spTgt spid="70">
+                                            <p:txEl>
+                                              <p:pRg end="3" st="3"/>
+                                            </p:txEl>
+                                          </p:spTgt>
+                                        </p:tgtEl>
+                                        <p:attrNameLst>
+                                          <p:attrName>style.visibility</p:attrName>
+                                        </p:attrNameLst>
+                                      </p:cBhvr>
+                                      <p:to>
+                                        <p:strVal val="visible"/>
+                                      </p:to>
+                                    </p:set>
+                                  </p:childTnLst>
+                                </p:cTn>
+                              </p:par>
+                            </p:childTnLst>
+                          </p:cTn>
+                        </p:par>
+                        <p:par>
+                          <p:cTn fill="hold">
+                            <p:stCondLst>
+                              <p:cond delay="0"/>
+                            </p:stCondLst>
+                            <p:childTnLst>
+                              <p:par>
+                                <p:cTn fill="hold" nodeType="afterEffect" presetClass="entr" presetID="1" presetSubtype="0">
+                                  <p:stCondLst>
+                                    <p:cond delay="0"/>
+                                  </p:stCondLst>
+                                  <p:childTnLst>
+                                    <p:set>
+                                      <p:cBhvr>
+                                        <p:cTn dur="1" fill="hold">
+                                          <p:stCondLst>
+                                            <p:cond delay="0"/>
+                                          </p:stCondLst>
+                                        </p:cTn>
+                                        <p:tgtEl>
+                                          <p:spTgt spid="70">
+                                            <p:txEl>
+                                              <p:pRg end="4" st="4"/>
+                                            </p:txEl>
+                                          </p:spTgt>
+                                        </p:tgtEl>
+                                        <p:attrNameLst>
+                                          <p:attrName>style.visibility</p:attrName>
+                                        </p:attrNameLst>
+                                      </p:cBhvr>
+                                      <p:to>
+                                        <p:strVal val="visible"/>
+                                      </p:to>
+                                    </p:set>
+                                  </p:childTnLst>
+                                </p:cTn>
+                              </p:par>
+                            </p:childTnLst>
+                          </p:cTn>
+                        </p:par>
+                        <p:par>
+                          <p:cTn fill="hold">
+                            <p:stCondLst>
+                              <p:cond delay="0"/>
+                            </p:stCondLst>
+                            <p:childTnLst>
+                              <p:par>
+                                <p:cTn fill="hold" nodeType="afterEffect" presetClass="entr" presetID="1" presetSubtype="0">
+                                  <p:stCondLst>
+                                    <p:cond delay="0"/>
+                                  </p:stCondLst>
+                                  <p:childTnLst>
+                                    <p:set>
+                                      <p:cBhvr>
+                                        <p:cTn dur="1" fill="hold">
+                                          <p:stCondLst>
+                                            <p:cond delay="0"/>
+                                          </p:stCondLst>
+                                        </p:cTn>
+                                        <p:tgtEl>
+                                          <p:spTgt spid="70">
+                                            <p:txEl>
+                                              <p:pRg end="5" st="5"/>
+                                            </p:txEl>
+                                          </p:spTgt>
+                                        </p:tgtEl>
+                                        <p:attrNameLst>
+                                          <p:attrName>style.visibility</p:attrName>
+                                        </p:attrNameLst>
+                                      </p:cBhvr>
+                                      <p:to>
+                                        <p:strVal val="visible"/>
+                                      </p:to>
+                                    </p:set>
+                                  </p:childTnLst>
+                                </p:cTn>
+                              </p:par>
+                            </p:childTnLst>
+                          </p:cTn>
+                        </p:par>
+                        <p:par>
+                          <p:cTn fill="hold">
+                            <p:stCondLst>
+                              <p:cond delay="0"/>
+                            </p:stCondLst>
+                            <p:childTnLst>
+                              <p:par>
+                                <p:cTn fill="hold" nodeType="afterEffect" presetClass="entr" presetID="1" presetSubtype="0">
+                                  <p:stCondLst>
+                                    <p:cond delay="0"/>
+                                  </p:stCondLst>
+                                  <p:childTnLst>
+                                    <p:set>
+                                      <p:cBhvr>
+                                        <p:cTn dur="1" fill="hold">
+                                          <p:stCondLst>
+                                            <p:cond delay="0"/>
+                                          </p:stCondLst>
+                                        </p:cTn>
+                                        <p:tgtEl>
+                                          <p:spTgt spid="70">
+                                            <p:txEl>
+                                              <p:pRg end="6" st="6"/>
+                                            </p:txEl>
+                                          </p:spTgt>
+                                        </p:tgtEl>
+                                        <p:attrNameLst>
+                                          <p:attrName>style.visibility</p:attrName>
+                                        </p:attrNameLst>
+                                      </p:cBhvr>
+                                      <p:to>
+                                        <p:strVal val="visible"/>
+                                      </p:to>
+                                    </p:set>
+                                  </p:childTnLst>
+                                </p:cTn>
+                              </p:par>
+                            </p:childTnLst>
+                          </p:cTn>
+                        </p:par>
+                        <p:par>
+                          <p:cTn fill="hold">
+                            <p:stCondLst>
+                              <p:cond delay="0"/>
+                            </p:stCondLst>
+                            <p:childTnLst>
+                              <p:par>
+                                <p:cTn fill="hold" nodeType="afterEffect" presetClass="entr" presetID="1" presetSubtype="0">
+                                  <p:stCondLst>
+                                    <p:cond delay="0"/>
+                                  </p:stCondLst>
+                                  <p:childTnLst>
+                                    <p:set>
+                                      <p:cBhvr>
+                                        <p:cTn dur="1" fill="hold">
+                                          <p:stCondLst>
+                                            <p:cond delay="0"/>
+                                          </p:stCondLst>
+                                        </p:cTn>
+                                        <p:tgtEl>
+                                          <p:spTgt spid="70">
+                                            <p:txEl>
+                                              <p:pRg end="7" st="7"/>
+                                            </p:txEl>
+                                          </p:spTgt>
+                                        </p:tgtEl>
+                                        <p:attrNameLst>
+                                          <p:attrName>style.visibility</p:attrName>
+                                        </p:attrNameLst>
+                                      </p:cBhvr>
+                                      <p:to>
+                                        <p:strVal val="visible"/>
+                                      </p:to>
+                                    </p:set>
+                                  </p:childTnLst>
+                                </p:cTn>
+                              </p:par>
+                            </p:childTnLst>
+                          </p:cTn>
+                        </p:par>
+                      </p:childTnLst>
+                    </p:cTn>
+                  </p:par>
+                </p:childTnLst>
+              </p:cTn>
+              <p:prevCondLst>
+                <p:cond evt="onPrev">
+                  <p:tgtEl>
+                    <p:sldTgt/>
+                  </p:tgtEl>
+                </p:cond>
+              </p:prevCondLst>
+              <p:nextCondLst>
+                <p:cond evt="onNext">
+                  <p:tgtEl>
+                    <p:sldTgt/>
+                  </p:tgtEl>
+                </p:cond>
+              </p:nextCondLst>
+            </p:seq>
+          </p:childTnLst>
+        </p:cTn>
+      </p:par>
+    </p:tnLst>
+  </p:timing>
 </p:sld>
 </file>
 
@@ -10910,7 +12811,7 @@
         </p:nvSpPr>
         <p:spPr>
           <a:xfrm>
-            <a:off x="407975" y="445025"/>
+            <a:off x="929175" y="445025"/>
             <a:ext cx="8328000" cy="572700"/>
           </a:xfrm>
           <a:prstGeom prst="rect">
@@ -10938,7 +12839,7 @@
                   <a:schemeClr val="lt1"/>
                 </a:solidFill>
               </a:rPr>
-              <a:t>Dataset Overview &amp; Medical Specialties</a:t>
+              <a:t>Dataset Overview</a:t>
             </a:r>
             <a:endParaRPr>
               <a:solidFill>
@@ -11031,7 +12932,7 @@
                 <a:spcPts val="0"/>
               </a:spcAft>
               <a:buClr>
-                <a:schemeClr val="lt1"/>
+                <a:srgbClr val="000000"/>
               </a:buClr>
               <a:buSzPts val="1800"/>
               <a:buChar char="●"/>
@@ -11039,14 +12940,30 @@
             <a:r>
               <a:rPr lang="en">
                 <a:solidFill>
-                  <a:schemeClr val="lt1"/>
-                </a:solidFill>
-              </a:rPr>
-              <a:t>Surgery: 996 cases (40.0%)</a:t>
+                  <a:srgbClr val="000000"/>
+                </a:solidFill>
+              </a:rPr>
+              <a:t>Surgery: 996 cases (</a:t>
+            </a:r>
+            <a:r>
+              <a:rPr b="1" lang="en">
+                <a:solidFill>
+                  <a:srgbClr val="000000"/>
+                </a:solidFill>
+              </a:rPr>
+              <a:t>26.6%</a:t>
+            </a:r>
+            <a:r>
+              <a:rPr lang="en">
+                <a:solidFill>
+                  <a:srgbClr val="000000"/>
+                </a:solidFill>
+              </a:rPr>
+              <a:t>)</a:t>
             </a:r>
             <a:endParaRPr>
               <a:solidFill>
-                <a:schemeClr val="lt1"/>
+                <a:srgbClr val="000000"/>
               </a:solidFill>
             </a:endParaRPr>
           </a:p>
@@ -11059,7 +12976,7 @@
                 <a:spcPts val="0"/>
               </a:spcAft>
               <a:buClr>
-                <a:schemeClr val="lt1"/>
+                <a:srgbClr val="000000"/>
               </a:buClr>
               <a:buSzPts val="1800"/>
               <a:buChar char="●"/>
@@ -11067,14 +12984,30 @@
             <a:r>
               <a:rPr lang="en">
                 <a:solidFill>
-                  <a:schemeClr val="lt1"/>
-                </a:solidFill>
-              </a:rPr>
-              <a:t>Orthopedic: 287 cases (11.5%)</a:t>
+                  <a:srgbClr val="000000"/>
+                </a:solidFill>
+              </a:rPr>
+              <a:t>Orthopedic: 287 cases (</a:t>
+            </a:r>
+            <a:r>
+              <a:rPr b="1" lang="en">
+                <a:solidFill>
+                  <a:srgbClr val="000000"/>
+                </a:solidFill>
+              </a:rPr>
+              <a:t>7.7%</a:t>
+            </a:r>
+            <a:r>
+              <a:rPr lang="en">
+                <a:solidFill>
+                  <a:srgbClr val="000000"/>
+                </a:solidFill>
+              </a:rPr>
+              <a:t>)</a:t>
             </a:r>
             <a:endParaRPr>
               <a:solidFill>
-                <a:schemeClr val="lt1"/>
+                <a:srgbClr val="000000"/>
               </a:solidFill>
             </a:endParaRPr>
           </a:p>
@@ -11087,7 +13020,7 @@
                 <a:spcPts val="0"/>
               </a:spcAft>
               <a:buClr>
-                <a:schemeClr val="lt1"/>
+                <a:srgbClr val="000000"/>
               </a:buClr>
               <a:buSzPts val="1800"/>
               <a:buChar char="●"/>
@@ -11095,10 +13028,26 @@
             <a:r>
               <a:rPr lang="en">
                 <a:solidFill>
-                  <a:schemeClr val="lt1"/>
-                </a:solidFill>
-              </a:rPr>
-              <a:t>Cardiovascular/Pulmonary: 269 cases (10.8%)</a:t>
+                  <a:srgbClr val="000000"/>
+                </a:solidFill>
+              </a:rPr>
+              <a:t>Cardiovascular/Pulmonary: 269 cases (</a:t>
+            </a:r>
+            <a:r>
+              <a:rPr b="1" lang="en">
+                <a:solidFill>
+                  <a:srgbClr val="000000"/>
+                </a:solidFill>
+              </a:rPr>
+              <a:t>7.2%</a:t>
+            </a:r>
+            <a:r>
+              <a:rPr lang="en">
+                <a:solidFill>
+                  <a:srgbClr val="000000"/>
+                </a:solidFill>
+              </a:rPr>
+              <a:t>)</a:t>
             </a:r>
             <a:endParaRPr>
               <a:solidFill>
@@ -11124,8 +13073,8 @@
         </p:blipFill>
         <p:spPr>
           <a:xfrm>
-            <a:off x="5880825" y="1017717"/>
-            <a:ext cx="2778600" cy="1657608"/>
+            <a:off x="5867832" y="1084275"/>
+            <a:ext cx="2640425" cy="1571626"/>
           </a:xfrm>
           <a:prstGeom prst="rect">
             <a:avLst/>
@@ -11152,8 +13101,8 @@
         </p:blipFill>
         <p:spPr>
           <a:xfrm>
-            <a:off x="5880825" y="2868025"/>
-            <a:ext cx="2778601" cy="1846169"/>
+            <a:off x="6063318" y="2722450"/>
+            <a:ext cx="2444923" cy="2010376"/>
           </a:xfrm>
           <a:prstGeom prst="rect">
             <a:avLst/>
@@ -11169,6 +13118,174 @@
   <p:clrMapOvr>
     <a:masterClrMapping/>
   </p:clrMapOvr>
+  <p:timing>
+    <p:tnLst>
+      <p:par>
+        <p:cTn dur="indefinite" nodeType="tmRoot" restart="never">
+          <p:childTnLst>
+            <p:seq concurrent="1" nextAc="seek">
+              <p:cTn dur="indefinite" id="2" nodeType="mainSeq">
+                <p:childTnLst>
+                  <p:par>
+                    <p:cTn fill="hold">
+                      <p:stCondLst>
+                        <p:cond delay="indefinite"/>
+                        <p:cond evt="onBegin" delay="0">
+                          <p:tn val="2"/>
+                        </p:cond>
+                      </p:stCondLst>
+                      <p:childTnLst>
+                        <p:par>
+                          <p:cTn fill="hold">
+                            <p:stCondLst>
+                              <p:cond delay="0"/>
+                            </p:stCondLst>
+                            <p:childTnLst>
+                              <p:par>
+                                <p:cTn fill="hold" nodeType="afterEffect" presetClass="entr" presetID="1" presetSubtype="0">
+                                  <p:stCondLst>
+                                    <p:cond delay="0"/>
+                                  </p:stCondLst>
+                                  <p:childTnLst>
+                                    <p:set>
+                                      <p:cBhvr>
+                                        <p:cTn dur="1" fill="hold">
+                                          <p:stCondLst>
+                                            <p:cond delay="0"/>
+                                          </p:stCondLst>
+                                        </p:cTn>
+                                        <p:tgtEl>
+                                          <p:spTgt spid="76"/>
+                                        </p:tgtEl>
+                                        <p:attrNameLst>
+                                          <p:attrName>style.visibility</p:attrName>
+                                        </p:attrNameLst>
+                                      </p:cBhvr>
+                                      <p:to>
+                                        <p:strVal val="visible"/>
+                                      </p:to>
+                                    </p:set>
+                                  </p:childTnLst>
+                                </p:cTn>
+                              </p:par>
+                            </p:childTnLst>
+                          </p:cTn>
+                        </p:par>
+                        <p:par>
+                          <p:cTn fill="hold">
+                            <p:stCondLst>
+                              <p:cond delay="0"/>
+                            </p:stCondLst>
+                            <p:childTnLst>
+                              <p:par>
+                                <p:cTn fill="hold" nodeType="afterEffect" presetClass="entr" presetID="1" presetSubtype="0">
+                                  <p:stCondLst>
+                                    <p:cond delay="0"/>
+                                  </p:stCondLst>
+                                  <p:childTnLst>
+                                    <p:set>
+                                      <p:cBhvr>
+                                        <p:cTn dur="1" fill="hold">
+                                          <p:stCondLst>
+                                            <p:cond delay="0"/>
+                                          </p:stCondLst>
+                                        </p:cTn>
+                                        <p:tgtEl>
+                                          <p:spTgt spid="76"/>
+                                        </p:tgtEl>
+                                        <p:attrNameLst>
+                                          <p:attrName>style.visibility</p:attrName>
+                                        </p:attrNameLst>
+                                      </p:cBhvr>
+                                      <p:to>
+                                        <p:strVal val="visible"/>
+                                      </p:to>
+                                    </p:set>
+                                  </p:childTnLst>
+                                </p:cTn>
+                              </p:par>
+                              <p:par>
+                                <p:cTn fill="hold" nodeType="withEffect" presetClass="entr" presetID="1" presetSubtype="0">
+                                  <p:stCondLst>
+                                    <p:cond delay="0"/>
+                                  </p:stCondLst>
+                                  <p:childTnLst>
+                                    <p:set>
+                                      <p:cBhvr>
+                                        <p:cTn dur="1" fill="hold">
+                                          <p:stCondLst>
+                                            <p:cond delay="0"/>
+                                          </p:stCondLst>
+                                        </p:cTn>
+                                        <p:tgtEl>
+                                          <p:spTgt spid="76"/>
+                                        </p:tgtEl>
+                                        <p:attrNameLst>
+                                          <p:attrName>style.visibility</p:attrName>
+                                        </p:attrNameLst>
+                                      </p:cBhvr>
+                                      <p:to>
+                                        <p:strVal val="visible"/>
+                                      </p:to>
+                                    </p:set>
+                                  </p:childTnLst>
+                                </p:cTn>
+                              </p:par>
+                              <p:par>
+                                <p:cTn fill="hold" nodeType="withEffect" presetClass="entr" presetID="1" presetSubtype="0">
+                                  <p:stCondLst>
+                                    <p:cond delay="0"/>
+                                  </p:stCondLst>
+                                  <p:childTnLst>
+                                    <p:set>
+                                      <p:cBhvr>
+                                        <p:cTn dur="1" fill="hold">
+                                          <p:stCondLst>
+                                            <p:cond delay="0"/>
+                                          </p:stCondLst>
+                                        </p:cTn>
+                                        <p:tgtEl>
+                                          <p:spTgt spid="78"/>
+                                        </p:tgtEl>
+                                        <p:attrNameLst>
+                                          <p:attrName>style.visibility</p:attrName>
+                                        </p:attrNameLst>
+                                      </p:cBhvr>
+                                      <p:to>
+                                        <p:strVal val="visible"/>
+                                      </p:to>
+                                    </p:set>
+                                  </p:childTnLst>
+                                </p:cTn>
+                              </p:par>
+                            </p:childTnLst>
+                          </p:cTn>
+                        </p:par>
+                      </p:childTnLst>
+                    </p:cTn>
+                  </p:par>
+                </p:childTnLst>
+              </p:cTn>
+              <p:prevCondLst>
+                <p:cond evt="onPrev">
+                  <p:tgtEl>
+                    <p:sldTgt/>
+                  </p:tgtEl>
+                </p:cond>
+              </p:prevCondLst>
+              <p:nextCondLst>
+                <p:cond evt="onNext">
+                  <p:tgtEl>
+                    <p:sldTgt/>
+                  </p:tgtEl>
+                </p:cond>
+              </p:nextCondLst>
+            </p:seq>
+          </p:childTnLst>
+        </p:cTn>
+      </p:par>
+    </p:tnLst>
+  </p:timing>
 </p:sld>
 </file>
 
@@ -11227,7 +13344,7 @@
         </p:nvSpPr>
         <p:spPr>
           <a:xfrm>
-            <a:off x="407975" y="445025"/>
+            <a:off x="915475" y="499875"/>
             <a:ext cx="8424300" cy="572700"/>
           </a:xfrm>
           <a:prstGeom prst="rect">
@@ -11275,8 +13392,8 @@
         </p:nvSpPr>
         <p:spPr>
           <a:xfrm>
-            <a:off x="407975" y="1152475"/>
-            <a:ext cx="3903600" cy="3416400"/>
+            <a:off x="654850" y="1394475"/>
+            <a:ext cx="3985800" cy="2002800"/>
           </a:xfrm>
           <a:prstGeom prst="rect">
             <a:avLst/>
@@ -11298,12 +13415,7 @@
               <a:buNone/>
             </a:pPr>
             <a:r>
-              <a:rPr lang="en">
-                <a:solidFill>
-                  <a:schemeClr val="lt1"/>
-                </a:solidFill>
-              </a:rPr>
-              <a:t>8-Stage Processing Pipeline:</a:t>
+              <a:t/>
             </a:r>
             <a:endParaRPr>
               <a:solidFill>
@@ -11342,7 +13454,7 @@
           <a:p>
             <a:pPr indent="-317500" lvl="0" marL="457200" rtl="0" algn="l">
               <a:spcBef>
-                <a:spcPts val="0"/>
+                <a:spcPts val="1000"/>
               </a:spcBef>
               <a:spcAft>
                 <a:spcPts val="0"/>
@@ -11370,7 +13482,7 @@
           <a:p>
             <a:pPr indent="-317500" lvl="0" marL="457200" rtl="0" algn="l">
               <a:spcBef>
-                <a:spcPts val="0"/>
+                <a:spcPts val="1000"/>
               </a:spcBef>
               <a:spcAft>
                 <a:spcPts val="0"/>
@@ -11398,7 +13510,7 @@
           <a:p>
             <a:pPr indent="-317500" lvl="0" marL="457200" rtl="0" algn="l">
               <a:spcBef>
-                <a:spcPts val="0"/>
+                <a:spcPts val="1000"/>
               </a:spcBef>
               <a:spcAft>
                 <a:spcPts val="0"/>
@@ -11424,110 +13536,17 @@
             </a:endParaRPr>
           </a:p>
           <a:p>
-            <a:pPr indent="-317500" lvl="0" marL="457200" rtl="0" algn="l">
-              <a:spcBef>
-                <a:spcPts val="0"/>
-              </a:spcBef>
-              <a:spcAft>
-                <a:spcPts val="0"/>
-              </a:spcAft>
-              <a:buClr>
-                <a:schemeClr val="lt1"/>
-              </a:buClr>
-              <a:buSzPts val="1400"/>
-              <a:buAutoNum type="arabicPeriod"/>
+            <a:pPr indent="0" lvl="0" marL="457200" rtl="0" algn="l">
+              <a:spcBef>
+                <a:spcPts val="1000"/>
+              </a:spcBef>
+              <a:spcAft>
+                <a:spcPts val="1200"/>
+              </a:spcAft>
+              <a:buNone/>
             </a:pPr>
             <a:r>
-              <a:rPr lang="en">
-                <a:solidFill>
-                  <a:schemeClr val="lt1"/>
-                </a:solidFill>
-              </a:rPr>
-              <a:t>Target summary generation from keywords</a:t>
-            </a:r>
-            <a:endParaRPr>
-              <a:solidFill>
-                <a:schemeClr val="lt1"/>
-              </a:solidFill>
-            </a:endParaRPr>
-          </a:p>
-          <a:p>
-            <a:pPr indent="-317500" lvl="0" marL="457200" rtl="0" algn="l">
-              <a:spcBef>
-                <a:spcPts val="0"/>
-              </a:spcBef>
-              <a:spcAft>
-                <a:spcPts val="0"/>
-              </a:spcAft>
-              <a:buClr>
-                <a:schemeClr val="lt1"/>
-              </a:buClr>
-              <a:buSzPts val="1400"/>
-              <a:buAutoNum type="arabicPeriod"/>
-            </a:pPr>
-            <a:r>
-              <a:rPr lang="en">
-                <a:solidFill>
-                  <a:schemeClr val="lt1"/>
-                </a:solidFill>
-              </a:rPr>
-              <a:t>Quality validation (1,136 inadequate summaries removed)</a:t>
-            </a:r>
-            <a:endParaRPr>
-              <a:solidFill>
-                <a:schemeClr val="lt1"/>
-              </a:solidFill>
-            </a:endParaRPr>
-          </a:p>
-          <a:p>
-            <a:pPr indent="-317500" lvl="0" marL="457200" rtl="0" algn="l">
-              <a:spcBef>
-                <a:spcPts val="0"/>
-              </a:spcBef>
-              <a:spcAft>
-                <a:spcPts val="0"/>
-              </a:spcAft>
-              <a:buClr>
-                <a:schemeClr val="lt1"/>
-              </a:buClr>
-              <a:buSzPts val="1400"/>
-              <a:buAutoNum type="arabicPeriod"/>
-            </a:pPr>
-            <a:r>
-              <a:rPr lang="en">
-                <a:solidFill>
-                  <a:schemeClr val="lt1"/>
-                </a:solidFill>
-              </a:rPr>
-              <a:t>Medical abbreviation handling</a:t>
-            </a:r>
-            <a:endParaRPr>
-              <a:solidFill>
-                <a:schemeClr val="lt1"/>
-              </a:solidFill>
-            </a:endParaRPr>
-          </a:p>
-          <a:p>
-            <a:pPr indent="-317500" lvl="0" marL="457200" rtl="0" algn="l">
-              <a:spcBef>
-                <a:spcPts val="0"/>
-              </a:spcBef>
-              <a:spcAft>
-                <a:spcPts val="0"/>
-              </a:spcAft>
-              <a:buClr>
-                <a:schemeClr val="lt1"/>
-              </a:buClr>
-              <a:buSzPts val="1400"/>
-              <a:buAutoNum type="arabicPeriod"/>
-            </a:pPr>
-            <a:r>
-              <a:rPr lang="en">
-                <a:solidFill>
-                  <a:schemeClr val="lt1"/>
-                </a:solidFill>
-              </a:rPr>
-              <a:t>Clinical formatting standardization</a:t>
+              <a:t/>
             </a:r>
             <a:endParaRPr>
               <a:solidFill>
@@ -11537,24 +13556,155 @@
           </a:p>
         </p:txBody>
       </p:sp>
-      <p:pic>
-        <p:nvPicPr>
+      <p:sp>
+        <p:nvSpPr>
           <p:cNvPr id="87" name="Google Shape;87;p17"/>
-          <p:cNvPicPr preferRelativeResize="0"/>
-          <p:nvPr/>
-        </p:nvPicPr>
-        <p:blipFill>
-          <a:blip r:embed="rId4">
-            <a:alphaModFix/>
-          </a:blip>
-          <a:stretch>
-            <a:fillRect/>
-          </a:stretch>
-        </p:blipFill>
+          <p:cNvSpPr txBox="1"/>
+          <p:nvPr>
+            <p:ph idx="1" type="body"/>
+          </p:nvPr>
+        </p:nvSpPr>
         <p:spPr>
           <a:xfrm>
-            <a:off x="5116650" y="1017725"/>
-            <a:ext cx="3168101" cy="1889975"/>
+            <a:off x="4572000" y="1394475"/>
+            <a:ext cx="3766200" cy="3416400"/>
+          </a:xfrm>
+          <a:prstGeom prst="rect">
+            <a:avLst/>
+          </a:prstGeom>
+        </p:spPr>
+        <p:txBody>
+          <a:bodyPr anchorCtr="0" anchor="t" bIns="91425" lIns="91425" spcFirstLastPara="1" rIns="91425" wrap="square" tIns="91425">
+            <a:noAutofit/>
+          </a:bodyPr>
+          <a:lstStyle/>
+          <a:p>
+            <a:pPr indent="0" lvl="0" marL="0" rtl="0" algn="l">
+              <a:spcBef>
+                <a:spcPts val="0"/>
+              </a:spcBef>
+              <a:spcAft>
+                <a:spcPts val="0"/>
+              </a:spcAft>
+              <a:buNone/>
+            </a:pPr>
+            <a:r>
+              <a:t/>
+            </a:r>
+            <a:endParaRPr>
+              <a:solidFill>
+                <a:schemeClr val="lt1"/>
+              </a:solidFill>
+            </a:endParaRPr>
+          </a:p>
+          <a:p>
+            <a:pPr indent="0" lvl="0" marL="457200" rtl="0" algn="l">
+              <a:spcBef>
+                <a:spcPts val="1200"/>
+              </a:spcBef>
+              <a:spcAft>
+                <a:spcPts val="0"/>
+              </a:spcAft>
+              <a:buNone/>
+            </a:pPr>
+            <a:r>
+              <a:rPr lang="en">
+                <a:solidFill>
+                  <a:schemeClr val="lt1"/>
+                </a:solidFill>
+              </a:rPr>
+              <a:t>5. Target summary generation from keywords</a:t>
+            </a:r>
+            <a:endParaRPr>
+              <a:solidFill>
+                <a:schemeClr val="lt1"/>
+              </a:solidFill>
+            </a:endParaRPr>
+          </a:p>
+          <a:p>
+            <a:pPr indent="0" lvl="0" marL="457200" rtl="0" algn="l">
+              <a:spcBef>
+                <a:spcPts val="1200"/>
+              </a:spcBef>
+              <a:spcAft>
+                <a:spcPts val="0"/>
+              </a:spcAft>
+              <a:buNone/>
+            </a:pPr>
+            <a:r>
+              <a:rPr lang="en">
+                <a:solidFill>
+                  <a:schemeClr val="lt1"/>
+                </a:solidFill>
+              </a:rPr>
+              <a:t>6. Quality validation (1,136 inadequate summaries removed)</a:t>
+            </a:r>
+            <a:endParaRPr>
+              <a:solidFill>
+                <a:schemeClr val="lt1"/>
+              </a:solidFill>
+            </a:endParaRPr>
+          </a:p>
+          <a:p>
+            <a:pPr indent="0" lvl="0" marL="457200" rtl="0" algn="l">
+              <a:spcBef>
+                <a:spcPts val="1200"/>
+              </a:spcBef>
+              <a:spcAft>
+                <a:spcPts val="0"/>
+              </a:spcAft>
+              <a:buNone/>
+            </a:pPr>
+            <a:r>
+              <a:rPr lang="en">
+                <a:solidFill>
+                  <a:schemeClr val="lt1"/>
+                </a:solidFill>
+              </a:rPr>
+              <a:t>7. Medical abbreviation handling</a:t>
+            </a:r>
+            <a:endParaRPr>
+              <a:solidFill>
+                <a:schemeClr val="lt1"/>
+              </a:solidFill>
+            </a:endParaRPr>
+          </a:p>
+          <a:p>
+            <a:pPr indent="0" lvl="0" marL="457200" rtl="0" algn="l">
+              <a:spcBef>
+                <a:spcPts val="1200"/>
+              </a:spcBef>
+              <a:spcAft>
+                <a:spcPts val="1200"/>
+              </a:spcAft>
+              <a:buNone/>
+            </a:pPr>
+            <a:r>
+              <a:rPr lang="en">
+                <a:solidFill>
+                  <a:schemeClr val="lt1"/>
+                </a:solidFill>
+              </a:rPr>
+              <a:t>8. Clinical formatting standardization</a:t>
+            </a:r>
+            <a:endParaRPr>
+              <a:solidFill>
+                <a:schemeClr val="lt1"/>
+              </a:solidFill>
+            </a:endParaRPr>
+          </a:p>
+        </p:txBody>
+      </p:sp>
+      <p:sp>
+        <p:nvSpPr>
+          <p:cNvPr id="88" name="Google Shape;88;p17"/>
+          <p:cNvSpPr txBox="1"/>
+          <p:nvPr/>
+        </p:nvSpPr>
+        <p:spPr>
+          <a:xfrm>
+            <a:off x="3611863" y="1216175"/>
+            <a:ext cx="1920300" cy="438900"/>
           </a:xfrm>
           <a:prstGeom prst="rect">
             <a:avLst/>
@@ -11564,40 +13714,228 @@
             <a:noFill/>
           </a:ln>
         </p:spPr>
-      </p:pic>
-      <p:pic>
-        <p:nvPicPr>
-          <p:cNvPr id="88" name="Google Shape;88;p17"/>
-          <p:cNvPicPr preferRelativeResize="0"/>
-          <p:nvPr/>
-        </p:nvPicPr>
-        <p:blipFill>
-          <a:blip r:embed="rId5">
-            <a:alphaModFix/>
-          </a:blip>
-          <a:stretch>
-            <a:fillRect/>
-          </a:stretch>
-        </p:blipFill>
-        <p:spPr>
-          <a:xfrm>
-            <a:off x="5116630" y="2907700"/>
-            <a:ext cx="3168145" cy="1889975"/>
-          </a:xfrm>
-          <a:prstGeom prst="rect">
-            <a:avLst/>
-          </a:prstGeom>
-          <a:noFill/>
-          <a:ln>
-            <a:noFill/>
-          </a:ln>
-        </p:spPr>
-      </p:pic>
+        <p:txBody>
+          <a:bodyPr anchorCtr="0" anchor="t" bIns="91425" lIns="91425" spcFirstLastPara="1" rIns="91425" wrap="square" tIns="91425">
+            <a:noAutofit/>
+          </a:bodyPr>
+          <a:lstStyle/>
+          <a:p>
+            <a:pPr indent="0" lvl="0" marL="0" rtl="0" algn="l">
+              <a:spcBef>
+                <a:spcPts val="0"/>
+              </a:spcBef>
+              <a:spcAft>
+                <a:spcPts val="0"/>
+              </a:spcAft>
+              <a:buNone/>
+            </a:pPr>
+            <a:r>
+              <a:rPr b="1" lang="en" sz="1800">
+                <a:solidFill>
+                  <a:schemeClr val="lt1"/>
+                </a:solidFill>
+              </a:rPr>
+              <a:t>8 Step Pipeline: </a:t>
+            </a:r>
+            <a:endParaRPr b="1" sz="1800">
+              <a:solidFill>
+                <a:schemeClr val="lt1"/>
+              </a:solidFill>
+            </a:endParaRPr>
+          </a:p>
+        </p:txBody>
+      </p:sp>
     </p:spTree>
   </p:cSld>
   <p:clrMapOvr>
     <a:masterClrMapping/>
   </p:clrMapOvr>
+  <p:timing>
+    <p:tnLst>
+      <p:par>
+        <p:cTn dur="indefinite" nodeType="tmRoot" restart="never">
+          <p:childTnLst>
+            <p:seq concurrent="1" nextAc="seek">
+              <p:cTn dur="indefinite" id="2" nodeType="mainSeq">
+                <p:childTnLst>
+                  <p:par>
+                    <p:cTn fill="hold">
+                      <p:stCondLst>
+                        <p:cond delay="indefinite"/>
+                        <p:cond evt="onBegin" delay="0">
+                          <p:tn val="2"/>
+                        </p:cond>
+                      </p:stCondLst>
+                      <p:childTnLst>
+                        <p:par>
+                          <p:cTn fill="hold">
+                            <p:stCondLst>
+                              <p:cond delay="0"/>
+                            </p:stCondLst>
+                            <p:childTnLst>
+                              <p:par>
+                                <p:cTn fill="hold" nodeType="afterEffect" presetClass="entr" presetID="1" presetSubtype="0">
+                                  <p:stCondLst>
+                                    <p:cond delay="0"/>
+                                  </p:stCondLst>
+                                  <p:childTnLst>
+                                    <p:set>
+                                      <p:cBhvr>
+                                        <p:cTn dur="1" fill="hold">
+                                          <p:stCondLst>
+                                            <p:cond delay="0"/>
+                                          </p:stCondLst>
+                                        </p:cTn>
+                                        <p:tgtEl>
+                                          <p:spTgt spid="85"/>
+                                        </p:tgtEl>
+                                        <p:attrNameLst>
+                                          <p:attrName>style.visibility</p:attrName>
+                                        </p:attrNameLst>
+                                      </p:cBhvr>
+                                      <p:to>
+                                        <p:strVal val="visible"/>
+                                      </p:to>
+                                    </p:set>
+                                  </p:childTnLst>
+                                </p:cTn>
+                              </p:par>
+                            </p:childTnLst>
+                          </p:cTn>
+                        </p:par>
+                        <p:par>
+                          <p:cTn fill="hold">
+                            <p:stCondLst>
+                              <p:cond delay="0"/>
+                            </p:stCondLst>
+                            <p:childTnLst>
+                              <p:par>
+                                <p:cTn fill="hold" nodeType="afterEffect" presetClass="entr" presetID="1" presetSubtype="0">
+                                  <p:stCondLst>
+                                    <p:cond delay="0"/>
+                                  </p:stCondLst>
+                                  <p:childTnLst>
+                                    <p:set>
+                                      <p:cBhvr>
+                                        <p:cTn dur="1" fill="hold">
+                                          <p:stCondLst>
+                                            <p:cond delay="0"/>
+                                          </p:stCondLst>
+                                        </p:cTn>
+                                        <p:tgtEl>
+                                          <p:spTgt spid="88"/>
+                                        </p:tgtEl>
+                                        <p:attrNameLst>
+                                          <p:attrName>style.visibility</p:attrName>
+                                        </p:attrNameLst>
+                                      </p:cBhvr>
+                                      <p:to>
+                                        <p:strVal val="visible"/>
+                                      </p:to>
+                                    </p:set>
+                                  </p:childTnLst>
+                                </p:cTn>
+                              </p:par>
+                            </p:childTnLst>
+                          </p:cTn>
+                        </p:par>
+                        <p:par>
+                          <p:cTn fill="hold">
+                            <p:stCondLst>
+                              <p:cond delay="0"/>
+                            </p:stCondLst>
+                            <p:childTnLst>
+                              <p:par>
+                                <p:cTn fill="hold" nodeType="afterEffect" presetClass="entr" presetID="1" presetSubtype="0">
+                                  <p:stCondLst>
+                                    <p:cond delay="0"/>
+                                  </p:stCondLst>
+                                  <p:childTnLst>
+                                    <p:set>
+                                      <p:cBhvr>
+                                        <p:cTn dur="1" fill="hold">
+                                          <p:stCondLst>
+                                            <p:cond delay="0"/>
+                                          </p:stCondLst>
+                                        </p:cTn>
+                                        <p:tgtEl>
+                                          <p:spTgt spid="86"/>
+                                        </p:tgtEl>
+                                        <p:attrNameLst>
+                                          <p:attrName>style.visibility</p:attrName>
+                                        </p:attrNameLst>
+                                      </p:cBhvr>
+                                      <p:to>
+                                        <p:strVal val="visible"/>
+                                      </p:to>
+                                    </p:set>
+                                  </p:childTnLst>
+                                </p:cTn>
+                              </p:par>
+                            </p:childTnLst>
+                          </p:cTn>
+                        </p:par>
+                        <p:par>
+                          <p:cTn fill="hold">
+                            <p:stCondLst>
+                              <p:cond delay="0"/>
+                            </p:stCondLst>
+                            <p:childTnLst>
+                              <p:par>
+                                <p:cTn fill="hold" nodeType="afterEffect" presetClass="entr" presetID="1" presetSubtype="0">
+                                  <p:stCondLst>
+                                    <p:cond delay="0"/>
+                                  </p:stCondLst>
+                                  <p:childTnLst>
+                                    <p:set>
+                                      <p:cBhvr>
+                                        <p:cTn dur="1" fill="hold">
+                                          <p:stCondLst>
+                                            <p:cond delay="0"/>
+                                          </p:stCondLst>
+                                        </p:cTn>
+                                        <p:tgtEl>
+                                          <p:spTgt spid="87"/>
+                                        </p:tgtEl>
+                                        <p:attrNameLst>
+                                          <p:attrName>style.visibility</p:attrName>
+                                        </p:attrNameLst>
+                                      </p:cBhvr>
+                                      <p:to>
+                                        <p:strVal val="visible"/>
+                                      </p:to>
+                                    </p:set>
+                                  </p:childTnLst>
+                                </p:cTn>
+                              </p:par>
+                            </p:childTnLst>
+                          </p:cTn>
+                        </p:par>
+                      </p:childTnLst>
+                    </p:cTn>
+                  </p:par>
+                </p:childTnLst>
+              </p:cTn>
+              <p:prevCondLst>
+                <p:cond evt="onPrev">
+                  <p:tgtEl>
+                    <p:sldTgt/>
+                  </p:tgtEl>
+                </p:cond>
+              </p:prevCondLst>
+              <p:nextCondLst>
+                <p:cond evt="onNext">
+                  <p:tgtEl>
+                    <p:sldTgt/>
+                  </p:tgtEl>
+                </p:cond>
+              </p:nextCondLst>
+            </p:seq>
+          </p:childTnLst>
+        </p:cTn>
+      </p:par>
+    </p:tnLst>
+  </p:timing>
 </p:sld>
 </file>
 
@@ -11656,8 +13994,8 @@
         </p:nvSpPr>
         <p:spPr>
           <a:xfrm>
-            <a:off x="407975" y="445025"/>
-            <a:ext cx="8328000" cy="572700"/>
+            <a:off x="929175" y="445025"/>
+            <a:ext cx="3697800" cy="572700"/>
           </a:xfrm>
           <a:prstGeom prst="rect">
             <a:avLst/>
@@ -11684,7 +14022,7 @@
                   <a:schemeClr val="lt1"/>
                 </a:solidFill>
               </a:rPr>
-              <a:t>T5 Model Architecture &amp; Implementation</a:t>
+              <a:t>Model Architecture</a:t>
             </a:r>
             <a:endParaRPr>
               <a:solidFill>
@@ -11704,7 +14042,7 @@
         </p:nvSpPr>
         <p:spPr>
           <a:xfrm>
-            <a:off x="407975" y="1152475"/>
+            <a:off x="929175" y="1207350"/>
             <a:ext cx="3903600" cy="3416400"/>
           </a:xfrm>
           <a:prstGeom prst="rect">
@@ -11719,7 +14057,7 @@
           <a:p>
             <a:pPr indent="0" lvl="0" marL="0" rtl="0" algn="l">
               <a:spcBef>
-                <a:spcPts val="0"/>
+                <a:spcPts val="1200"/>
               </a:spcBef>
               <a:spcAft>
                 <a:spcPts val="0"/>
@@ -11727,21 +14065,21 @@
               <a:buNone/>
             </a:pPr>
             <a:r>
-              <a:rPr lang="en">
-                <a:solidFill>
-                  <a:schemeClr val="lt1"/>
-                </a:solidFill>
-              </a:rPr>
-              <a:t>Model Specifications:</a:t>
-            </a:r>
-            <a:endParaRPr>
+              <a:rPr b="1" lang="en" sz="1800">
+                <a:solidFill>
+                  <a:srgbClr val="000000"/>
+                </a:solidFill>
+              </a:rPr>
+              <a:t>Multi-Model Specifications:</a:t>
+            </a:r>
+            <a:endParaRPr b="1" sz="1800">
               <a:solidFill>
-                <a:schemeClr val="lt1"/>
+                <a:srgbClr val="000000"/>
               </a:solidFill>
             </a:endParaRPr>
           </a:p>
           <a:p>
-            <a:pPr indent="-317500" lvl="0" marL="457200" rtl="0" algn="l">
+            <a:pPr indent="-342900" lvl="0" marL="457200" rtl="0" algn="l">
               <a:spcBef>
                 <a:spcPts val="1200"/>
               </a:spcBef>
@@ -11749,27 +14087,35 @@
                 <a:spcPts val="0"/>
               </a:spcAft>
               <a:buClr>
-                <a:schemeClr val="lt1"/>
+                <a:srgbClr val="000000"/>
               </a:buClr>
-              <a:buSzPts val="1400"/>
+              <a:buSzPts val="1800"/>
               <a:buChar char="●"/>
             </a:pPr>
             <a:r>
-              <a:rPr lang="en">
-                <a:solidFill>
-                  <a:schemeClr val="lt1"/>
-                </a:solidFill>
-              </a:rPr>
-              <a:t>T5-small: 60.5M parameters</a:t>
-            </a:r>
-            <a:endParaRPr>
+              <a:rPr b="1" lang="en" sz="1800">
+                <a:solidFill>
+                  <a:srgbClr val="000000"/>
+                </a:solidFill>
+              </a:rPr>
+              <a:t>T5-Small:</a:t>
+            </a:r>
+            <a:r>
+              <a:rPr lang="en" sz="1800">
+                <a:solidFill>
+                  <a:srgbClr val="000000"/>
+                </a:solidFill>
+              </a:rPr>
+              <a:t> 60.5M parameters, 230.8 MB, 1.23 summaries/sec</a:t>
+            </a:r>
+            <a:endParaRPr sz="1800">
               <a:solidFill>
-                <a:schemeClr val="lt1"/>
+                <a:srgbClr val="000000"/>
               </a:solidFill>
             </a:endParaRPr>
           </a:p>
           <a:p>
-            <a:pPr indent="-317500" lvl="0" marL="457200" rtl="0" algn="l">
+            <a:pPr indent="-342900" lvl="0" marL="457200" rtl="0" algn="l">
               <a:spcBef>
                 <a:spcPts val="0"/>
               </a:spcBef>
@@ -11777,27 +14123,35 @@
                 <a:spcPts val="0"/>
               </a:spcAft>
               <a:buClr>
-                <a:schemeClr val="lt1"/>
+                <a:srgbClr val="000000"/>
               </a:buClr>
-              <a:buSzPts val="1400"/>
+              <a:buSzPts val="1800"/>
               <a:buChar char="●"/>
             </a:pPr>
             <a:r>
-              <a:rPr lang="en">
-                <a:solidFill>
-                  <a:schemeClr val="lt1"/>
-                </a:solidFill>
-              </a:rPr>
-              <a:t>Model size: 230.8 MB</a:t>
-            </a:r>
-            <a:endParaRPr>
+              <a:rPr b="1" lang="en" sz="1800">
+                <a:solidFill>
+                  <a:srgbClr val="000000"/>
+                </a:solidFill>
+              </a:rPr>
+              <a:t>BART-Large-CNN:</a:t>
+            </a:r>
+            <a:r>
+              <a:rPr lang="en" sz="1800">
+                <a:solidFill>
+                  <a:srgbClr val="000000"/>
+                </a:solidFill>
+              </a:rPr>
+              <a:t> 406.3M parameters, 1,549.9 MB, 0.27 summaries/sec</a:t>
+            </a:r>
+            <a:endParaRPr sz="1800">
               <a:solidFill>
-                <a:schemeClr val="lt1"/>
+                <a:srgbClr val="000000"/>
               </a:solidFill>
             </a:endParaRPr>
           </a:p>
           <a:p>
-            <a:pPr indent="-317500" lvl="0" marL="457200" rtl="0" algn="l">
+            <a:pPr indent="-342900" lvl="0" marL="457200" rtl="0" algn="l">
               <a:spcBef>
                 <a:spcPts val="0"/>
               </a:spcBef>
@@ -11805,76 +14159,28 @@
                 <a:spcPts val="0"/>
               </a:spcAft>
               <a:buClr>
-                <a:schemeClr val="lt1"/>
+                <a:srgbClr val="000000"/>
               </a:buClr>
-              <a:buSzPts val="1400"/>
+              <a:buSzPts val="1800"/>
               <a:buChar char="●"/>
             </a:pPr>
             <a:r>
-              <a:rPr lang="en">
-                <a:solidFill>
-                  <a:schemeClr val="lt1"/>
-                </a:solidFill>
-              </a:rPr>
-              <a:t>Input format: "summarize: [clinical_text]"</a:t>
-            </a:r>
-            <a:endParaRPr>
-              <a:solidFill>
-                <a:schemeClr val="lt1"/>
-              </a:solidFill>
-            </a:endParaRPr>
-          </a:p>
-          <a:p>
-            <a:pPr indent="-317500" lvl="0" marL="457200" rtl="0" algn="l">
-              <a:spcBef>
-                <a:spcPts val="0"/>
-              </a:spcBef>
-              <a:spcAft>
-                <a:spcPts val="0"/>
-              </a:spcAft>
-              <a:buClr>
-                <a:schemeClr val="lt1"/>
-              </a:buClr>
-              <a:buSzPts val="1400"/>
-              <a:buChar char="●"/>
-            </a:pPr>
-            <a:r>
-              <a:rPr lang="en">
-                <a:solidFill>
-                  <a:schemeClr val="lt1"/>
-                </a:solidFill>
-              </a:rPr>
-              <a:t>Max input: 512 tokens, Output: ~100 tokens</a:t>
-            </a:r>
-            <a:endParaRPr>
-              <a:solidFill>
-                <a:schemeClr val="lt1"/>
-              </a:solidFill>
-            </a:endParaRPr>
-          </a:p>
-          <a:p>
-            <a:pPr indent="-317500" lvl="0" marL="457200" rtl="0" algn="l">
-              <a:spcBef>
-                <a:spcPts val="0"/>
-              </a:spcBef>
-              <a:spcAft>
-                <a:spcPts val="0"/>
-              </a:spcAft>
-              <a:buClr>
-                <a:schemeClr val="lt1"/>
-              </a:buClr>
-              <a:buSzPts val="1400"/>
-              <a:buChar char="●"/>
-            </a:pPr>
-            <a:r>
-              <a:rPr lang="en">
-                <a:solidFill>
-                  <a:schemeClr val="lt1"/>
-                </a:solidFill>
-              </a:rPr>
-              <a:t>CPU-based processing for accessibility</a:t>
-            </a:r>
-            <a:endParaRPr>
+              <a:rPr b="1" lang="en" sz="1800">
+                <a:solidFill>
+                  <a:srgbClr val="000000"/>
+                </a:solidFill>
+              </a:rPr>
+              <a:t>T5-Base:</a:t>
+            </a:r>
+            <a:r>
+              <a:rPr lang="en" sz="1800">
+                <a:solidFill>
+                  <a:srgbClr val="000000"/>
+                </a:solidFill>
+              </a:rPr>
+              <a:t> 222.9M parameters, 850.3 MB, 0.42 summaries/sec</a:t>
+            </a:r>
+            <a:endParaRPr sz="1800">
               <a:solidFill>
                 <a:schemeClr val="lt1"/>
               </a:solidFill>
@@ -11884,7 +14190,7 @@
       </p:sp>
       <p:pic>
         <p:nvPicPr>
-          <p:cNvPr id="96" name="Google Shape;96;p18" title="10_processing_time_distribution.png"/>
+          <p:cNvPr id="96" name="Google Shape;96;p18"/>
           <p:cNvPicPr preferRelativeResize="0"/>
           <p:nvPr/>
         </p:nvPicPr>
@@ -11898,8 +14204,8 @@
         </p:blipFill>
         <p:spPr>
           <a:xfrm>
-            <a:off x="5534800" y="1017723"/>
-            <a:ext cx="2622769" cy="1564651"/>
+            <a:off x="5812463" y="445027"/>
+            <a:ext cx="2680202" cy="1934273"/>
           </a:xfrm>
           <a:prstGeom prst="rect">
             <a:avLst/>
@@ -11926,8 +14232,8 @@
         </p:blipFill>
         <p:spPr>
           <a:xfrm>
-            <a:off x="5666737" y="2708927"/>
-            <a:ext cx="2358900" cy="1761722"/>
+            <a:off x="5907687" y="2651322"/>
+            <a:ext cx="2489776" cy="1859453"/>
           </a:xfrm>
           <a:prstGeom prst="rect">
             <a:avLst/>
@@ -11943,6 +14249,192 @@
   <p:clrMapOvr>
     <a:masterClrMapping/>
   </p:clrMapOvr>
+  <p:timing>
+    <p:tnLst>
+      <p:par>
+        <p:cTn dur="indefinite" nodeType="tmRoot" restart="never">
+          <p:childTnLst>
+            <p:seq concurrent="1" nextAc="seek">
+              <p:cTn dur="indefinite" id="2" nodeType="mainSeq">
+                <p:childTnLst>
+                  <p:par>
+                    <p:cTn fill="hold">
+                      <p:stCondLst>
+                        <p:cond delay="indefinite"/>
+                        <p:cond evt="onBegin" delay="0">
+                          <p:tn val="2"/>
+                        </p:cond>
+                      </p:stCondLst>
+                      <p:childTnLst>
+                        <p:par>
+                          <p:cTn fill="hold">
+                            <p:stCondLst>
+                              <p:cond delay="0"/>
+                            </p:stCondLst>
+                            <p:childTnLst>
+                              <p:par>
+                                <p:cTn fill="hold" nodeType="withEffect" presetClass="entr" presetID="1" presetSubtype="0">
+                                  <p:stCondLst>
+                                    <p:cond delay="0"/>
+                                  </p:stCondLst>
+                                  <p:childTnLst>
+                                    <p:set>
+                                      <p:cBhvr>
+                                        <p:cTn dur="1" fill="hold">
+                                          <p:stCondLst>
+                                            <p:cond delay="0"/>
+                                          </p:stCondLst>
+                                        </p:cTn>
+                                        <p:tgtEl>
+                                          <p:spTgt spid="93"/>
+                                        </p:tgtEl>
+                                        <p:attrNameLst>
+                                          <p:attrName>style.visibility</p:attrName>
+                                        </p:attrNameLst>
+                                      </p:cBhvr>
+                                      <p:to>
+                                        <p:strVal val="visible"/>
+                                      </p:to>
+                                    </p:set>
+                                  </p:childTnLst>
+                                </p:cTn>
+                              </p:par>
+                              <p:par>
+                                <p:cTn fill="hold" nodeType="withEffect" presetClass="entr" presetID="1" presetSubtype="0">
+                                  <p:stCondLst>
+                                    <p:cond delay="0"/>
+                                  </p:stCondLst>
+                                  <p:childTnLst>
+                                    <p:set>
+                                      <p:cBhvr>
+                                        <p:cTn dur="1" fill="hold">
+                                          <p:stCondLst>
+                                            <p:cond delay="0"/>
+                                          </p:stCondLst>
+                                        </p:cTn>
+                                        <p:tgtEl>
+                                          <p:spTgt spid="94"/>
+                                        </p:tgtEl>
+                                        <p:attrNameLst>
+                                          <p:attrName>style.visibility</p:attrName>
+                                        </p:attrNameLst>
+                                      </p:cBhvr>
+                                      <p:to>
+                                        <p:strVal val="visible"/>
+                                      </p:to>
+                                    </p:set>
+                                  </p:childTnLst>
+                                </p:cTn>
+                              </p:par>
+                              <p:par>
+                                <p:cTn fill="hold" nodeType="withEffect" presetClass="entr" presetID="1" presetSubtype="0">
+                                  <p:stCondLst>
+                                    <p:cond delay="0"/>
+                                  </p:stCondLst>
+                                  <p:childTnLst>
+                                    <p:set>
+                                      <p:cBhvr>
+                                        <p:cTn dur="1" fill="hold">
+                                          <p:stCondLst>
+                                            <p:cond delay="0"/>
+                                          </p:stCondLst>
+                                        </p:cTn>
+                                        <p:tgtEl>
+                                          <p:spTgt spid="95"/>
+                                        </p:tgtEl>
+                                        <p:attrNameLst>
+                                          <p:attrName>style.visibility</p:attrName>
+                                        </p:attrNameLst>
+                                      </p:cBhvr>
+                                      <p:to>
+                                        <p:strVal val="visible"/>
+                                      </p:to>
+                                    </p:set>
+                                  </p:childTnLst>
+                                </p:cTn>
+                              </p:par>
+                              <p:par>
+                                <p:cTn fill="hold" nodeType="withEffect" presetClass="entr" presetID="1" presetSubtype="0">
+                                  <p:stCondLst>
+                                    <p:cond delay="0"/>
+                                  </p:stCondLst>
+                                  <p:childTnLst>
+                                    <p:set>
+                                      <p:cBhvr>
+                                        <p:cTn dur="1" fill="hold">
+                                          <p:stCondLst>
+                                            <p:cond delay="0"/>
+                                          </p:stCondLst>
+                                        </p:cTn>
+                                        <p:tgtEl>
+                                          <p:spTgt spid="96"/>
+                                        </p:tgtEl>
+                                        <p:attrNameLst>
+                                          <p:attrName>style.visibility</p:attrName>
+                                        </p:attrNameLst>
+                                      </p:cBhvr>
+                                      <p:to>
+                                        <p:strVal val="visible"/>
+                                      </p:to>
+                                    </p:set>
+                                  </p:childTnLst>
+                                </p:cTn>
+                              </p:par>
+                              <p:par>
+                                <p:cTn fill="hold" nodeType="withEffect" presetClass="entr" presetID="1" presetSubtype="0">
+                                  <p:stCondLst>
+                                    <p:cond delay="0"/>
+                                  </p:stCondLst>
+                                  <p:childTnLst>
+                                    <p:set>
+                                      <p:cBhvr>
+                                        <p:cTn dur="1" fill="hold">
+                                          <p:stCondLst>
+                                            <p:cond delay="0"/>
+                                          </p:stCondLst>
+                                        </p:cTn>
+                                        <p:tgtEl>
+                                          <p:spTgt spid="97"/>
+                                        </p:tgtEl>
+                                        <p:attrNameLst>
+                                          <p:attrName>style.visibility</p:attrName>
+                                        </p:attrNameLst>
+                                      </p:cBhvr>
+                                      <p:to>
+                                        <p:strVal val="visible"/>
+                                      </p:to>
+                                    </p:set>
+                                  </p:childTnLst>
+                                </p:cTn>
+                              </p:par>
+                            </p:childTnLst>
+                          </p:cTn>
+                        </p:par>
+                      </p:childTnLst>
+                    </p:cTn>
+                  </p:par>
+                </p:childTnLst>
+              </p:cTn>
+              <p:prevCondLst>
+                <p:cond evt="onPrev">
+                  <p:tgtEl>
+                    <p:sldTgt/>
+                  </p:tgtEl>
+                </p:cond>
+              </p:prevCondLst>
+              <p:nextCondLst>
+                <p:cond evt="onNext">
+                  <p:tgtEl>
+                    <p:sldTgt/>
+                  </p:tgtEl>
+                </p:cond>
+              </p:nextCondLst>
+            </p:seq>
+          </p:childTnLst>
+        </p:cTn>
+      </p:par>
+    </p:tnLst>
+  </p:timing>
 </p:sld>
 </file>
 
@@ -12001,7 +14493,7 @@
         </p:nvSpPr>
         <p:spPr>
           <a:xfrm>
-            <a:off x="407950" y="445025"/>
+            <a:off x="874300" y="445025"/>
             <a:ext cx="8328000" cy="572700"/>
           </a:xfrm>
           <a:prstGeom prst="rect">
@@ -12049,7 +14541,7 @@
         </p:nvSpPr>
         <p:spPr>
           <a:xfrm>
-            <a:off x="407950" y="1152475"/>
+            <a:off x="1614950" y="1017725"/>
             <a:ext cx="3903600" cy="3416400"/>
           </a:xfrm>
           <a:prstGeom prst="rect">
@@ -12064,7 +14556,7 @@
           <a:p>
             <a:pPr indent="0" lvl="0" marL="0" rtl="0" algn="l">
               <a:spcBef>
-                <a:spcPts val="0"/>
+                <a:spcPts val="1200"/>
               </a:spcBef>
               <a:spcAft>
                 <a:spcPts val="0"/>
@@ -12072,21 +14564,21 @@
               <a:buNone/>
             </a:pPr>
             <a:r>
-              <a:rPr lang="en" sz="1500">
-                <a:solidFill>
-                  <a:schemeClr val="lt1"/>
-                </a:solidFill>
-              </a:rPr>
-              <a:t>Top Performance Metrics:</a:t>
-            </a:r>
-            <a:endParaRPr sz="1500">
+              <a:rPr b="1" lang="en">
+                <a:solidFill>
+                  <a:srgbClr val="000000"/>
+                </a:solidFill>
+              </a:rPr>
+              <a:t>Multi-Model Performance Comparison:</a:t>
+            </a:r>
+            <a:endParaRPr b="1">
               <a:solidFill>
-                <a:schemeClr val="lt1"/>
+                <a:srgbClr val="000000"/>
               </a:solidFill>
             </a:endParaRPr>
           </a:p>
           <a:p>
-            <a:pPr indent="-311150" lvl="0" marL="457200" rtl="0" algn="l">
+            <a:pPr indent="-317500" lvl="0" marL="457200" rtl="0" algn="l">
               <a:spcBef>
                 <a:spcPts val="1200"/>
               </a:spcBef>
@@ -12094,27 +14586,35 @@
                 <a:spcPts val="0"/>
               </a:spcAft>
               <a:buClr>
-                <a:schemeClr val="lt1"/>
+                <a:srgbClr val="000000"/>
               </a:buClr>
-              <a:buSzPts val="1300"/>
+              <a:buSzPts val="1400"/>
               <a:buChar char="●"/>
             </a:pPr>
             <a:r>
-              <a:rPr lang="en" sz="1300">
-                <a:solidFill>
-                  <a:schemeClr val="lt1"/>
-                </a:solidFill>
-              </a:rPr>
-              <a:t>ROUGE-1: 0.2085 (20.85% unigram overlap)</a:t>
-            </a:r>
-            <a:endParaRPr sz="1300">
+              <a:rPr b="1" lang="en">
+                <a:solidFill>
+                  <a:srgbClr val="000000"/>
+                </a:solidFill>
+              </a:rPr>
+              <a:t>T5-Small (Winner):</a:t>
+            </a:r>
+            <a:r>
+              <a:rPr lang="en">
+                <a:solidFill>
+                  <a:srgbClr val="000000"/>
+                </a:solidFill>
+              </a:rPr>
+              <a:t> ROUGE-1: 0.2121, Overall: 0.4169</a:t>
+            </a:r>
+            <a:endParaRPr>
               <a:solidFill>
-                <a:schemeClr val="lt1"/>
+                <a:srgbClr val="000000"/>
               </a:solidFill>
             </a:endParaRPr>
           </a:p>
           <a:p>
-            <a:pPr indent="-311150" lvl="0" marL="457200" rtl="0" algn="l">
+            <a:pPr indent="-317500" lvl="0" marL="457200" rtl="0" algn="l">
               <a:spcBef>
                 <a:spcPts val="0"/>
               </a:spcBef>
@@ -12122,27 +14622,35 @@
                 <a:spcPts val="0"/>
               </a:spcAft>
               <a:buClr>
-                <a:schemeClr val="lt1"/>
+                <a:srgbClr val="000000"/>
               </a:buClr>
-              <a:buSzPts val="1300"/>
+              <a:buSzPts val="1400"/>
               <a:buChar char="●"/>
             </a:pPr>
             <a:r>
-              <a:rPr lang="en" sz="1300">
-                <a:solidFill>
-                  <a:schemeClr val="lt1"/>
-                </a:solidFill>
-              </a:rPr>
-              <a:t>ROUGE-2: 0.0669 (6.69% bigram overlap)</a:t>
-            </a:r>
-            <a:endParaRPr sz="1300">
+              <a:rPr b="1" lang="en">
+                <a:solidFill>
+                  <a:srgbClr val="000000"/>
+                </a:solidFill>
+              </a:rPr>
+              <a:t>BART-Large:</a:t>
+            </a:r>
+            <a:r>
+              <a:rPr lang="en">
+                <a:solidFill>
+                  <a:srgbClr val="000000"/>
+                </a:solidFill>
+              </a:rPr>
+              <a:t> ROUGE-1: 0.2316 (highest quality), Overall: 0.2723</a:t>
+            </a:r>
+            <a:endParaRPr>
               <a:solidFill>
-                <a:schemeClr val="lt1"/>
+                <a:srgbClr val="000000"/>
               </a:solidFill>
             </a:endParaRPr>
           </a:p>
           <a:p>
-            <a:pPr indent="-311150" lvl="0" marL="457200" rtl="0" algn="l">
+            <a:pPr indent="-317500" lvl="0" marL="457200" rtl="0" algn="l">
               <a:spcBef>
                 <a:spcPts val="0"/>
               </a:spcBef>
@@ -12150,48 +14658,28 @@
                 <a:spcPts val="0"/>
               </a:spcAft>
               <a:buClr>
-                <a:schemeClr val="lt1"/>
+                <a:srgbClr val="000000"/>
               </a:buClr>
-              <a:buSzPts val="1300"/>
+              <a:buSzPts val="1400"/>
               <a:buChar char="●"/>
             </a:pPr>
             <a:r>
-              <a:rPr lang="en" sz="1300">
-                <a:solidFill>
-                  <a:schemeClr val="lt1"/>
-                </a:solidFill>
-              </a:rPr>
-              <a:t>ROUGE-L: 0.1637 (16.37% longest common subsequence)</a:t>
-            </a:r>
-            <a:endParaRPr sz="1300">
-              <a:solidFill>
-                <a:schemeClr val="lt1"/>
-              </a:solidFill>
-            </a:endParaRPr>
-          </a:p>
-          <a:p>
-            <a:pPr indent="-311150" lvl="0" marL="457200" rtl="0" algn="l">
-              <a:spcBef>
-                <a:spcPts val="0"/>
-              </a:spcBef>
-              <a:spcAft>
-                <a:spcPts val="0"/>
-              </a:spcAft>
-              <a:buClr>
-                <a:schemeClr val="lt1"/>
-              </a:buClr>
-              <a:buSzPts val="1300"/>
-              <a:buChar char="●"/>
-            </a:pPr>
-            <a:r>
-              <a:rPr lang="en" sz="1300">
-                <a:solidFill>
-                  <a:schemeClr val="lt1"/>
-                </a:solidFill>
-              </a:rPr>
-              <a:t>Text Compression: 97.2%</a:t>
-            </a:r>
-            <a:endParaRPr sz="1300">
+              <a:rPr b="1" lang="en">
+                <a:solidFill>
+                  <a:srgbClr val="000000"/>
+                </a:solidFill>
+              </a:rPr>
+              <a:t>T5-Base:</a:t>
+            </a:r>
+            <a:r>
+              <a:rPr lang="en">
+                <a:solidFill>
+                  <a:srgbClr val="000000"/>
+                </a:solidFill>
+              </a:rPr>
+              <a:t> ROUGE-1: 0.2210, Overall: 0.2868</a:t>
+            </a:r>
+            <a:endParaRPr>
               <a:solidFill>
                 <a:schemeClr val="lt1"/>
               </a:solidFill>
@@ -12215,8 +14703,8 @@
         </p:blipFill>
         <p:spPr>
           <a:xfrm>
-            <a:off x="5011274" y="1017725"/>
-            <a:ext cx="3138999" cy="1869426"/>
+            <a:off x="5930301" y="3039538"/>
+            <a:ext cx="2668498" cy="1717824"/>
           </a:xfrm>
           <a:prstGeom prst="rect">
             <a:avLst/>
@@ -12243,8 +14731,36 @@
         </p:blipFill>
         <p:spPr>
           <a:xfrm>
-            <a:off x="5011275" y="2887150"/>
-            <a:ext cx="3139002" cy="1913850"/>
+            <a:off x="3049937" y="3124472"/>
+            <a:ext cx="2668498" cy="1547949"/>
+          </a:xfrm>
+          <a:prstGeom prst="rect">
+            <a:avLst/>
+          </a:prstGeom>
+          <a:noFill/>
+          <a:ln>
+            <a:noFill/>
+          </a:ln>
+        </p:spPr>
+      </p:pic>
+      <p:pic>
+        <p:nvPicPr>
+          <p:cNvPr id="107" name="Google Shape;107;p19"/>
+          <p:cNvPicPr preferRelativeResize="0"/>
+          <p:nvPr/>
+        </p:nvPicPr>
+        <p:blipFill>
+          <a:blip r:embed="rId6">
+            <a:alphaModFix/>
+          </a:blip>
+          <a:stretch>
+            <a:fillRect/>
+          </a:stretch>
+        </p:blipFill>
+        <p:spPr>
+          <a:xfrm>
+            <a:off x="939708" y="3124475"/>
+            <a:ext cx="1761219" cy="1547950"/>
           </a:xfrm>
           <a:prstGeom prst="rect">
             <a:avLst/>
@@ -12260,6 +14776,219 @@
   <p:clrMapOvr>
     <a:masterClrMapping/>
   </p:clrMapOvr>
+  <p:timing>
+    <p:tnLst>
+      <p:par>
+        <p:cTn dur="indefinite" nodeType="tmRoot" restart="never">
+          <p:childTnLst>
+            <p:seq concurrent="1" nextAc="seek">
+              <p:cTn dur="indefinite" id="2" nodeType="mainSeq">
+                <p:childTnLst>
+                  <p:par>
+                    <p:cTn fill="hold">
+                      <p:stCondLst>
+                        <p:cond delay="indefinite"/>
+                        <p:cond evt="onBegin" delay="0">
+                          <p:tn val="2"/>
+                        </p:cond>
+                      </p:stCondLst>
+                      <p:childTnLst>
+                        <p:par>
+                          <p:cTn fill="hold">
+                            <p:stCondLst>
+                              <p:cond delay="0"/>
+                            </p:stCondLst>
+                            <p:childTnLst>
+                              <p:par>
+                                <p:cTn fill="hold" nodeType="afterEffect" presetClass="entr" presetID="1" presetSubtype="0">
+                                  <p:stCondLst>
+                                    <p:cond delay="0"/>
+                                  </p:stCondLst>
+                                  <p:childTnLst>
+                                    <p:set>
+                                      <p:cBhvr>
+                                        <p:cTn dur="1" fill="hold">
+                                          <p:stCondLst>
+                                            <p:cond delay="0"/>
+                                          </p:stCondLst>
+                                        </p:cTn>
+                                        <p:tgtEl>
+                                          <p:spTgt spid="102"/>
+                                        </p:tgtEl>
+                                        <p:attrNameLst>
+                                          <p:attrName>style.visibility</p:attrName>
+                                        </p:attrNameLst>
+                                      </p:cBhvr>
+                                      <p:to>
+                                        <p:strVal val="visible"/>
+                                      </p:to>
+                                    </p:set>
+                                  </p:childTnLst>
+                                </p:cTn>
+                              </p:par>
+                              <p:par>
+                                <p:cTn fill="hold" nodeType="withEffect" presetClass="entr" presetID="1" presetSubtype="0">
+                                  <p:stCondLst>
+                                    <p:cond delay="0"/>
+                                  </p:stCondLst>
+                                  <p:childTnLst>
+                                    <p:set>
+                                      <p:cBhvr>
+                                        <p:cTn dur="1" fill="hold">
+                                          <p:stCondLst>
+                                            <p:cond delay="0"/>
+                                          </p:stCondLst>
+                                        </p:cTn>
+                                        <p:tgtEl>
+                                          <p:spTgt spid="103"/>
+                                        </p:tgtEl>
+                                        <p:attrNameLst>
+                                          <p:attrName>style.visibility</p:attrName>
+                                        </p:attrNameLst>
+                                      </p:cBhvr>
+                                      <p:to>
+                                        <p:strVal val="visible"/>
+                                      </p:to>
+                                    </p:set>
+                                  </p:childTnLst>
+                                </p:cTn>
+                              </p:par>
+                              <p:par>
+                                <p:cTn fill="hold" nodeType="withEffect" presetClass="entr" presetID="1" presetSubtype="0">
+                                  <p:stCondLst>
+                                    <p:cond delay="0"/>
+                                  </p:stCondLst>
+                                  <p:childTnLst>
+                                    <p:set>
+                                      <p:cBhvr>
+                                        <p:cTn dur="1" fill="hold">
+                                          <p:stCondLst>
+                                            <p:cond delay="0"/>
+                                          </p:stCondLst>
+                                        </p:cTn>
+                                        <p:tgtEl>
+                                          <p:spTgt spid="104"/>
+                                        </p:tgtEl>
+                                        <p:attrNameLst>
+                                          <p:attrName>style.visibility</p:attrName>
+                                        </p:attrNameLst>
+                                      </p:cBhvr>
+                                      <p:to>
+                                        <p:strVal val="visible"/>
+                                      </p:to>
+                                    </p:set>
+                                  </p:childTnLst>
+                                </p:cTn>
+                              </p:par>
+                              <p:par>
+                                <p:cTn fill="hold" nodeType="withEffect" presetClass="entr" presetID="1" presetSubtype="0">
+                                  <p:stCondLst>
+                                    <p:cond delay="0"/>
+                                  </p:stCondLst>
+                                  <p:childTnLst>
+                                    <p:set>
+                                      <p:cBhvr>
+                                        <p:cTn dur="1" fill="hold">
+                                          <p:stCondLst>
+                                            <p:cond delay="0"/>
+                                          </p:stCondLst>
+                                        </p:cTn>
+                                        <p:tgtEl>
+                                          <p:spTgt spid="105"/>
+                                        </p:tgtEl>
+                                        <p:attrNameLst>
+                                          <p:attrName>style.visibility</p:attrName>
+                                        </p:attrNameLst>
+                                      </p:cBhvr>
+                                      <p:to>
+                                        <p:strVal val="visible"/>
+                                      </p:to>
+                                    </p:set>
+                                  </p:childTnLst>
+                                </p:cTn>
+                              </p:par>
+                              <p:par>
+                                <p:cTn fill="hold" nodeType="withEffect" presetClass="entr" presetID="1" presetSubtype="0">
+                                  <p:stCondLst>
+                                    <p:cond delay="0"/>
+                                  </p:stCondLst>
+                                  <p:childTnLst>
+                                    <p:set>
+                                      <p:cBhvr>
+                                        <p:cTn dur="1" fill="hold">
+                                          <p:stCondLst>
+                                            <p:cond delay="0"/>
+                                          </p:stCondLst>
+                                        </p:cTn>
+                                        <p:tgtEl>
+                                          <p:spTgt spid="106"/>
+                                        </p:tgtEl>
+                                        <p:attrNameLst>
+                                          <p:attrName>style.visibility</p:attrName>
+                                        </p:attrNameLst>
+                                      </p:cBhvr>
+                                      <p:to>
+                                        <p:strVal val="visible"/>
+                                      </p:to>
+                                    </p:set>
+                                  </p:childTnLst>
+                                </p:cTn>
+                              </p:par>
+                              <p:par>
+                                <p:cTn fill="hold" nodeType="withEffect" presetClass="entr" presetID="1" presetSubtype="0">
+                                  <p:stCondLst>
+                                    <p:cond delay="0"/>
+                                  </p:stCondLst>
+                                  <p:childTnLst>
+                                    <p:set>
+                                      <p:cBhvr>
+                                        <p:cTn dur="1" fill="hold">
+                                          <p:stCondLst>
+                                            <p:cond delay="0"/>
+                                          </p:stCondLst>
+                                        </p:cTn>
+                                        <p:tgtEl>
+                                          <p:spTgt spid="107"/>
+                                        </p:tgtEl>
+                                        <p:attrNameLst>
+                                          <p:attrName>style.visibility</p:attrName>
+                                        </p:attrNameLst>
+                                      </p:cBhvr>
+                                      <p:to>
+                                        <p:strVal val="visible"/>
+                                      </p:to>
+                                    </p:set>
+                                  </p:childTnLst>
+                                </p:cTn>
+                              </p:par>
+                            </p:childTnLst>
+                          </p:cTn>
+                        </p:par>
+                      </p:childTnLst>
+                    </p:cTn>
+                  </p:par>
+                </p:childTnLst>
+              </p:cTn>
+              <p:prevCondLst>
+                <p:cond evt="onPrev">
+                  <p:tgtEl>
+                    <p:sldTgt/>
+                  </p:tgtEl>
+                </p:cond>
+              </p:prevCondLst>
+              <p:nextCondLst>
+                <p:cond evt="onNext">
+                  <p:tgtEl>
+                    <p:sldTgt/>
+                  </p:tgtEl>
+                </p:cond>
+              </p:nextCondLst>
+            </p:seq>
+          </p:childTnLst>
+        </p:cTn>
+      </p:par>
+    </p:tnLst>
+  </p:timing>
 </p:sld>
 </file>
 
@@ -12268,7 +14997,7 @@
   <p:cSld>
     <p:spTree>
       <p:nvGrpSpPr>
-        <p:cNvPr id="110" name="Shape 110"/>
+        <p:cNvPr id="111" name="Shape 111"/>
         <p:cNvGrpSpPr/>
         <p:nvPr/>
       </p:nvGrpSpPr>
@@ -12282,7 +15011,7 @@
       </p:grpSpPr>
       <p:pic>
         <p:nvPicPr>
-          <p:cNvPr id="111" name="Google Shape;111;p20"/>
+          <p:cNvPr id="112" name="Google Shape;112;p20"/>
           <p:cNvPicPr preferRelativeResize="0"/>
           <p:nvPr/>
         </p:nvPicPr>
@@ -12310,7 +15039,7 @@
       </p:pic>
       <p:sp>
         <p:nvSpPr>
-          <p:cNvPr id="112" name="Google Shape;112;p20"/>
+          <p:cNvPr id="113" name="Google Shape;113;p20"/>
           <p:cNvSpPr txBox="1"/>
           <p:nvPr>
             <p:ph type="title"/>
@@ -12318,7 +15047,7 @@
         </p:nvSpPr>
         <p:spPr>
           <a:xfrm>
-            <a:off x="407975" y="445025"/>
+            <a:off x="901750" y="579775"/>
             <a:ext cx="8424300" cy="572700"/>
           </a:xfrm>
           <a:prstGeom prst="rect">
@@ -12358,7 +15087,7 @@
       </p:sp>
       <p:sp>
         <p:nvSpPr>
-          <p:cNvPr id="113" name="Google Shape;113;p20"/>
+          <p:cNvPr id="114" name="Google Shape;114;p20"/>
           <p:cNvSpPr txBox="1"/>
           <p:nvPr>
             <p:ph idx="1" type="body"/>
@@ -12366,7 +15095,7 @@
         </p:nvSpPr>
         <p:spPr>
           <a:xfrm>
-            <a:off x="407975" y="1152475"/>
+            <a:off x="901750" y="1152475"/>
             <a:ext cx="3903600" cy="3416400"/>
           </a:xfrm>
           <a:prstGeom prst="rect">
@@ -12381,7 +15110,7 @@
           <a:p>
             <a:pPr indent="0" lvl="0" marL="0" rtl="0" algn="l">
               <a:spcBef>
-                <a:spcPts val="0"/>
+                <a:spcPts val="1200"/>
               </a:spcBef>
               <a:spcAft>
                 <a:spcPts val="0"/>
@@ -12389,21 +15118,21 @@
               <a:buNone/>
             </a:pPr>
             <a:r>
-              <a:rPr lang="en">
-                <a:solidFill>
-                  <a:schemeClr val="lt1"/>
-                </a:solidFill>
-              </a:rPr>
-              <a:t>Example 1: Emergency Medicine Case</a:t>
-            </a:r>
-            <a:endParaRPr>
+              <a:rPr b="1" lang="en">
+                <a:solidFill>
+                  <a:srgbClr val="000000"/>
+                </a:solidFill>
+              </a:rPr>
+              <a:t>Respiratory Surgery Case (104 words):</a:t>
+            </a:r>
+            <a:endParaRPr b="1">
               <a:solidFill>
-                <a:schemeClr val="lt1"/>
+                <a:srgbClr val="000000"/>
               </a:solidFill>
             </a:endParaRPr>
           </a:p>
           <a:p>
-            <a:pPr indent="-311150" lvl="0" marL="457200" rtl="0" algn="l">
+            <a:pPr indent="-317500" lvl="0" marL="457200" rtl="0" algn="l">
               <a:spcBef>
                 <a:spcPts val="1200"/>
               </a:spcBef>
@@ -12411,27 +15140,35 @@
                 <a:spcPts val="0"/>
               </a:spcAft>
               <a:buClr>
-                <a:schemeClr val="lt1"/>
+                <a:srgbClr val="000000"/>
               </a:buClr>
-              <a:buSzPts val="1300"/>
+              <a:buSzPts val="1400"/>
               <a:buChar char="●"/>
             </a:pPr>
             <a:r>
-              <a:rPr lang="en" sz="1300">
-                <a:solidFill>
-                  <a:schemeClr val="lt1"/>
-                </a:solidFill>
-              </a:rPr>
-              <a:t>Original: "...patient ended up taking six ecstasy tablets..."</a:t>
-            </a:r>
-            <a:endParaRPr sz="1300">
+              <a:rPr b="1" lang="en">
+                <a:solidFill>
+                  <a:srgbClr val="000000"/>
+                </a:solidFill>
+              </a:rPr>
+              <a:t>T5-Small (36 words):</a:t>
+            </a:r>
+            <a:r>
+              <a:rPr lang="en">
+                <a:solidFill>
+                  <a:srgbClr val="000000"/>
+                </a:solidFill>
+              </a:rPr>
+              <a:t> Comprehensive medical terminology preservation</a:t>
+            </a:r>
+            <a:endParaRPr>
               <a:solidFill>
-                <a:schemeClr val="lt1"/>
+                <a:srgbClr val="000000"/>
               </a:solidFill>
             </a:endParaRPr>
           </a:p>
           <a:p>
-            <a:pPr indent="-311150" lvl="0" marL="457200" rtl="0" algn="l">
+            <a:pPr indent="-317500" lvl="0" marL="457200" rtl="0" algn="l">
               <a:spcBef>
                 <a:spcPts val="0"/>
               </a:spcBef>
@@ -12439,27 +15176,35 @@
                 <a:spcPts val="0"/>
               </a:spcAft>
               <a:buClr>
-                <a:schemeClr val="lt1"/>
+                <a:srgbClr val="000000"/>
               </a:buClr>
-              <a:buSzPts val="1300"/>
+              <a:buSzPts val="1400"/>
               <a:buChar char="●"/>
             </a:pPr>
             <a:r>
-              <a:rPr lang="en" sz="1300">
-                <a:solidFill>
-                  <a:schemeClr val="lt1"/>
-                </a:solidFill>
-              </a:rPr>
-              <a:t>Generated: "patient went out partying and drank two mixed drinks...took six ecstasy tablets...mother called EMS when patient vomited"</a:t>
-            </a:r>
-            <a:endParaRPr sz="1300">
+              <a:rPr b="1" lang="en">
+                <a:solidFill>
+                  <a:srgbClr val="000000"/>
+                </a:solidFill>
+              </a:rPr>
+              <a:t>BART-Large (26 words):</a:t>
+            </a:r>
+            <a:r>
+              <a:rPr lang="en">
+                <a:solidFill>
+                  <a:srgbClr val="000000"/>
+                </a:solidFill>
+              </a:rPr>
+              <a:t> Clean prose, some precision loss</a:t>
+            </a:r>
+            <a:endParaRPr>
               <a:solidFill>
-                <a:schemeClr val="lt1"/>
+                <a:srgbClr val="000000"/>
               </a:solidFill>
             </a:endParaRPr>
           </a:p>
           <a:p>
-            <a:pPr indent="-311150" lvl="0" marL="457200" rtl="0" algn="l">
+            <a:pPr indent="-317500" lvl="0" marL="457200" rtl="0" algn="l">
               <a:spcBef>
                 <a:spcPts val="0"/>
               </a:spcBef>
@@ -12467,20 +15212,28 @@
                 <a:spcPts val="0"/>
               </a:spcAft>
               <a:buClr>
-                <a:schemeClr val="lt1"/>
+                <a:srgbClr val="000000"/>
               </a:buClr>
-              <a:buSzPts val="1300"/>
+              <a:buSzPts val="1400"/>
               <a:buChar char="●"/>
             </a:pPr>
             <a:r>
-              <a:rPr lang="en" sz="1300">
-                <a:solidFill>
-                  <a:schemeClr val="lt1"/>
-                </a:solidFill>
-              </a:rPr>
-              <a:t>Analysis: Preserved specific quantities and timeline</a:t>
-            </a:r>
-            <a:endParaRPr sz="1300">
+              <a:rPr b="1" lang="en">
+                <a:solidFill>
+                  <a:srgbClr val="000000"/>
+                </a:solidFill>
+              </a:rPr>
+              <a:t>T5-Base (23 words):</a:t>
+            </a:r>
+            <a:r>
+              <a:rPr lang="en">
+                <a:solidFill>
+                  <a:srgbClr val="000000"/>
+                </a:solidFill>
+              </a:rPr>
+              <a:t> Concise with essential diagnostic info</a:t>
+            </a:r>
+            <a:endParaRPr>
               <a:solidFill>
                 <a:schemeClr val="lt1"/>
               </a:solidFill>
@@ -12490,7 +15243,7 @@
       </p:sp>
       <p:pic>
         <p:nvPicPr>
-          <p:cNvPr id="114" name="Google Shape;114;p20"/>
+          <p:cNvPr id="115" name="Google Shape;115;p20"/>
           <p:cNvPicPr preferRelativeResize="0"/>
           <p:nvPr/>
         </p:nvPicPr>
@@ -12504,8 +15257,8 @@
         </p:blipFill>
         <p:spPr>
           <a:xfrm>
-            <a:off x="4311575" y="1474009"/>
-            <a:ext cx="4424474" cy="2195490"/>
+            <a:off x="3164151" y="3166153"/>
+            <a:ext cx="5192376" cy="1718950"/>
           </a:xfrm>
           <a:prstGeom prst="rect">
             <a:avLst/>
@@ -12521,6 +15274,165 @@
   <p:clrMapOvr>
     <a:masterClrMapping/>
   </p:clrMapOvr>
+  <p:timing>
+    <p:tnLst>
+      <p:par>
+        <p:cTn dur="indefinite" nodeType="tmRoot" restart="never">
+          <p:childTnLst>
+            <p:seq concurrent="1" nextAc="seek">
+              <p:cTn dur="indefinite" id="2" nodeType="mainSeq">
+                <p:childTnLst>
+                  <p:par>
+                    <p:cTn fill="hold">
+                      <p:stCondLst>
+                        <p:cond delay="indefinite"/>
+                        <p:cond evt="onBegin" delay="0">
+                          <p:tn val="2"/>
+                        </p:cond>
+                      </p:stCondLst>
+                      <p:childTnLst>
+                        <p:par>
+                          <p:cTn fill="hold">
+                            <p:stCondLst>
+                              <p:cond delay="0"/>
+                            </p:stCondLst>
+                            <p:childTnLst>
+                              <p:par>
+                                <p:cTn fill="hold" nodeType="afterEffect" presetClass="entr" presetID="1" presetSubtype="0">
+                                  <p:stCondLst>
+                                    <p:cond delay="0"/>
+                                  </p:stCondLst>
+                                  <p:childTnLst>
+                                    <p:set>
+                                      <p:cBhvr>
+                                        <p:cTn dur="1" fill="hold">
+                                          <p:stCondLst>
+                                            <p:cond delay="0"/>
+                                          </p:stCondLst>
+                                        </p:cTn>
+                                        <p:tgtEl>
+                                          <p:spTgt spid="112"/>
+                                        </p:tgtEl>
+                                        <p:attrNameLst>
+                                          <p:attrName>style.visibility</p:attrName>
+                                        </p:attrNameLst>
+                                      </p:cBhvr>
+                                      <p:to>
+                                        <p:strVal val="visible"/>
+                                      </p:to>
+                                    </p:set>
+                                  </p:childTnLst>
+                                </p:cTn>
+                              </p:par>
+                              <p:par>
+                                <p:cTn fill="hold" nodeType="withEffect" presetClass="entr" presetID="1" presetSubtype="0">
+                                  <p:stCondLst>
+                                    <p:cond delay="0"/>
+                                  </p:stCondLst>
+                                  <p:childTnLst>
+                                    <p:set>
+                                      <p:cBhvr>
+                                        <p:cTn dur="1" fill="hold">
+                                          <p:stCondLst>
+                                            <p:cond delay="0"/>
+                                          </p:stCondLst>
+                                        </p:cTn>
+                                        <p:tgtEl>
+                                          <p:spTgt spid="113"/>
+                                        </p:tgtEl>
+                                        <p:attrNameLst>
+                                          <p:attrName>style.visibility</p:attrName>
+                                        </p:attrNameLst>
+                                      </p:cBhvr>
+                                      <p:to>
+                                        <p:strVal val="visible"/>
+                                      </p:to>
+                                    </p:set>
+                                  </p:childTnLst>
+                                </p:cTn>
+                              </p:par>
+                              <p:par>
+                                <p:cTn fill="hold" nodeType="withEffect" presetClass="entr" presetID="1" presetSubtype="0">
+                                  <p:stCondLst>
+                                    <p:cond delay="0"/>
+                                  </p:stCondLst>
+                                  <p:childTnLst>
+                                    <p:set>
+                                      <p:cBhvr>
+                                        <p:cTn dur="1" fill="hold">
+                                          <p:stCondLst>
+                                            <p:cond delay="0"/>
+                                          </p:stCondLst>
+                                        </p:cTn>
+                                        <p:tgtEl>
+                                          <p:spTgt spid="114"/>
+                                        </p:tgtEl>
+                                        <p:attrNameLst>
+                                          <p:attrName>style.visibility</p:attrName>
+                                        </p:attrNameLst>
+                                      </p:cBhvr>
+                                      <p:to>
+                                        <p:strVal val="visible"/>
+                                      </p:to>
+                                    </p:set>
+                                  </p:childTnLst>
+                                </p:cTn>
+                              </p:par>
+                              <p:par>
+                                <p:cTn fill="hold" nodeType="withEffect" presetClass="entr" presetID="1" presetSubtype="0">
+                                  <p:stCondLst>
+                                    <p:cond delay="0"/>
+                                  </p:stCondLst>
+                                  <p:childTnLst>
+                                    <p:set>
+                                      <p:cBhvr>
+                                        <p:cTn dur="1" fill="hold">
+                                          <p:stCondLst>
+                                            <p:cond delay="0"/>
+                                          </p:stCondLst>
+                                        </p:cTn>
+                                        <p:tgtEl>
+                                          <p:spTgt spid="115"/>
+                                        </p:tgtEl>
+                                        <p:attrNameLst>
+                                          <p:attrName>style.visibility</p:attrName>
+                                        </p:attrNameLst>
+                                      </p:cBhvr>
+                                      <p:to>
+                                        <p:strVal val="visible"/>
+                                      </p:to>
+                                    </p:set>
+                                  </p:childTnLst>
+                                </p:cTn>
+                              </p:par>
+                            </p:childTnLst>
+                          </p:cTn>
+                        </p:par>
+                      </p:childTnLst>
+                    </p:cTn>
+                  </p:par>
+                </p:childTnLst>
+              </p:cTn>
+              <p:prevCondLst>
+                <p:cond evt="onPrev">
+                  <p:tgtEl>
+                    <p:sldTgt/>
+                  </p:tgtEl>
+                </p:cond>
+              </p:prevCondLst>
+              <p:nextCondLst>
+                <p:cond evt="onNext">
+                  <p:tgtEl>
+                    <p:sldTgt/>
+                  </p:tgtEl>
+                </p:cond>
+              </p:nextCondLst>
+            </p:seq>
+          </p:childTnLst>
+        </p:cTn>
+      </p:par>
+    </p:tnLst>
+  </p:timing>
 </p:sld>
 </file>
 
@@ -12529,7 +15441,7 @@
   <p:cSld>
     <p:spTree>
       <p:nvGrpSpPr>
-        <p:cNvPr id="118" name="Shape 118"/>
+        <p:cNvPr id="119" name="Shape 119"/>
         <p:cNvGrpSpPr/>
         <p:nvPr/>
       </p:nvGrpSpPr>
@@ -12543,7 +15455,7 @@
       </p:grpSpPr>
       <p:pic>
         <p:nvPicPr>
-          <p:cNvPr id="119" name="Google Shape;119;p21"/>
+          <p:cNvPr id="120" name="Google Shape;120;p21"/>
           <p:cNvPicPr preferRelativeResize="0"/>
           <p:nvPr/>
         </p:nvPicPr>
@@ -12571,7 +15483,7 @@
       </p:pic>
       <p:sp>
         <p:nvSpPr>
-          <p:cNvPr id="120" name="Google Shape;120;p21"/>
+          <p:cNvPr id="121" name="Google Shape;121;p21"/>
           <p:cNvSpPr txBox="1"/>
           <p:nvPr>
             <p:ph type="title"/>
@@ -12579,8 +15491,8 @@
         </p:nvSpPr>
         <p:spPr>
           <a:xfrm>
-            <a:off x="407975" y="445025"/>
-            <a:ext cx="8328000" cy="572700"/>
+            <a:off x="888025" y="376450"/>
+            <a:ext cx="4717800" cy="572700"/>
           </a:xfrm>
           <a:prstGeom prst="rect">
             <a:avLst/>
@@ -12607,7 +15519,7 @@
                   <a:schemeClr val="lt1"/>
                 </a:solidFill>
               </a:rPr>
-              <a:t>Performance Analysis by Text Length</a:t>
+              <a:t>Performance Analysis</a:t>
             </a:r>
             <a:endParaRPr>
               <a:solidFill>
@@ -12619,7 +15531,7 @@
       </p:sp>
       <p:sp>
         <p:nvSpPr>
-          <p:cNvPr id="121" name="Google Shape;121;p21"/>
+          <p:cNvPr id="122" name="Google Shape;122;p21"/>
           <p:cNvSpPr txBox="1"/>
           <p:nvPr>
             <p:ph idx="1" type="body"/>
@@ -12627,7 +15539,7 @@
         </p:nvSpPr>
         <p:spPr>
           <a:xfrm>
-            <a:off x="407975" y="1152475"/>
+            <a:off x="942925" y="949150"/>
             <a:ext cx="3903600" cy="3416400"/>
           </a:xfrm>
           <a:prstGeom prst="rect">
@@ -12650,21 +15562,21 @@
               <a:buNone/>
             </a:pPr>
             <a:r>
-              <a:rPr lang="en">
+              <a:rPr lang="en" sz="1500">
                 <a:solidFill>
                   <a:schemeClr val="lt1"/>
                 </a:solidFill>
               </a:rPr>
               <a:t>Key Findings:</a:t>
             </a:r>
-            <a:endParaRPr>
+            <a:endParaRPr sz="1500">
               <a:solidFill>
                 <a:schemeClr val="lt1"/>
               </a:solidFill>
             </a:endParaRPr>
           </a:p>
           <a:p>
-            <a:pPr indent="-317500" lvl="0" marL="457200" rtl="0" algn="l">
+            <a:pPr indent="-323850" lvl="0" marL="457200" rtl="0" algn="l">
               <a:spcBef>
                 <a:spcPts val="1200"/>
               </a:spcBef>
@@ -12674,25 +15586,25 @@
               <a:buClr>
                 <a:schemeClr val="lt1"/>
               </a:buClr>
-              <a:buSzPts val="1400"/>
+              <a:buSzPts val="1500"/>
               <a:buChar char="●"/>
             </a:pPr>
             <a:r>
-              <a:rPr lang="en">
+              <a:rPr lang="en" sz="1500">
                 <a:solidFill>
                   <a:schemeClr val="lt1"/>
                 </a:solidFill>
               </a:rPr>
               <a:t>Short texts (0-200 words): ROUGE-1 = 0.1735</a:t>
             </a:r>
-            <a:endParaRPr>
+            <a:endParaRPr sz="1500">
               <a:solidFill>
                 <a:schemeClr val="lt1"/>
               </a:solidFill>
             </a:endParaRPr>
           </a:p>
           <a:p>
-            <a:pPr indent="-317500" lvl="0" marL="457200" rtl="0" algn="l">
+            <a:pPr indent="-323850" lvl="0" marL="457200" rtl="0" algn="l">
               <a:spcBef>
                 <a:spcPts val="0"/>
               </a:spcBef>
@@ -12702,25 +15614,25 @@
               <a:buClr>
                 <a:schemeClr val="lt1"/>
               </a:buClr>
-              <a:buSzPts val="1400"/>
+              <a:buSzPts val="1500"/>
               <a:buChar char="●"/>
             </a:pPr>
             <a:r>
-              <a:rPr lang="en">
+              <a:rPr lang="en" sz="1500">
                 <a:solidFill>
                   <a:schemeClr val="lt1"/>
                 </a:solidFill>
               </a:rPr>
               <a:t>Medium texts (200-500 words): ROUGE-1 = 0.2052</a:t>
             </a:r>
-            <a:endParaRPr>
+            <a:endParaRPr sz="1500">
               <a:solidFill>
                 <a:schemeClr val="lt1"/>
               </a:solidFill>
             </a:endParaRPr>
           </a:p>
           <a:p>
-            <a:pPr indent="-317500" lvl="0" marL="457200" rtl="0" algn="l">
+            <a:pPr indent="-323850" lvl="0" marL="457200" rtl="0" algn="l">
               <a:spcBef>
                 <a:spcPts val="0"/>
               </a:spcBef>
@@ -12730,25 +15642,25 @@
               <a:buClr>
                 <a:schemeClr val="lt1"/>
               </a:buClr>
-              <a:buSzPts val="1400"/>
+              <a:buSzPts val="1500"/>
               <a:buChar char="●"/>
             </a:pPr>
             <a:r>
-              <a:rPr lang="en">
+              <a:rPr lang="en" sz="1500">
                 <a:solidFill>
                   <a:schemeClr val="lt1"/>
                 </a:solidFill>
               </a:rPr>
               <a:t>Long texts (500+ words): ROUGE-1 = 0.2288</a:t>
             </a:r>
-            <a:endParaRPr>
+            <a:endParaRPr sz="1500">
               <a:solidFill>
                 <a:schemeClr val="lt1"/>
               </a:solidFill>
             </a:endParaRPr>
           </a:p>
           <a:p>
-            <a:pPr indent="-317500" lvl="0" marL="457200" rtl="0" algn="l">
+            <a:pPr indent="-323850" lvl="0" marL="457200" rtl="0" algn="l">
               <a:spcBef>
                 <a:spcPts val="0"/>
               </a:spcBef>
@@ -12758,18 +15670,18 @@
               <a:buClr>
                 <a:schemeClr val="lt1"/>
               </a:buClr>
-              <a:buSzPts val="1400"/>
+              <a:buSzPts val="1500"/>
               <a:buChar char="●"/>
             </a:pPr>
             <a:r>
-              <a:rPr lang="en">
+              <a:rPr lang="en" sz="1500">
                 <a:solidFill>
                   <a:schemeClr val="lt1"/>
                 </a:solidFill>
               </a:rPr>
               <a:t>Better performance on longer, more comprehensive texts</a:t>
             </a:r>
-            <a:endParaRPr>
+            <a:endParaRPr sz="1500">
               <a:solidFill>
                 <a:schemeClr val="lt1"/>
               </a:solidFill>
@@ -12779,7 +15691,7 @@
       </p:sp>
       <p:pic>
         <p:nvPicPr>
-          <p:cNvPr id="122" name="Google Shape;122;p21"/>
+          <p:cNvPr id="123" name="Google Shape;123;p21"/>
           <p:cNvPicPr preferRelativeResize="0"/>
           <p:nvPr/>
         </p:nvPicPr>
@@ -12793,8 +15705,8 @@
         </p:blipFill>
         <p:spPr>
           <a:xfrm>
-            <a:off x="5350184" y="1152475"/>
-            <a:ext cx="2868026" cy="1708050"/>
+            <a:off x="6048001" y="1424499"/>
+            <a:ext cx="2301998" cy="1607349"/>
           </a:xfrm>
           <a:prstGeom prst="rect">
             <a:avLst/>
@@ -12807,22 +15719,21 @@
       </p:pic>
       <p:pic>
         <p:nvPicPr>
-          <p:cNvPr id="123" name="Google Shape;123;p21"/>
+          <p:cNvPr id="124" name="Google Shape;124;p21"/>
           <p:cNvPicPr preferRelativeResize="0"/>
           <p:nvPr/>
         </p:nvPicPr>
-        <p:blipFill>
+        <p:blipFill rotWithShape="1">
           <a:blip r:embed="rId5">
             <a:alphaModFix/>
           </a:blip>
-          <a:stretch>
-            <a:fillRect/>
-          </a:stretch>
+          <a:srcRect b="36562" l="396" r="396" t="43210"/>
+          <a:stretch/>
         </p:blipFill>
         <p:spPr>
           <a:xfrm>
-            <a:off x="5350175" y="2995275"/>
-            <a:ext cx="2868026" cy="1708050"/>
+            <a:off x="1521200" y="3739900"/>
+            <a:ext cx="6828800" cy="828974"/>
           </a:xfrm>
           <a:prstGeom prst="rect">
             <a:avLst/>
@@ -12838,6 +15749,192 @@
   <p:clrMapOvr>
     <a:masterClrMapping/>
   </p:clrMapOvr>
+  <p:timing>
+    <p:tnLst>
+      <p:par>
+        <p:cTn dur="indefinite" nodeType="tmRoot" restart="never">
+          <p:childTnLst>
+            <p:seq concurrent="1" nextAc="seek">
+              <p:cTn dur="indefinite" id="2" nodeType="mainSeq">
+                <p:childTnLst>
+                  <p:par>
+                    <p:cTn fill="hold">
+                      <p:stCondLst>
+                        <p:cond delay="indefinite"/>
+                        <p:cond evt="onBegin" delay="0">
+                          <p:tn val="2"/>
+                        </p:cond>
+                      </p:stCondLst>
+                      <p:childTnLst>
+                        <p:par>
+                          <p:cTn fill="hold">
+                            <p:stCondLst>
+                              <p:cond delay="0"/>
+                            </p:stCondLst>
+                            <p:childTnLst>
+                              <p:par>
+                                <p:cTn fill="hold" nodeType="withEffect" presetClass="entr" presetID="1" presetSubtype="0">
+                                  <p:stCondLst>
+                                    <p:cond delay="0"/>
+                                  </p:stCondLst>
+                                  <p:childTnLst>
+                                    <p:set>
+                                      <p:cBhvr>
+                                        <p:cTn dur="1" fill="hold">
+                                          <p:stCondLst>
+                                            <p:cond delay="0"/>
+                                          </p:stCondLst>
+                                        </p:cTn>
+                                        <p:tgtEl>
+                                          <p:spTgt spid="120"/>
+                                        </p:tgtEl>
+                                        <p:attrNameLst>
+                                          <p:attrName>style.visibility</p:attrName>
+                                        </p:attrNameLst>
+                                      </p:cBhvr>
+                                      <p:to>
+                                        <p:strVal val="visible"/>
+                                      </p:to>
+                                    </p:set>
+                                  </p:childTnLst>
+                                </p:cTn>
+                              </p:par>
+                              <p:par>
+                                <p:cTn fill="hold" nodeType="withEffect" presetClass="entr" presetID="1" presetSubtype="0">
+                                  <p:stCondLst>
+                                    <p:cond delay="0"/>
+                                  </p:stCondLst>
+                                  <p:childTnLst>
+                                    <p:set>
+                                      <p:cBhvr>
+                                        <p:cTn dur="1" fill="hold">
+                                          <p:stCondLst>
+                                            <p:cond delay="0"/>
+                                          </p:stCondLst>
+                                        </p:cTn>
+                                        <p:tgtEl>
+                                          <p:spTgt spid="121"/>
+                                        </p:tgtEl>
+                                        <p:attrNameLst>
+                                          <p:attrName>style.visibility</p:attrName>
+                                        </p:attrNameLst>
+                                      </p:cBhvr>
+                                      <p:to>
+                                        <p:strVal val="visible"/>
+                                      </p:to>
+                                    </p:set>
+                                  </p:childTnLst>
+                                </p:cTn>
+                              </p:par>
+                              <p:par>
+                                <p:cTn fill="hold" nodeType="withEffect" presetClass="entr" presetID="1" presetSubtype="0">
+                                  <p:stCondLst>
+                                    <p:cond delay="0"/>
+                                  </p:stCondLst>
+                                  <p:childTnLst>
+                                    <p:set>
+                                      <p:cBhvr>
+                                        <p:cTn dur="1" fill="hold">
+                                          <p:stCondLst>
+                                            <p:cond delay="0"/>
+                                          </p:stCondLst>
+                                        </p:cTn>
+                                        <p:tgtEl>
+                                          <p:spTgt spid="122"/>
+                                        </p:tgtEl>
+                                        <p:attrNameLst>
+                                          <p:attrName>style.visibility</p:attrName>
+                                        </p:attrNameLst>
+                                      </p:cBhvr>
+                                      <p:to>
+                                        <p:strVal val="visible"/>
+                                      </p:to>
+                                    </p:set>
+                                  </p:childTnLst>
+                                </p:cTn>
+                              </p:par>
+                              <p:par>
+                                <p:cTn fill="hold" nodeType="withEffect" presetClass="entr" presetID="1" presetSubtype="0">
+                                  <p:stCondLst>
+                                    <p:cond delay="0"/>
+                                  </p:stCondLst>
+                                  <p:childTnLst>
+                                    <p:set>
+                                      <p:cBhvr>
+                                        <p:cTn dur="1" fill="hold">
+                                          <p:stCondLst>
+                                            <p:cond delay="0"/>
+                                          </p:stCondLst>
+                                        </p:cTn>
+                                        <p:tgtEl>
+                                          <p:spTgt spid="123"/>
+                                        </p:tgtEl>
+                                        <p:attrNameLst>
+                                          <p:attrName>style.visibility</p:attrName>
+                                        </p:attrNameLst>
+                                      </p:cBhvr>
+                                      <p:to>
+                                        <p:strVal val="visible"/>
+                                      </p:to>
+                                    </p:set>
+                                  </p:childTnLst>
+                                </p:cTn>
+                              </p:par>
+                              <p:par>
+                                <p:cTn fill="hold" nodeType="withEffect" presetClass="entr" presetID="1" presetSubtype="0">
+                                  <p:stCondLst>
+                                    <p:cond delay="0"/>
+                                  </p:stCondLst>
+                                  <p:childTnLst>
+                                    <p:set>
+                                      <p:cBhvr>
+                                        <p:cTn dur="1" fill="hold">
+                                          <p:stCondLst>
+                                            <p:cond delay="0"/>
+                                          </p:stCondLst>
+                                        </p:cTn>
+                                        <p:tgtEl>
+                                          <p:spTgt spid="124"/>
+                                        </p:tgtEl>
+                                        <p:attrNameLst>
+                                          <p:attrName>style.visibility</p:attrName>
+                                        </p:attrNameLst>
+                                      </p:cBhvr>
+                                      <p:to>
+                                        <p:strVal val="visible"/>
+                                      </p:to>
+                                    </p:set>
+                                  </p:childTnLst>
+                                </p:cTn>
+                              </p:par>
+                            </p:childTnLst>
+                          </p:cTn>
+                        </p:par>
+                      </p:childTnLst>
+                    </p:cTn>
+                  </p:par>
+                </p:childTnLst>
+              </p:cTn>
+              <p:prevCondLst>
+                <p:cond evt="onPrev">
+                  <p:tgtEl>
+                    <p:sldTgt/>
+                  </p:tgtEl>
+                </p:cond>
+              </p:prevCondLst>
+              <p:nextCondLst>
+                <p:cond evt="onNext">
+                  <p:tgtEl>
+                    <p:sldTgt/>
+                  </p:tgtEl>
+                </p:cond>
+              </p:nextCondLst>
+            </p:seq>
+          </p:childTnLst>
+        </p:cTn>
+      </p:par>
+    </p:tnLst>
+  </p:timing>
 </p:sld>
 </file>
 
